--- a/result/report.pptx
+++ b/result/report.pptx
@@ -6,8 +6,14 @@
   </p:sldMasterIdLst>
   <p:sldIdLst>
     <p:sldId id="256" r:id="rId2"/>
-    <p:sldId id="259" r:id="rId3"/>
-    <p:sldId id="260" r:id="rId4"/>
+    <p:sldId id="261" r:id="rId3"/>
+    <p:sldId id="262" r:id="rId4"/>
+    <p:sldId id="260" r:id="rId5"/>
+    <p:sldId id="259" r:id="rId6"/>
+    <p:sldId id="263" r:id="rId7"/>
+    <p:sldId id="264" r:id="rId8"/>
+    <p:sldId id="265" r:id="rId9"/>
+    <p:sldId id="266" r:id="rId10"/>
   </p:sldIdLst>
   <p:sldSz cx="9144000" cy="6858000" type="screen4x3"/>
   <p:notesSz cx="6858000" cy="9144000"/>
@@ -106,6 +112,22 @@
       </a:defRPr>
     </a:lvl9pPr>
   </p:defaultTextStyle>
+  <p:extLst>
+    <p:ext uri="{EFAFB233-063F-42B5-8137-9DF3F51BA10A}">
+      <p15:sldGuideLst xmlns:p15="http://schemas.microsoft.com/office/powerpoint/2012/main">
+        <p15:guide id="1" orient="horz" pos="2160">
+          <p15:clr>
+            <a:srgbClr val="A4A3A4"/>
+          </p15:clr>
+        </p15:guide>
+        <p15:guide id="2" pos="2880">
+          <p15:clr>
+            <a:srgbClr val="A4A3A4"/>
+          </p15:clr>
+        </p15:guide>
+      </p15:sldGuideLst>
+    </p:ext>
+  </p:extLst>
 </p:presentation>
 </file>
 
@@ -147,10 +169,9 @@
           <a:lstStyle/>
           <a:p>
             <a:r>
-              <a:rPr lang="zh-TW" altLang="en-US" smtClean="0"/>
+              <a:rPr lang="zh-TW" altLang="en-US"/>
               <a:t>按一下以編輯母片標題樣式</a:t>
             </a:r>
-            <a:endParaRPr lang="zh-TW" altLang="en-US"/>
           </a:p>
         </p:txBody>
       </p:sp>
@@ -266,10 +287,9 @@
           </a:lstStyle>
           <a:p>
             <a:r>
-              <a:rPr lang="zh-TW" altLang="en-US" smtClean="0"/>
+              <a:rPr lang="zh-TW" altLang="en-US"/>
               <a:t>按一下以編輯母片副標題樣式</a:t>
             </a:r>
-            <a:endParaRPr lang="zh-TW" altLang="en-US"/>
           </a:p>
         </p:txBody>
       </p:sp>
@@ -379,10 +399,9 @@
           <a:lstStyle/>
           <a:p>
             <a:r>
-              <a:rPr lang="zh-TW" altLang="en-US" smtClean="0"/>
+              <a:rPr lang="zh-TW" altLang="en-US"/>
               <a:t>按一下以編輯母片標題樣式</a:t>
             </a:r>
-            <a:endParaRPr lang="zh-TW" altLang="en-US"/>
           </a:p>
         </p:txBody>
       </p:sp>
@@ -403,38 +422,37 @@
           <a:p>
             <a:pPr lvl="0"/>
             <a:r>
-              <a:rPr lang="zh-TW" altLang="en-US" smtClean="0"/>
+              <a:rPr lang="zh-TW" altLang="en-US"/>
               <a:t>按一下以編輯母片文字樣式</a:t>
             </a:r>
           </a:p>
           <a:p>
             <a:pPr lvl="1"/>
             <a:r>
-              <a:rPr lang="zh-TW" altLang="en-US" smtClean="0"/>
+              <a:rPr lang="zh-TW" altLang="en-US"/>
               <a:t>第二層</a:t>
             </a:r>
           </a:p>
           <a:p>
             <a:pPr lvl="2"/>
             <a:r>
-              <a:rPr lang="zh-TW" altLang="en-US" smtClean="0"/>
+              <a:rPr lang="zh-TW" altLang="en-US"/>
               <a:t>第三層</a:t>
             </a:r>
           </a:p>
           <a:p>
             <a:pPr lvl="3"/>
             <a:r>
-              <a:rPr lang="zh-TW" altLang="en-US" smtClean="0"/>
+              <a:rPr lang="zh-TW" altLang="en-US"/>
               <a:t>第四層</a:t>
             </a:r>
           </a:p>
           <a:p>
             <a:pPr lvl="4"/>
             <a:r>
-              <a:rPr lang="zh-TW" altLang="en-US" smtClean="0"/>
+              <a:rPr lang="zh-TW" altLang="en-US"/>
               <a:t>第五層</a:t>
             </a:r>
-            <a:endParaRPr lang="zh-TW" altLang="en-US"/>
           </a:p>
         </p:txBody>
       </p:sp>
@@ -549,10 +567,9 @@
           <a:lstStyle/>
           <a:p>
             <a:r>
-              <a:rPr lang="zh-TW" altLang="en-US" smtClean="0"/>
+              <a:rPr lang="zh-TW" altLang="en-US"/>
               <a:t>按一下以編輯母片標題樣式</a:t>
             </a:r>
-            <a:endParaRPr lang="zh-TW" altLang="en-US"/>
           </a:p>
         </p:txBody>
       </p:sp>
@@ -578,38 +595,37 @@
           <a:p>
             <a:pPr lvl="0"/>
             <a:r>
-              <a:rPr lang="zh-TW" altLang="en-US" smtClean="0"/>
+              <a:rPr lang="zh-TW" altLang="en-US"/>
               <a:t>按一下以編輯母片文字樣式</a:t>
             </a:r>
           </a:p>
           <a:p>
             <a:pPr lvl="1"/>
             <a:r>
-              <a:rPr lang="zh-TW" altLang="en-US" smtClean="0"/>
+              <a:rPr lang="zh-TW" altLang="en-US"/>
               <a:t>第二層</a:t>
             </a:r>
           </a:p>
           <a:p>
             <a:pPr lvl="2"/>
             <a:r>
-              <a:rPr lang="zh-TW" altLang="en-US" smtClean="0"/>
+              <a:rPr lang="zh-TW" altLang="en-US"/>
               <a:t>第三層</a:t>
             </a:r>
           </a:p>
           <a:p>
             <a:pPr lvl="3"/>
             <a:r>
-              <a:rPr lang="zh-TW" altLang="en-US" smtClean="0"/>
+              <a:rPr lang="zh-TW" altLang="en-US"/>
               <a:t>第四層</a:t>
             </a:r>
           </a:p>
           <a:p>
             <a:pPr lvl="4"/>
             <a:r>
-              <a:rPr lang="zh-TW" altLang="en-US" smtClean="0"/>
+              <a:rPr lang="zh-TW" altLang="en-US"/>
               <a:t>第五層</a:t>
             </a:r>
-            <a:endParaRPr lang="zh-TW" altLang="en-US"/>
           </a:p>
         </p:txBody>
       </p:sp>
@@ -719,10 +735,9 @@
           <a:lstStyle/>
           <a:p>
             <a:r>
-              <a:rPr lang="zh-TW" altLang="en-US" smtClean="0"/>
+              <a:rPr lang="zh-TW" altLang="en-US"/>
               <a:t>按一下以編輯母片標題樣式</a:t>
             </a:r>
-            <a:endParaRPr lang="zh-TW" altLang="en-US"/>
           </a:p>
         </p:txBody>
       </p:sp>
@@ -743,38 +758,37 @@
           <a:p>
             <a:pPr lvl="0"/>
             <a:r>
-              <a:rPr lang="zh-TW" altLang="en-US" smtClean="0"/>
+              <a:rPr lang="zh-TW" altLang="en-US"/>
               <a:t>按一下以編輯母片文字樣式</a:t>
             </a:r>
           </a:p>
           <a:p>
             <a:pPr lvl="1"/>
             <a:r>
-              <a:rPr lang="zh-TW" altLang="en-US" smtClean="0"/>
+              <a:rPr lang="zh-TW" altLang="en-US"/>
               <a:t>第二層</a:t>
             </a:r>
           </a:p>
           <a:p>
             <a:pPr lvl="2"/>
             <a:r>
-              <a:rPr lang="zh-TW" altLang="en-US" smtClean="0"/>
+              <a:rPr lang="zh-TW" altLang="en-US"/>
               <a:t>第三層</a:t>
             </a:r>
           </a:p>
           <a:p>
             <a:pPr lvl="3"/>
             <a:r>
-              <a:rPr lang="zh-TW" altLang="en-US" smtClean="0"/>
+              <a:rPr lang="zh-TW" altLang="en-US"/>
               <a:t>第四層</a:t>
             </a:r>
           </a:p>
           <a:p>
             <a:pPr lvl="4"/>
             <a:r>
-              <a:rPr lang="zh-TW" altLang="en-US" smtClean="0"/>
+              <a:rPr lang="zh-TW" altLang="en-US"/>
               <a:t>第五層</a:t>
             </a:r>
-            <a:endParaRPr lang="zh-TW" altLang="en-US"/>
           </a:p>
         </p:txBody>
       </p:sp>
@@ -893,10 +907,9 @@
           </a:lstStyle>
           <a:p>
             <a:r>
-              <a:rPr lang="zh-TW" altLang="en-US" smtClean="0"/>
+              <a:rPr lang="zh-TW" altLang="en-US"/>
               <a:t>按一下以編輯母片標題樣式</a:t>
             </a:r>
-            <a:endParaRPr lang="zh-TW" altLang="en-US"/>
           </a:p>
         </p:txBody>
       </p:sp>
@@ -1013,7 +1026,7 @@
           <a:p>
             <a:pPr lvl="0"/>
             <a:r>
-              <a:rPr lang="zh-TW" altLang="en-US" smtClean="0"/>
+              <a:rPr lang="zh-TW" altLang="en-US"/>
               <a:t>按一下以編輯母片文字樣式</a:t>
             </a:r>
           </a:p>
@@ -1125,10 +1138,9 @@
           <a:lstStyle/>
           <a:p>
             <a:r>
-              <a:rPr lang="zh-TW" altLang="en-US" smtClean="0"/>
+              <a:rPr lang="zh-TW" altLang="en-US"/>
               <a:t>按一下以編輯母片標題樣式</a:t>
             </a:r>
-            <a:endParaRPr lang="zh-TW" altLang="en-US"/>
           </a:p>
         </p:txBody>
       </p:sp>
@@ -1182,38 +1194,37 @@
           <a:p>
             <a:pPr lvl="0"/>
             <a:r>
-              <a:rPr lang="zh-TW" altLang="en-US" smtClean="0"/>
+              <a:rPr lang="zh-TW" altLang="en-US"/>
               <a:t>按一下以編輯母片文字樣式</a:t>
             </a:r>
           </a:p>
           <a:p>
             <a:pPr lvl="1"/>
             <a:r>
-              <a:rPr lang="zh-TW" altLang="en-US" smtClean="0"/>
+              <a:rPr lang="zh-TW" altLang="en-US"/>
               <a:t>第二層</a:t>
             </a:r>
           </a:p>
           <a:p>
             <a:pPr lvl="2"/>
             <a:r>
-              <a:rPr lang="zh-TW" altLang="en-US" smtClean="0"/>
+              <a:rPr lang="zh-TW" altLang="en-US"/>
               <a:t>第三層</a:t>
             </a:r>
           </a:p>
           <a:p>
             <a:pPr lvl="3"/>
             <a:r>
-              <a:rPr lang="zh-TW" altLang="en-US" smtClean="0"/>
+              <a:rPr lang="zh-TW" altLang="en-US"/>
               <a:t>第四層</a:t>
             </a:r>
           </a:p>
           <a:p>
             <a:pPr lvl="4"/>
             <a:r>
-              <a:rPr lang="zh-TW" altLang="en-US" smtClean="0"/>
+              <a:rPr lang="zh-TW" altLang="en-US"/>
               <a:t>第五層</a:t>
             </a:r>
-            <a:endParaRPr lang="zh-TW" altLang="en-US"/>
           </a:p>
         </p:txBody>
       </p:sp>
@@ -1267,38 +1278,37 @@
           <a:p>
             <a:pPr lvl="0"/>
             <a:r>
-              <a:rPr lang="zh-TW" altLang="en-US" smtClean="0"/>
+              <a:rPr lang="zh-TW" altLang="en-US"/>
               <a:t>按一下以編輯母片文字樣式</a:t>
             </a:r>
           </a:p>
           <a:p>
             <a:pPr lvl="1"/>
             <a:r>
-              <a:rPr lang="zh-TW" altLang="en-US" smtClean="0"/>
+              <a:rPr lang="zh-TW" altLang="en-US"/>
               <a:t>第二層</a:t>
             </a:r>
           </a:p>
           <a:p>
             <a:pPr lvl="2"/>
             <a:r>
-              <a:rPr lang="zh-TW" altLang="en-US" smtClean="0"/>
+              <a:rPr lang="zh-TW" altLang="en-US"/>
               <a:t>第三層</a:t>
             </a:r>
           </a:p>
           <a:p>
             <a:pPr lvl="3"/>
             <a:r>
-              <a:rPr lang="zh-TW" altLang="en-US" smtClean="0"/>
+              <a:rPr lang="zh-TW" altLang="en-US"/>
               <a:t>第四層</a:t>
             </a:r>
           </a:p>
           <a:p>
             <a:pPr lvl="4"/>
             <a:r>
-              <a:rPr lang="zh-TW" altLang="en-US" smtClean="0"/>
+              <a:rPr lang="zh-TW" altLang="en-US"/>
               <a:t>第五層</a:t>
             </a:r>
-            <a:endParaRPr lang="zh-TW" altLang="en-US"/>
           </a:p>
         </p:txBody>
       </p:sp>
@@ -1412,10 +1422,9 @@
           </a:lstStyle>
           <a:p>
             <a:r>
-              <a:rPr lang="zh-TW" altLang="en-US" smtClean="0"/>
+              <a:rPr lang="zh-TW" altLang="en-US"/>
               <a:t>按一下以編輯母片標題樣式</a:t>
             </a:r>
-            <a:endParaRPr lang="zh-TW" altLang="en-US"/>
           </a:p>
         </p:txBody>
       </p:sp>
@@ -1478,7 +1487,7 @@
           <a:p>
             <a:pPr lvl="0"/>
             <a:r>
-              <a:rPr lang="zh-TW" altLang="en-US" smtClean="0"/>
+              <a:rPr lang="zh-TW" altLang="en-US"/>
               <a:t>按一下以編輯母片文字樣式</a:t>
             </a:r>
           </a:p>
@@ -1534,38 +1543,37 @@
           <a:p>
             <a:pPr lvl="0"/>
             <a:r>
-              <a:rPr lang="zh-TW" altLang="en-US" smtClean="0"/>
+              <a:rPr lang="zh-TW" altLang="en-US"/>
               <a:t>按一下以編輯母片文字樣式</a:t>
             </a:r>
           </a:p>
           <a:p>
             <a:pPr lvl="1"/>
             <a:r>
-              <a:rPr lang="zh-TW" altLang="en-US" smtClean="0"/>
+              <a:rPr lang="zh-TW" altLang="en-US"/>
               <a:t>第二層</a:t>
             </a:r>
           </a:p>
           <a:p>
             <a:pPr lvl="2"/>
             <a:r>
-              <a:rPr lang="zh-TW" altLang="en-US" smtClean="0"/>
+              <a:rPr lang="zh-TW" altLang="en-US"/>
               <a:t>第三層</a:t>
             </a:r>
           </a:p>
           <a:p>
             <a:pPr lvl="3"/>
             <a:r>
-              <a:rPr lang="zh-TW" altLang="en-US" smtClean="0"/>
+              <a:rPr lang="zh-TW" altLang="en-US"/>
               <a:t>第四層</a:t>
             </a:r>
           </a:p>
           <a:p>
             <a:pPr lvl="4"/>
             <a:r>
-              <a:rPr lang="zh-TW" altLang="en-US" smtClean="0"/>
+              <a:rPr lang="zh-TW" altLang="en-US"/>
               <a:t>第五層</a:t>
             </a:r>
-            <a:endParaRPr lang="zh-TW" altLang="en-US"/>
           </a:p>
         </p:txBody>
       </p:sp>
@@ -1628,7 +1636,7 @@
           <a:p>
             <a:pPr lvl="0"/>
             <a:r>
-              <a:rPr lang="zh-TW" altLang="en-US" smtClean="0"/>
+              <a:rPr lang="zh-TW" altLang="en-US"/>
               <a:t>按一下以編輯母片文字樣式</a:t>
             </a:r>
           </a:p>
@@ -1684,38 +1692,37 @@
           <a:p>
             <a:pPr lvl="0"/>
             <a:r>
-              <a:rPr lang="zh-TW" altLang="en-US" smtClean="0"/>
+              <a:rPr lang="zh-TW" altLang="en-US"/>
               <a:t>按一下以編輯母片文字樣式</a:t>
             </a:r>
           </a:p>
           <a:p>
             <a:pPr lvl="1"/>
             <a:r>
-              <a:rPr lang="zh-TW" altLang="en-US" smtClean="0"/>
+              <a:rPr lang="zh-TW" altLang="en-US"/>
               <a:t>第二層</a:t>
             </a:r>
           </a:p>
           <a:p>
             <a:pPr lvl="2"/>
             <a:r>
-              <a:rPr lang="zh-TW" altLang="en-US" smtClean="0"/>
+              <a:rPr lang="zh-TW" altLang="en-US"/>
               <a:t>第三層</a:t>
             </a:r>
           </a:p>
           <a:p>
             <a:pPr lvl="3"/>
             <a:r>
-              <a:rPr lang="zh-TW" altLang="en-US" smtClean="0"/>
+              <a:rPr lang="zh-TW" altLang="en-US"/>
               <a:t>第四層</a:t>
             </a:r>
           </a:p>
           <a:p>
             <a:pPr lvl="4"/>
             <a:r>
-              <a:rPr lang="zh-TW" altLang="en-US" smtClean="0"/>
+              <a:rPr lang="zh-TW" altLang="en-US"/>
               <a:t>第五層</a:t>
             </a:r>
-            <a:endParaRPr lang="zh-TW" altLang="en-US"/>
           </a:p>
         </p:txBody>
       </p:sp>
@@ -1825,10 +1832,9 @@
           <a:lstStyle/>
           <a:p>
             <a:r>
-              <a:rPr lang="zh-TW" altLang="en-US" smtClean="0"/>
+              <a:rPr lang="zh-TW" altLang="en-US"/>
               <a:t>按一下以編輯母片標題樣式</a:t>
             </a:r>
-            <a:endParaRPr lang="zh-TW" altLang="en-US"/>
           </a:p>
         </p:txBody>
       </p:sp>
@@ -2037,10 +2043,9 @@
           </a:lstStyle>
           <a:p>
             <a:r>
-              <a:rPr lang="zh-TW" altLang="en-US" smtClean="0"/>
+              <a:rPr lang="zh-TW" altLang="en-US"/>
               <a:t>按一下以編輯母片標題樣式</a:t>
             </a:r>
-            <a:endParaRPr lang="zh-TW" altLang="en-US"/>
           </a:p>
         </p:txBody>
       </p:sp>
@@ -2094,38 +2099,37 @@
           <a:p>
             <a:pPr lvl="0"/>
             <a:r>
-              <a:rPr lang="zh-TW" altLang="en-US" smtClean="0"/>
+              <a:rPr lang="zh-TW" altLang="en-US"/>
               <a:t>按一下以編輯母片文字樣式</a:t>
             </a:r>
           </a:p>
           <a:p>
             <a:pPr lvl="1"/>
             <a:r>
-              <a:rPr lang="zh-TW" altLang="en-US" smtClean="0"/>
+              <a:rPr lang="zh-TW" altLang="en-US"/>
               <a:t>第二層</a:t>
             </a:r>
           </a:p>
           <a:p>
             <a:pPr lvl="2"/>
             <a:r>
-              <a:rPr lang="zh-TW" altLang="en-US" smtClean="0"/>
+              <a:rPr lang="zh-TW" altLang="en-US"/>
               <a:t>第三層</a:t>
             </a:r>
           </a:p>
           <a:p>
             <a:pPr lvl="3"/>
             <a:r>
-              <a:rPr lang="zh-TW" altLang="en-US" smtClean="0"/>
+              <a:rPr lang="zh-TW" altLang="en-US"/>
               <a:t>第四層</a:t>
             </a:r>
           </a:p>
           <a:p>
             <a:pPr lvl="4"/>
             <a:r>
-              <a:rPr lang="zh-TW" altLang="en-US" smtClean="0"/>
+              <a:rPr lang="zh-TW" altLang="en-US"/>
               <a:t>第五層</a:t>
             </a:r>
-            <a:endParaRPr lang="zh-TW" altLang="en-US"/>
           </a:p>
         </p:txBody>
       </p:sp>
@@ -2188,7 +2192,7 @@
           <a:p>
             <a:pPr lvl="0"/>
             <a:r>
-              <a:rPr lang="zh-TW" altLang="en-US" smtClean="0"/>
+              <a:rPr lang="zh-TW" altLang="en-US"/>
               <a:t>按一下以編輯母片文字樣式</a:t>
             </a:r>
           </a:p>
@@ -2309,10 +2313,9 @@
           </a:lstStyle>
           <a:p>
             <a:r>
-              <a:rPr lang="zh-TW" altLang="en-US" smtClean="0"/>
+              <a:rPr lang="zh-TW" altLang="en-US"/>
               <a:t>按一下以編輯母片標題樣式</a:t>
             </a:r>
-            <a:endParaRPr lang="zh-TW" altLang="en-US"/>
           </a:p>
         </p:txBody>
       </p:sp>
@@ -2436,7 +2439,7 @@
           <a:p>
             <a:pPr lvl="0"/>
             <a:r>
-              <a:rPr lang="zh-TW" altLang="en-US" smtClean="0"/>
+              <a:rPr lang="zh-TW" altLang="en-US"/>
               <a:t>按一下以編輯母片文字樣式</a:t>
             </a:r>
           </a:p>
@@ -2563,10 +2566,9 @@
           <a:lstStyle/>
           <a:p>
             <a:r>
-              <a:rPr lang="zh-TW" altLang="en-US" smtClean="0"/>
+              <a:rPr lang="zh-TW" altLang="en-US"/>
               <a:t>按一下以編輯母片標題樣式</a:t>
             </a:r>
-            <a:endParaRPr lang="zh-TW" altLang="en-US"/>
           </a:p>
         </p:txBody>
       </p:sp>
@@ -2597,38 +2599,37 @@
           <a:p>
             <a:pPr lvl="0"/>
             <a:r>
-              <a:rPr lang="zh-TW" altLang="en-US" smtClean="0"/>
+              <a:rPr lang="zh-TW" altLang="en-US"/>
               <a:t>按一下以編輯母片文字樣式</a:t>
             </a:r>
           </a:p>
           <a:p>
             <a:pPr lvl="1"/>
             <a:r>
-              <a:rPr lang="zh-TW" altLang="en-US" smtClean="0"/>
+              <a:rPr lang="zh-TW" altLang="en-US"/>
               <a:t>第二層</a:t>
             </a:r>
           </a:p>
           <a:p>
             <a:pPr lvl="2"/>
             <a:r>
-              <a:rPr lang="zh-TW" altLang="en-US" smtClean="0"/>
+              <a:rPr lang="zh-TW" altLang="en-US"/>
               <a:t>第三層</a:t>
             </a:r>
           </a:p>
           <a:p>
             <a:pPr lvl="3"/>
             <a:r>
-              <a:rPr lang="zh-TW" altLang="en-US" smtClean="0"/>
+              <a:rPr lang="zh-TW" altLang="en-US"/>
               <a:t>第四層</a:t>
             </a:r>
           </a:p>
           <a:p>
             <a:pPr lvl="4"/>
             <a:r>
-              <a:rPr lang="zh-TW" altLang="en-US" smtClean="0"/>
+              <a:rPr lang="zh-TW" altLang="en-US"/>
               <a:t>第五層</a:t>
             </a:r>
-            <a:endParaRPr lang="zh-TW" altLang="en-US"/>
           </a:p>
         </p:txBody>
       </p:sp>
@@ -3085,13 +3086,6 @@
   <p:clrMapOvr>
     <a:masterClrMapping/>
   </p:clrMapOvr>
-  <p:timing>
-    <p:tnLst>
-      <p:par>
-        <p:cTn id="1" dur="indefinite" restart="never" nodeType="tmRoot"/>
-      </p:par>
-    </p:tnLst>
-  </p:timing>
 </p:sld>
 </file>
 
@@ -3114,689 +3108,151 @@
       </p:grpSpPr>
       <p:sp>
         <p:nvSpPr>
-          <p:cNvPr id="4" name="矩形 3"/>
-          <p:cNvSpPr/>
-          <p:nvPr/>
-        </p:nvSpPr>
-        <p:spPr>
-          <a:xfrm>
-            <a:off x="259457" y="1988840"/>
-            <a:ext cx="4572000" cy="2123658"/>
-          </a:xfrm>
-          <a:prstGeom prst="rect">
-            <a:avLst/>
-          </a:prstGeom>
-        </p:spPr>
+          <p:cNvPr id="2" name="標題 1">
+            <a:extLst>
+              <a:ext uri="{FF2B5EF4-FFF2-40B4-BE49-F238E27FC236}">
+                <a16:creationId xmlns:a16="http://schemas.microsoft.com/office/drawing/2014/main" id="{5BEDD129-3DE5-4DEB-B3B4-ECB4C33D65E0}"/>
+              </a:ext>
+            </a:extLst>
+          </p:cNvPr>
+          <p:cNvSpPr>
+            <a:spLocks noGrp="1"/>
+          </p:cNvSpPr>
+          <p:nvPr>
+            <p:ph type="title"/>
+          </p:nvPr>
+        </p:nvSpPr>
+        <p:spPr/>
+        <p:txBody>
+          <a:bodyPr/>
+          <a:lstStyle/>
+          <a:p>
+            <a:r>
+              <a:rPr lang="en-US" altLang="zh-TW" dirty="0"/>
+              <a:t>About Baseline</a:t>
+            </a:r>
+            <a:endParaRPr lang="zh-TW" altLang="en-US" dirty="0"/>
+          </a:p>
+        </p:txBody>
+      </p:sp>
+      <p:sp>
+        <p:nvSpPr>
+          <p:cNvPr id="3" name="內容版面配置區 2">
+            <a:extLst>
+              <a:ext uri="{FF2B5EF4-FFF2-40B4-BE49-F238E27FC236}">
+                <a16:creationId xmlns:a16="http://schemas.microsoft.com/office/drawing/2014/main" id="{ECE4FEF4-089C-4735-B846-78D6BDD198F7}"/>
+              </a:ext>
+            </a:extLst>
+          </p:cNvPr>
+          <p:cNvSpPr>
+            <a:spLocks noGrp="1"/>
+          </p:cNvSpPr>
+          <p:nvPr>
+            <p:ph idx="1"/>
+          </p:nvPr>
+        </p:nvSpPr>
+        <p:spPr/>
         <p:txBody>
           <a:bodyPr>
-            <a:spAutoFit/>
+            <a:normAutofit fontScale="92500" lnSpcReduction="20000"/>
           </a:bodyPr>
           <a:lstStyle/>
           <a:p>
             <a:r>
-              <a:rPr lang="en-US" altLang="zh-TW" sz="1600" b="1" dirty="0" smtClean="0">
-                <a:solidFill>
-                  <a:srgbClr val="FF0000"/>
-                </a:solidFill>
-              </a:rPr>
-              <a:t>Main</a:t>
-            </a:r>
-          </a:p>
-          <a:p>
-            <a:r>
-              <a:rPr lang="en-US" altLang="zh-TW" sz="1600" dirty="0" smtClean="0"/>
-              <a:t>For </a:t>
-            </a:r>
-            <a:r>
-              <a:rPr lang="en-US" altLang="zh-TW" sz="1600" dirty="0"/>
-              <a:t>arriving e:</a:t>
-            </a:r>
-          </a:p>
-          <a:p>
-            <a:r>
-              <a:rPr lang="en-US" altLang="zh-TW" sz="1600" dirty="0"/>
-              <a:t>    if e in Top:</a:t>
-            </a:r>
-          </a:p>
-          <a:p>
-            <a:r>
-              <a:rPr lang="en-US" altLang="zh-TW" sz="1600" dirty="0"/>
-              <a:t>        Top[e]+=1</a:t>
-            </a:r>
-          </a:p>
-          <a:p>
-            <a:r>
-              <a:rPr lang="en-US" altLang="zh-TW" sz="1600" dirty="0"/>
-              <a:t>    else:</a:t>
-            </a:r>
-          </a:p>
-          <a:p>
-            <a:r>
-              <a:rPr lang="en-US" altLang="zh-TW" sz="1600" dirty="0"/>
-              <a:t>        </a:t>
-            </a:r>
-            <a:r>
-              <a:rPr lang="en-US" altLang="zh-TW" sz="1600" dirty="0" err="1"/>
-              <a:t>UpdateSk</a:t>
-            </a:r>
-            <a:r>
-              <a:rPr lang="en-US" altLang="zh-TW" sz="1600" dirty="0"/>
-              <a:t>(e)</a:t>
-            </a:r>
-          </a:p>
-          <a:p>
-            <a:r>
-              <a:rPr lang="en-US" altLang="zh-TW" sz="1600" dirty="0"/>
-              <a:t>    if </a:t>
-            </a:r>
-            <a:r>
-              <a:rPr lang="en-US" altLang="zh-TW" sz="1600" dirty="0" err="1"/>
-              <a:t>e_max.count</a:t>
-            </a:r>
-            <a:r>
-              <a:rPr lang="en-US" altLang="zh-TW" sz="1600" dirty="0"/>
-              <a:t> &gt; Top[min].count:</a:t>
-            </a:r>
-          </a:p>
-          <a:p>
-            <a:r>
-              <a:rPr lang="en-US" altLang="zh-TW" sz="1600" dirty="0"/>
-              <a:t>        </a:t>
-            </a:r>
-            <a:r>
-              <a:rPr lang="en-US" altLang="zh-TW" sz="1600" dirty="0" err="1"/>
-              <a:t>BringBack</a:t>
-            </a:r>
-            <a:r>
-              <a:rPr lang="en-US" altLang="zh-TW" sz="1600" dirty="0"/>
-              <a:t>(</a:t>
-            </a:r>
-            <a:r>
-              <a:rPr lang="en-US" altLang="zh-TW" sz="1600" dirty="0" err="1"/>
-              <a:t>e_max</a:t>
-            </a:r>
-            <a:r>
-              <a:rPr lang="en-US" altLang="zh-TW" sz="1600" dirty="0" smtClean="0"/>
-              <a:t>, Top[min</a:t>
-            </a:r>
-            <a:r>
-              <a:rPr lang="en-US" altLang="zh-TW" sz="1600" dirty="0"/>
-              <a:t>])</a:t>
-            </a:r>
-            <a:endParaRPr lang="en-US" altLang="zh-TW" sz="1600" dirty="0"/>
-          </a:p>
-        </p:txBody>
-      </p:sp>
-      <p:sp>
-        <p:nvSpPr>
-          <p:cNvPr id="6" name="矩形 5"/>
-          <p:cNvSpPr/>
-          <p:nvPr/>
-        </p:nvSpPr>
-        <p:spPr>
-          <a:xfrm>
-            <a:off x="4932040" y="1989711"/>
-            <a:ext cx="5256584" cy="3293209"/>
-          </a:xfrm>
-          <a:prstGeom prst="rect">
-            <a:avLst/>
-          </a:prstGeom>
-        </p:spPr>
-        <p:txBody>
-          <a:bodyPr wrap="square">
-            <a:spAutoFit/>
-          </a:bodyPr>
-          <a:lstStyle/>
-          <a:p>
-            <a:r>
-              <a:rPr lang="en-US" altLang="zh-TW" sz="1600" b="1" dirty="0" smtClean="0">
-                <a:solidFill>
-                  <a:srgbClr val="FF0000"/>
-                </a:solidFill>
-              </a:rPr>
-              <a:t>Functions</a:t>
-            </a:r>
-          </a:p>
-          <a:p>
-            <a:r>
-              <a:rPr lang="en-US" altLang="zh-TW" sz="1600" b="1" dirty="0" err="1" smtClean="0">
-                <a:solidFill>
-                  <a:srgbClr val="0070C0"/>
-                </a:solidFill>
-              </a:rPr>
-              <a:t>UpdateSk</a:t>
-            </a:r>
-            <a:r>
-              <a:rPr lang="en-US" altLang="zh-TW" sz="1600" b="1" dirty="0" smtClean="0">
-                <a:solidFill>
-                  <a:srgbClr val="0070C0"/>
-                </a:solidFill>
-              </a:rPr>
-              <a:t>(e</a:t>
-            </a:r>
-            <a:r>
-              <a:rPr lang="en-US" altLang="zh-TW" sz="1600" b="1" dirty="0">
-                <a:solidFill>
-                  <a:srgbClr val="0070C0"/>
-                </a:solidFill>
-              </a:rPr>
-              <a:t>):</a:t>
-            </a:r>
-          </a:p>
-          <a:p>
-            <a:r>
-              <a:rPr lang="en-US" altLang="zh-TW" sz="1600" dirty="0"/>
-              <a:t>    </a:t>
-            </a:r>
-            <a:r>
-              <a:rPr lang="en-US" altLang="zh-TW" sz="1600" dirty="0" err="1"/>
-              <a:t>row,col</a:t>
-            </a:r>
-            <a:r>
-              <a:rPr lang="en-US" altLang="zh-TW" sz="1600" dirty="0"/>
-              <a:t>=</a:t>
-            </a:r>
-            <a:r>
-              <a:rPr lang="en-US" altLang="zh-TW" sz="1600" dirty="0" err="1"/>
-              <a:t>get_row_col</a:t>
-            </a:r>
-            <a:r>
-              <a:rPr lang="en-US" altLang="zh-TW" sz="1600" dirty="0"/>
-              <a:t>(e)</a:t>
-            </a:r>
-          </a:p>
-          <a:p>
-            <a:r>
-              <a:rPr lang="en-US" altLang="zh-TW" sz="1600" dirty="0"/>
-              <a:t>    </a:t>
-            </a:r>
-            <a:r>
-              <a:rPr lang="en-US" altLang="zh-TW" sz="1600" dirty="0" err="1"/>
-              <a:t>Sketch_head</a:t>
-            </a:r>
-            <a:r>
-              <a:rPr lang="en-US" altLang="zh-TW" sz="1600" dirty="0"/>
-              <a:t>[row].</a:t>
-            </a:r>
-            <a:r>
-              <a:rPr lang="en-US" altLang="zh-TW" sz="1600" dirty="0" err="1"/>
-              <a:t>total_count</a:t>
-            </a:r>
-            <a:r>
-              <a:rPr lang="en-US" altLang="zh-TW" sz="1600" dirty="0"/>
-              <a:t>+=</a:t>
-            </a:r>
-            <a:r>
-              <a:rPr lang="en-US" altLang="zh-TW" sz="1600" dirty="0" err="1"/>
-              <a:t>e.count</a:t>
-            </a:r>
-            <a:endParaRPr lang="en-US" altLang="zh-TW" sz="1600" dirty="0"/>
-          </a:p>
-          <a:p>
-            <a:r>
-              <a:rPr lang="en-US" altLang="zh-TW" sz="1600" dirty="0"/>
-              <a:t>    </a:t>
-            </a:r>
-            <a:r>
-              <a:rPr lang="en-US" altLang="zh-TW" sz="1600" dirty="0" err="1"/>
-              <a:t>Sketch_head</a:t>
-            </a:r>
-            <a:r>
-              <a:rPr lang="en-US" altLang="zh-TW" sz="1600" dirty="0"/>
-              <a:t>[row].distinct</a:t>
-            </a:r>
-            <a:r>
-              <a:rPr lang="en-US" altLang="zh-TW" sz="1600" dirty="0" smtClean="0"/>
-              <a:t>= </a:t>
-            </a:r>
-            <a:r>
-              <a:rPr lang="en-US" altLang="zh-TW" sz="1600" dirty="0" err="1" smtClean="0">
-                <a:solidFill>
-                  <a:srgbClr val="7030A0"/>
-                </a:solidFill>
-              </a:rPr>
-              <a:t>hyperloglog.add</a:t>
-            </a:r>
-            <a:r>
-              <a:rPr lang="en-US" altLang="zh-TW" sz="1600" dirty="0" smtClean="0">
-                <a:solidFill>
-                  <a:srgbClr val="7030A0"/>
-                </a:solidFill>
-              </a:rPr>
-              <a:t>(e</a:t>
-            </a:r>
-            <a:r>
-              <a:rPr lang="en-US" altLang="zh-TW" sz="1600" dirty="0">
-                <a:solidFill>
-                  <a:srgbClr val="7030A0"/>
-                </a:solidFill>
-              </a:rPr>
-              <a:t>)</a:t>
-            </a:r>
-          </a:p>
-          <a:p>
-            <a:r>
-              <a:rPr lang="en-US" altLang="zh-TW" sz="1600" dirty="0"/>
-              <a:t>    Sketch[row][col]+=1</a:t>
-            </a:r>
-          </a:p>
-          <a:p>
-            <a:r>
-              <a:rPr lang="en-US" altLang="zh-TW" sz="1600" dirty="0"/>
-              <a:t>    </a:t>
-            </a:r>
-            <a:r>
-              <a:rPr lang="en-US" altLang="zh-TW" sz="1600" dirty="0" err="1"/>
-              <a:t>Update_local_max</a:t>
-            </a:r>
-            <a:r>
-              <a:rPr lang="en-US" altLang="zh-TW" sz="1600" dirty="0"/>
-              <a:t>(e</a:t>
-            </a:r>
-            <a:r>
-              <a:rPr lang="en-US" altLang="zh-TW" sz="1600" dirty="0" smtClean="0"/>
-              <a:t>, </a:t>
-            </a:r>
-            <a:r>
-              <a:rPr lang="en-US" altLang="zh-TW" sz="1600" dirty="0" err="1" smtClean="0"/>
-              <a:t>Sketch_head</a:t>
-            </a:r>
-            <a:r>
-              <a:rPr lang="en-US" altLang="zh-TW" sz="1600" dirty="0" smtClean="0"/>
-              <a:t>[row</a:t>
-            </a:r>
-            <a:r>
-              <a:rPr lang="en-US" altLang="zh-TW" sz="1600" dirty="0"/>
-              <a:t>])</a:t>
-            </a:r>
-          </a:p>
-          <a:p>
-            <a:r>
-              <a:rPr lang="en-US" altLang="zh-TW" sz="1600" dirty="0"/>
-              <a:t>    </a:t>
-            </a:r>
-            <a:r>
-              <a:rPr lang="en-US" altLang="zh-TW" sz="1600" dirty="0" err="1"/>
-              <a:t>Update_e_max</a:t>
-            </a:r>
-            <a:r>
-              <a:rPr lang="en-US" altLang="zh-TW" sz="1600" dirty="0"/>
-              <a:t>(e</a:t>
-            </a:r>
-            <a:r>
-              <a:rPr lang="en-US" altLang="zh-TW" sz="1600" dirty="0" smtClean="0"/>
-              <a:t>, </a:t>
-            </a:r>
-            <a:r>
-              <a:rPr lang="en-US" altLang="zh-TW" sz="1600" dirty="0" err="1" smtClean="0"/>
-              <a:t>Sketch_head</a:t>
-            </a:r>
-            <a:r>
-              <a:rPr lang="en-US" altLang="zh-TW" sz="1600" dirty="0" smtClean="0"/>
-              <a:t>)</a:t>
-            </a:r>
-          </a:p>
-          <a:p>
-            <a:endParaRPr lang="en-US" altLang="zh-TW" sz="1600" dirty="0" smtClean="0"/>
-          </a:p>
-          <a:p>
-            <a:r>
-              <a:rPr lang="en-US" altLang="zh-TW" sz="1600" b="1" dirty="0" err="1" smtClean="0">
-                <a:solidFill>
-                  <a:srgbClr val="0070C0"/>
-                </a:solidFill>
-              </a:rPr>
-              <a:t>BringBack</a:t>
-            </a:r>
-            <a:r>
-              <a:rPr lang="en-US" altLang="zh-TW" sz="1600" b="1" dirty="0" smtClean="0">
-                <a:solidFill>
-                  <a:srgbClr val="0070C0"/>
-                </a:solidFill>
-              </a:rPr>
-              <a:t>(</a:t>
-            </a:r>
-            <a:r>
-              <a:rPr lang="en-US" altLang="zh-TW" sz="1600" b="1" dirty="0" err="1" smtClean="0">
-                <a:solidFill>
-                  <a:srgbClr val="0070C0"/>
-                </a:solidFill>
-              </a:rPr>
-              <a:t>e_max</a:t>
-            </a:r>
-            <a:r>
-              <a:rPr lang="en-US" altLang="zh-TW" sz="1600" b="1" dirty="0">
-                <a:solidFill>
-                  <a:srgbClr val="0070C0"/>
-                </a:solidFill>
-              </a:rPr>
-              <a:t>, </a:t>
-            </a:r>
-            <a:r>
-              <a:rPr lang="en-US" altLang="zh-TW" sz="1600" b="1" dirty="0" err="1">
-                <a:solidFill>
-                  <a:srgbClr val="0070C0"/>
-                </a:solidFill>
-              </a:rPr>
+              <a:rPr lang="en-US" altLang="zh-TW" dirty="0"/>
+              <a:t>Space Saving (SS)</a:t>
+            </a:r>
+          </a:p>
+          <a:p>
+            <a:pPr lvl="1"/>
+            <a:r>
+              <a:rPr lang="en-US" altLang="zh-TW" dirty="0"/>
+              <a:t>Replace minimum(</a:t>
+            </a:r>
+            <a:r>
+              <a:rPr lang="en-US" altLang="zh-TW" dirty="0" err="1"/>
               <a:t>e_min</a:t>
             </a:r>
             <a:r>
-              <a:rPr lang="en-US" altLang="zh-TW" sz="1600" b="1" dirty="0">
-                <a:solidFill>
-                  <a:srgbClr val="0070C0"/>
-                </a:solidFill>
-              </a:rPr>
-              <a:t>):</a:t>
-            </a:r>
-          </a:p>
-          <a:p>
-            <a:r>
-              <a:rPr lang="en-US" altLang="zh-TW" sz="1600" dirty="0"/>
-              <a:t>    Swap(</a:t>
-            </a:r>
-            <a:r>
-              <a:rPr lang="en-US" altLang="zh-TW" sz="1600" dirty="0" err="1"/>
-              <a:t>e_max</a:t>
-            </a:r>
-            <a:r>
-              <a:rPr lang="en-US" altLang="zh-TW" sz="1600" dirty="0"/>
-              <a:t>, </a:t>
-            </a:r>
-            <a:r>
-              <a:rPr lang="en-US" altLang="zh-TW" sz="1600" dirty="0" err="1"/>
+              <a:rPr lang="en-US" altLang="zh-TW" dirty="0"/>
+              <a:t>) of Top with arriving element e when Top is full.</a:t>
+            </a:r>
+          </a:p>
+          <a:p>
+            <a:pPr lvl="1"/>
+            <a:r>
+              <a:rPr lang="en-US" altLang="zh-TW" dirty="0"/>
+              <a:t>Positive count scenario only.</a:t>
+            </a:r>
+          </a:p>
+          <a:p>
+            <a:pPr lvl="1"/>
+            <a:r>
+              <a:rPr lang="en-US" altLang="zh-TW" dirty="0"/>
+              <a:t>Fast( replace </a:t>
+            </a:r>
+            <a:r>
+              <a:rPr lang="en-US" altLang="zh-TW" dirty="0" err="1"/>
               <a:t>e_min</a:t>
             </a:r>
             <a:r>
-              <a:rPr lang="en-US" altLang="zh-TW" sz="1600" dirty="0"/>
-              <a:t>)</a:t>
-            </a:r>
-          </a:p>
-          <a:p>
-            <a:r>
-              <a:rPr lang="en-US" altLang="zh-TW" sz="1600" dirty="0"/>
-              <a:t>    </a:t>
-            </a:r>
-            <a:r>
-              <a:rPr lang="en-US" altLang="zh-TW" sz="1600" dirty="0" err="1"/>
-              <a:t>DeleteSk</a:t>
-            </a:r>
-            <a:r>
-              <a:rPr lang="en-US" altLang="zh-TW" sz="1600" dirty="0"/>
-              <a:t>(</a:t>
-            </a:r>
-            <a:r>
-              <a:rPr lang="en-US" altLang="zh-TW" sz="1600" dirty="0" err="1"/>
-              <a:t>e_max</a:t>
-            </a:r>
-            <a:r>
-              <a:rPr lang="en-US" altLang="zh-TW" sz="1600" dirty="0"/>
-              <a:t>, Sketch)</a:t>
-            </a:r>
-          </a:p>
-          <a:p>
-            <a:r>
-              <a:rPr lang="en-US" altLang="zh-TW" sz="1600" dirty="0"/>
-              <a:t>    </a:t>
-            </a:r>
-            <a:r>
-              <a:rPr lang="en-US" altLang="zh-TW" sz="1600" dirty="0" err="1"/>
-              <a:t>UpdateSk</a:t>
-            </a:r>
-            <a:r>
-              <a:rPr lang="en-US" altLang="zh-TW" sz="1600" dirty="0"/>
-              <a:t>(</a:t>
-            </a:r>
-            <a:r>
-              <a:rPr lang="en-US" altLang="zh-TW" sz="1600" dirty="0" err="1"/>
-              <a:t>e_min</a:t>
-            </a:r>
-            <a:r>
-              <a:rPr lang="en-US" altLang="zh-TW" sz="1600" dirty="0"/>
-              <a:t>, Sketch</a:t>
-            </a:r>
-            <a:r>
-              <a:rPr lang="en-US" altLang="zh-TW" sz="1600" dirty="0" smtClean="0"/>
-              <a:t>)</a:t>
-            </a:r>
-            <a:endParaRPr lang="zh-TW" altLang="en-US" sz="1600" dirty="0"/>
-          </a:p>
-        </p:txBody>
-      </p:sp>
-      <p:sp>
-        <p:nvSpPr>
-          <p:cNvPr id="7" name="矩形 6"/>
-          <p:cNvSpPr/>
-          <p:nvPr/>
-        </p:nvSpPr>
-        <p:spPr>
-          <a:xfrm>
-            <a:off x="251520" y="332656"/>
-            <a:ext cx="4572000" cy="1569660"/>
-          </a:xfrm>
-          <a:prstGeom prst="rect">
-            <a:avLst/>
-          </a:prstGeom>
-        </p:spPr>
-        <p:txBody>
-          <a:bodyPr>
-            <a:spAutoFit/>
-          </a:bodyPr>
-          <a:lstStyle/>
-          <a:p>
-            <a:r>
-              <a:rPr lang="en-US" altLang="zh-TW" sz="1600" b="1" dirty="0" smtClean="0">
-                <a:solidFill>
-                  <a:srgbClr val="FF0000"/>
-                </a:solidFill>
-              </a:rPr>
-              <a:t>Settings</a:t>
-            </a:r>
-          </a:p>
-          <a:p>
-            <a:r>
-              <a:rPr lang="en-US" altLang="zh-TW" sz="1600" dirty="0" smtClean="0"/>
-              <a:t>Top</a:t>
-            </a:r>
-            <a:r>
-              <a:rPr lang="en-US" altLang="zh-TW" sz="1600" dirty="0"/>
-              <a:t>=[k]</a:t>
-            </a:r>
-          </a:p>
-          <a:p>
-            <a:r>
-              <a:rPr lang="en-US" altLang="zh-TW" sz="1600" dirty="0"/>
-              <a:t>Sketch=[depth][width]</a:t>
-            </a:r>
-          </a:p>
-          <a:p>
-            <a:r>
-              <a:rPr lang="en-US" altLang="zh-TW" sz="1600" dirty="0" err="1"/>
-              <a:t>Sketch_head</a:t>
-            </a:r>
-            <a:r>
-              <a:rPr lang="en-US" altLang="zh-TW" sz="1600" dirty="0"/>
-              <a:t>=[depth]</a:t>
-            </a:r>
-          </a:p>
-          <a:p>
-            <a:r>
-              <a:rPr lang="en-US" altLang="zh-TW" sz="1600" dirty="0"/>
-              <a:t>hash1(x):[n]-&gt;[depth]</a:t>
-            </a:r>
-          </a:p>
-          <a:p>
-            <a:r>
-              <a:rPr lang="en-US" altLang="zh-TW" sz="1600" dirty="0"/>
-              <a:t>hash2(x):[n]-&gt;[width]</a:t>
-            </a:r>
-            <a:endParaRPr lang="en-US" altLang="zh-TW" sz="1600" dirty="0"/>
-          </a:p>
-        </p:txBody>
-      </p:sp>
-      <p:sp>
-        <p:nvSpPr>
-          <p:cNvPr id="9" name="矩形 8"/>
-          <p:cNvSpPr/>
-          <p:nvPr/>
-        </p:nvSpPr>
-        <p:spPr>
-          <a:xfrm>
-            <a:off x="251520" y="4149080"/>
-            <a:ext cx="7056784" cy="2123658"/>
-          </a:xfrm>
-          <a:prstGeom prst="rect">
-            <a:avLst/>
-          </a:prstGeom>
-        </p:spPr>
-        <p:txBody>
-          <a:bodyPr wrap="square">
-            <a:spAutoFit/>
-          </a:bodyPr>
-          <a:lstStyle/>
-          <a:p>
-            <a:r>
-              <a:rPr lang="en-US" altLang="zh-TW" sz="1600" b="1" dirty="0">
-                <a:solidFill>
-                  <a:srgbClr val="FF0000"/>
-                </a:solidFill>
-              </a:rPr>
-              <a:t>Query(e):</a:t>
-            </a:r>
-          </a:p>
-          <a:p>
-            <a:r>
-              <a:rPr lang="en-US" altLang="zh-TW" sz="1600" dirty="0" smtClean="0"/>
-              <a:t>    if </a:t>
-            </a:r>
-            <a:r>
-              <a:rPr lang="en-US" altLang="zh-TW" sz="1600" dirty="0"/>
-              <a:t>e in Top:</a:t>
-            </a:r>
-          </a:p>
-          <a:p>
-            <a:r>
-              <a:rPr lang="en-US" altLang="zh-TW" sz="1600" dirty="0"/>
-              <a:t> </a:t>
-            </a:r>
-            <a:r>
-              <a:rPr lang="en-US" altLang="zh-TW" sz="1600" dirty="0" smtClean="0"/>
-              <a:t>       return </a:t>
-            </a:r>
-            <a:r>
-              <a:rPr lang="en-US" altLang="zh-TW" sz="1600" dirty="0"/>
-              <a:t>Top[e]</a:t>
-            </a:r>
-          </a:p>
-          <a:p>
-            <a:r>
-              <a:rPr lang="en-US" altLang="zh-TW" sz="1600" dirty="0"/>
-              <a:t>    else:</a:t>
-            </a:r>
-          </a:p>
-          <a:p>
-            <a:r>
-              <a:rPr lang="en-US" altLang="zh-TW" sz="1600" dirty="0" smtClean="0"/>
-              <a:t>        row</a:t>
-            </a:r>
-            <a:r>
-              <a:rPr lang="en-US" altLang="zh-TW" sz="1600" dirty="0"/>
-              <a:t>, col= </a:t>
-            </a:r>
-            <a:r>
-              <a:rPr lang="en-US" altLang="zh-TW" sz="1600" dirty="0" err="1"/>
-              <a:t>get_index</a:t>
-            </a:r>
-            <a:r>
-              <a:rPr lang="en-US" altLang="zh-TW" sz="1600" dirty="0"/>
-              <a:t>(e)</a:t>
-            </a:r>
-          </a:p>
-          <a:p>
-            <a:r>
-              <a:rPr lang="en-US" altLang="zh-TW" sz="1600" dirty="0" smtClean="0"/>
-              <a:t>        ratio=width/ </a:t>
-            </a:r>
-            <a:r>
-              <a:rPr lang="en-US" altLang="zh-TW" sz="1600" dirty="0" err="1" smtClean="0">
-                <a:solidFill>
-                  <a:srgbClr val="7030A0"/>
-                </a:solidFill>
-              </a:rPr>
-              <a:t>Estimate_distinct_hyperloglog</a:t>
-            </a:r>
-            <a:r>
-              <a:rPr lang="en-US" altLang="zh-TW" sz="1600" dirty="0" smtClean="0">
-                <a:solidFill>
-                  <a:srgbClr val="7030A0"/>
-                </a:solidFill>
-              </a:rPr>
-              <a:t>(</a:t>
-            </a:r>
-            <a:r>
-              <a:rPr lang="en-US" altLang="zh-TW" sz="1600" dirty="0" err="1" smtClean="0">
-                <a:solidFill>
-                  <a:srgbClr val="7030A0"/>
-                </a:solidFill>
-              </a:rPr>
-              <a:t>Sketch_head</a:t>
-            </a:r>
-            <a:r>
-              <a:rPr lang="en-US" altLang="zh-TW" sz="1600" dirty="0" smtClean="0">
-                <a:solidFill>
-                  <a:srgbClr val="7030A0"/>
-                </a:solidFill>
-              </a:rPr>
-              <a:t>[row</a:t>
-            </a:r>
-            <a:r>
-              <a:rPr lang="en-US" altLang="zh-TW" sz="1600" dirty="0">
-                <a:solidFill>
-                  <a:srgbClr val="7030A0"/>
-                </a:solidFill>
-              </a:rPr>
-              <a:t>])</a:t>
-            </a:r>
-          </a:p>
-          <a:p>
-            <a:r>
-              <a:rPr lang="en-US" altLang="zh-TW" sz="1600" dirty="0" smtClean="0"/>
-              <a:t>        estimate=Sketch[row</a:t>
-            </a:r>
-            <a:r>
-              <a:rPr lang="en-US" altLang="zh-TW" sz="1600" dirty="0"/>
-              <a:t>][col]*ratio</a:t>
-            </a:r>
-          </a:p>
-          <a:p>
-            <a:r>
-              <a:rPr lang="en-US" altLang="zh-TW" sz="1600" dirty="0" smtClean="0"/>
-              <a:t>        return </a:t>
-            </a:r>
-            <a:r>
-              <a:rPr lang="en-US" altLang="zh-TW" sz="1600" dirty="0"/>
-              <a:t>estimate</a:t>
-            </a:r>
-            <a:endParaRPr lang="zh-TW" altLang="en-US" sz="1600" dirty="0"/>
+              <a:rPr lang="en-US" altLang="zh-TW" dirty="0"/>
+              <a:t> and sort)</a:t>
+            </a:r>
+          </a:p>
+          <a:p>
+            <a:r>
+              <a:rPr lang="en-US" altLang="zh-TW" dirty="0"/>
+              <a:t>Count Min Sketch (CMS)</a:t>
+            </a:r>
+          </a:p>
+          <a:p>
+            <a:pPr lvl="1"/>
+            <a:r>
+              <a:rPr lang="en-US" altLang="zh-TW" dirty="0"/>
+              <a:t>Map whole data stream S into rows with hashes.</a:t>
+            </a:r>
+          </a:p>
+          <a:p>
+            <a:pPr lvl="1"/>
+            <a:r>
+              <a:rPr lang="en-US" altLang="zh-TW" dirty="0"/>
+              <a:t>Multiple hashes guarantee error bound.</a:t>
+            </a:r>
+          </a:p>
+          <a:p>
+            <a:pPr lvl="1"/>
+            <a:r>
+              <a:rPr lang="en-US" altLang="zh-TW" dirty="0"/>
+              <a:t>Negative count scenario is fine.</a:t>
+            </a:r>
+          </a:p>
+          <a:p>
+            <a:pPr lvl="1"/>
+            <a:r>
+              <a:rPr lang="en-US" altLang="zh-TW" dirty="0"/>
+              <a:t>Huge error due to hash collision</a:t>
+            </a:r>
+          </a:p>
+          <a:p>
+            <a:pPr lvl="1"/>
+            <a:r>
+              <a:rPr lang="en-US" altLang="zh-TW" dirty="0"/>
+              <a:t>Slow (count and estimate min)</a:t>
+            </a:r>
           </a:p>
         </p:txBody>
       </p:sp>
     </p:spTree>
     <p:extLst>
       <p:ext uri="{BB962C8B-B14F-4D97-AF65-F5344CB8AC3E}">
-        <p14:creationId xmlns:p14="http://schemas.microsoft.com/office/powerpoint/2010/main" val="2751158006"/>
+        <p14:creationId xmlns:p14="http://schemas.microsoft.com/office/powerpoint/2010/main" val="2734216982"/>
       </p:ext>
     </p:extLst>
   </p:cSld>
   <p:clrMapOvr>
     <a:masterClrMapping/>
   </p:clrMapOvr>
-  <p:timing>
-    <p:tnLst>
-      <p:par>
-        <p:cTn id="1" dur="indefinite" restart="never" nodeType="tmRoot"/>
-      </p:par>
-    </p:tnLst>
-  </p:timing>
 </p:sld>
 </file>
 
@@ -3819,6 +3275,176 @@
       </p:grpSpPr>
       <p:sp>
         <p:nvSpPr>
+          <p:cNvPr id="2" name="標題 1">
+            <a:extLst>
+              <a:ext uri="{FF2B5EF4-FFF2-40B4-BE49-F238E27FC236}">
+                <a16:creationId xmlns:a16="http://schemas.microsoft.com/office/drawing/2014/main" id="{C232C9D4-8F5B-47E9-B4F8-4334B4E493EC}"/>
+              </a:ext>
+            </a:extLst>
+          </p:cNvPr>
+          <p:cNvSpPr>
+            <a:spLocks noGrp="1"/>
+          </p:cNvSpPr>
+          <p:nvPr>
+            <p:ph type="title"/>
+          </p:nvPr>
+        </p:nvSpPr>
+        <p:spPr/>
+        <p:txBody>
+          <a:bodyPr/>
+          <a:lstStyle/>
+          <a:p>
+            <a:r>
+              <a:rPr lang="en-US" altLang="zh-TW" dirty="0"/>
+              <a:t>How to</a:t>
+            </a:r>
+            <a:endParaRPr lang="zh-TW" altLang="en-US" dirty="0"/>
+          </a:p>
+        </p:txBody>
+      </p:sp>
+      <p:sp>
+        <p:nvSpPr>
+          <p:cNvPr id="3" name="內容版面配置區 2">
+            <a:extLst>
+              <a:ext uri="{FF2B5EF4-FFF2-40B4-BE49-F238E27FC236}">
+                <a16:creationId xmlns:a16="http://schemas.microsoft.com/office/drawing/2014/main" id="{188757EE-1F8B-4D20-BB3A-57402E49BB3B}"/>
+              </a:ext>
+            </a:extLst>
+          </p:cNvPr>
+          <p:cNvSpPr>
+            <a:spLocks noGrp="1"/>
+          </p:cNvSpPr>
+          <p:nvPr>
+            <p:ph idx="1"/>
+          </p:nvPr>
+        </p:nvSpPr>
+        <p:spPr/>
+        <p:txBody>
+          <a:bodyPr>
+            <a:normAutofit fontScale="92500"/>
+          </a:bodyPr>
+          <a:lstStyle/>
+          <a:p>
+            <a:r>
+              <a:rPr lang="en-US" altLang="zh-TW" dirty="0"/>
+              <a:t>Combine stream-summary (Top) and Sketch to achieve:</a:t>
+            </a:r>
+          </a:p>
+          <a:p>
+            <a:pPr lvl="1"/>
+            <a:r>
+              <a:rPr lang="en-US" altLang="zh-TW" dirty="0"/>
+              <a:t>Fast</a:t>
+            </a:r>
+          </a:p>
+          <a:p>
+            <a:pPr lvl="2"/>
+            <a:r>
+              <a:rPr lang="en-US" altLang="zh-TW" dirty="0" err="1"/>
+              <a:t>e_max</a:t>
+            </a:r>
+            <a:r>
+              <a:rPr lang="en-US" altLang="zh-TW" dirty="0"/>
+              <a:t> to remember max element of Sketch.</a:t>
+            </a:r>
+          </a:p>
+          <a:p>
+            <a:pPr lvl="2"/>
+            <a:r>
+              <a:rPr lang="en-US" altLang="zh-TW" dirty="0"/>
+              <a:t>Replace </a:t>
+            </a:r>
+            <a:r>
+              <a:rPr lang="en-US" altLang="zh-TW" dirty="0" err="1"/>
+              <a:t>e_max</a:t>
+            </a:r>
+            <a:r>
+              <a:rPr lang="en-US" altLang="zh-TW" dirty="0"/>
+              <a:t> with </a:t>
+            </a:r>
+            <a:r>
+              <a:rPr lang="en-US" altLang="zh-TW" dirty="0" err="1"/>
+              <a:t>e_min</a:t>
+            </a:r>
+            <a:r>
+              <a:rPr lang="en-US" altLang="zh-TW" dirty="0"/>
+              <a:t> as SS.</a:t>
+            </a:r>
+          </a:p>
+          <a:p>
+            <a:pPr lvl="1"/>
+            <a:r>
+              <a:rPr lang="en-US" altLang="zh-TW" dirty="0"/>
+              <a:t>Accuracy</a:t>
+            </a:r>
+          </a:p>
+          <a:p>
+            <a:pPr lvl="2"/>
+            <a:r>
+              <a:rPr lang="en-US" altLang="zh-TW" dirty="0" err="1"/>
+              <a:t>Hyperloglog</a:t>
+            </a:r>
+            <a:r>
+              <a:rPr lang="en-US" altLang="zh-TW" dirty="0"/>
+              <a:t> to estimate distinct elements of a row in Sketch.</a:t>
+            </a:r>
+          </a:p>
+          <a:p>
+            <a:pPr lvl="2"/>
+            <a:r>
+              <a:rPr lang="en-US" altLang="zh-TW" dirty="0"/>
+              <a:t>Query(e) by count * ratio of each element in a bucket.</a:t>
+            </a:r>
+          </a:p>
+          <a:p>
+            <a:pPr lvl="1"/>
+            <a:r>
+              <a:rPr lang="en-US" altLang="zh-TW" dirty="0"/>
+              <a:t>Negative count support</a:t>
+            </a:r>
+          </a:p>
+          <a:p>
+            <a:pPr lvl="2"/>
+            <a:r>
+              <a:rPr lang="en-US" altLang="zh-TW" dirty="0"/>
+              <a:t>Sketch support negative count.</a:t>
+            </a:r>
+            <a:endParaRPr lang="zh-TW" altLang="en-US" dirty="0"/>
+          </a:p>
+        </p:txBody>
+      </p:sp>
+    </p:spTree>
+    <p:extLst>
+      <p:ext uri="{BB962C8B-B14F-4D97-AF65-F5344CB8AC3E}">
+        <p14:creationId xmlns:p14="http://schemas.microsoft.com/office/powerpoint/2010/main" val="2972464626"/>
+      </p:ext>
+    </p:extLst>
+  </p:cSld>
+  <p:clrMapOvr>
+    <a:masterClrMapping/>
+  </p:clrMapOvr>
+</p:sld>
+</file>
+
+<file path=ppt/slides/slide4.xml><?xml version="1.0" encoding="utf-8"?>
+<p:sld xmlns:a="http://schemas.openxmlformats.org/drawingml/2006/main" xmlns:r="http://schemas.openxmlformats.org/officeDocument/2006/relationships" xmlns:p="http://schemas.openxmlformats.org/presentationml/2006/main">
+  <p:cSld>
+    <p:spTree>
+      <p:nvGrpSpPr>
+        <p:cNvPr id="1" name=""/>
+        <p:cNvGrpSpPr/>
+        <p:nvPr/>
+      </p:nvGrpSpPr>
+      <p:grpSpPr>
+        <a:xfrm>
+          <a:off x="0" y="0"/>
+          <a:ext cx="0" cy="0"/>
+          <a:chOff x="0" y="0"/>
+          <a:chExt cx="0" cy="0"/>
+        </a:xfrm>
+      </p:grpSpPr>
+      <p:sp>
+        <p:nvSpPr>
           <p:cNvPr id="2" name="標題 1"/>
           <p:cNvSpPr>
             <a:spLocks noGrp="1"/>
@@ -3833,15 +3459,15 @@
           <a:lstStyle/>
           <a:p>
             <a:r>
-              <a:rPr lang="en-US" altLang="zh-TW" dirty="0" smtClean="0"/>
+              <a:rPr lang="en-US" altLang="zh-TW" dirty="0"/>
               <a:t>About Hyperloglog</a:t>
             </a:r>
             <a:endParaRPr lang="zh-TW" altLang="en-US" dirty="0"/>
           </a:p>
         </p:txBody>
       </p:sp>
-      <mc:AlternateContent xmlns:mc="http://schemas.openxmlformats.org/markup-compatibility/2006">
-        <mc:Choice xmlns:a14="http://schemas.microsoft.com/office/drawing/2010/main" Requires="a14">
+      <mc:AlternateContent xmlns:mc="http://schemas.openxmlformats.org/markup-compatibility/2006" xmlns:a14="http://schemas.microsoft.com/office/drawing/2010/main">
+        <mc:Choice Requires="a14">
           <p:sp>
             <p:nvSpPr>
               <p:cNvPr id="3" name="內容版面配置區 2"/>
@@ -3860,43 +3486,19 @@
               <a:lstStyle/>
               <a:p>
                 <a:r>
-                  <a:rPr lang="en-US" altLang="zh-TW" dirty="0" smtClean="0"/>
+                  <a:rPr lang="en-US" altLang="zh-TW" dirty="0"/>
                   <a:t>Solving count-distinct problem.</a:t>
                 </a:r>
               </a:p>
               <a:p>
                 <a:pPr lvl="1"/>
                 <a:r>
-                  <a:rPr lang="en-US" altLang="zh-TW" dirty="0" smtClean="0">
-                    <a:hlinkClick r:id="rId2"/>
-                  </a:rPr>
-                  <a:t>Hyperloglog</a:t>
-                </a:r>
-                <a:r>
                   <a:rPr lang="en-US" altLang="zh-TW" dirty="0">
                     <a:hlinkClick r:id="rId2"/>
                   </a:rPr>
-                  <a:t>: The analysis of a </a:t>
+                  <a:t>Hyperloglog: The analysis of a near-optimal cardinality estimation algorithm</a:t>
                 </a:r>
-                <a:r>
-                  <a:rPr lang="en-US" altLang="zh-TW" dirty="0" smtClean="0">
-                    <a:hlinkClick r:id="rId2"/>
-                  </a:rPr>
-                  <a:t>near-optimal cardinality </a:t>
-                </a:r>
-                <a:r>
-                  <a:rPr lang="en-US" altLang="zh-TW" dirty="0">
-                    <a:hlinkClick r:id="rId2"/>
-                  </a:rPr>
-                  <a:t>estimation </a:t>
-                </a:r>
-                <a:r>
-                  <a:rPr lang="en-US" altLang="zh-TW" dirty="0" smtClean="0">
-                    <a:hlinkClick r:id="rId2"/>
-                  </a:rPr>
-                  <a:t>algorithm</a:t>
-                </a:r>
-                <a:endParaRPr lang="en-US" altLang="zh-TW" dirty="0" smtClean="0"/>
+                <a:endParaRPr lang="en-US" altLang="zh-TW" dirty="0"/>
               </a:p>
               <a:p>
                 <a:r>
@@ -3907,17 +3509,16 @@
               <a:p>
                 <a:pPr lvl="1"/>
                 <a:r>
-                  <a:rPr lang="en-US" altLang="zh-TW" dirty="0" smtClean="0"/>
+                  <a:rPr lang="en-US" altLang="zh-TW" dirty="0"/>
                   <a:t>Add</a:t>
                 </a:r>
               </a:p>
               <a:p>
                 <a:pPr lvl="2"/>
                 <a:r>
-                  <a:rPr lang="en-US" altLang="zh-TW" dirty="0" smtClean="0"/>
+                  <a:rPr lang="en-US" altLang="zh-TW" dirty="0"/>
                   <a:t>O(1)</a:t>
                 </a:r>
-                <a:endParaRPr lang="en-US" altLang="zh-TW" dirty="0"/>
               </a:p>
               <a:p>
                 <a:pPr lvl="1"/>
@@ -3957,7 +3558,7 @@
                   </m:oMath>
                 </a14:m>
                 <a:r>
-                  <a:rPr lang="en-US" altLang="zh-TW" dirty="0" smtClean="0"/>
+                  <a:rPr lang="en-US" altLang="zh-TW" dirty="0"/>
                   <a:t>, </a:t>
                 </a:r>
                 <a14:m>
@@ -3971,13 +3572,13 @@
                   </m:oMath>
                 </a14:m>
                 <a:r>
-                  <a:rPr lang="en-US" altLang="zh-TW" dirty="0" smtClean="0"/>
+                  <a:rPr lang="en-US" altLang="zh-TW" dirty="0"/>
                   <a:t> is # of registers</a:t>
                 </a:r>
               </a:p>
               <a:p>
                 <a:r>
-                  <a:rPr lang="en-US" altLang="zh-TW" dirty="0" smtClean="0"/>
+                  <a:rPr lang="en-US" altLang="zh-TW" dirty="0"/>
                   <a:t>Relative Error: </a:t>
                 </a:r>
                 <a14:m>
@@ -3986,7 +3587,7 @@
                       <m:fPr>
                         <m:ctrlPr>
                           <a:rPr lang="en-US" altLang="zh-TW" b="0" i="1" smtClean="0">
-                            <a:latin typeface="Cambria Math"/>
+                            <a:latin typeface="Cambria Math" panose="02040503050406030204" pitchFamily="18" charset="0"/>
                           </a:rPr>
                         </m:ctrlPr>
                       </m:fPr>
@@ -4004,7 +3605,7 @@
                             <m:degHide m:val="on"/>
                             <m:ctrlPr>
                               <a:rPr lang="en-US" altLang="zh-TW" b="0" i="1" smtClean="0">
-                                <a:latin typeface="Cambria Math"/>
+                                <a:latin typeface="Cambria Math" panose="02040503050406030204" pitchFamily="18" charset="0"/>
                               </a:rPr>
                             </m:ctrlPr>
                           </m:radPr>
@@ -4022,11 +3623,11 @@
                     </m:f>
                   </m:oMath>
                 </a14:m>
-                <a:endParaRPr lang="en-US" altLang="zh-TW" dirty="0" smtClean="0"/>
+                <a:endParaRPr lang="en-US" altLang="zh-TW" dirty="0"/>
               </a:p>
               <a:p>
                 <a:r>
-                  <a:rPr lang="en-US" altLang="zh-TW" dirty="0" smtClean="0"/>
+                  <a:rPr lang="en-US" altLang="zh-TW" dirty="0"/>
                   <a:t>Space:</a:t>
                 </a:r>
                 <a14:m>
@@ -4047,7 +3648,7 @@
                       <m:sSupPr>
                         <m:ctrlPr>
                           <a:rPr lang="en-US" altLang="zh-TW" b="0" i="1" smtClean="0">
-                            <a:latin typeface="Cambria Math"/>
+                            <a:latin typeface="Cambria Math" panose="02040503050406030204" pitchFamily="18" charset="0"/>
                           </a:rPr>
                         </m:ctrlPr>
                       </m:sSupPr>
@@ -4106,7 +3707,7 @@
                     </m:r>
                   </m:oMath>
                 </a14:m>
-                <a:endParaRPr lang="en-US" altLang="zh-TW" dirty="0" smtClean="0"/>
+                <a:endParaRPr lang="en-US" altLang="zh-TW" dirty="0"/>
               </a:p>
               <a:p>
                 <a:pPr lvl="1"/>
@@ -4121,14 +3722,14 @@
                   </m:oMath>
                 </a14:m>
                 <a:r>
-                  <a:rPr lang="en-US" altLang="zh-TW" dirty="0" smtClean="0"/>
+                  <a:rPr lang="en-US" altLang="zh-TW" dirty="0"/>
                   <a:t>: true cardinality</a:t>
                 </a:r>
               </a:p>
             </p:txBody>
           </p:sp>
         </mc:Choice>
-        <mc:Fallback>
+        <mc:Fallback xmlns="">
           <p:sp>
             <p:nvSpPr>
               <p:cNvPr id="3" name="內容版面配置區 2"/>
@@ -4166,6 +3767,1018 @@
     <p:extLst>
       <p:ext uri="{BB962C8B-B14F-4D97-AF65-F5344CB8AC3E}">
         <p14:creationId xmlns:p14="http://schemas.microsoft.com/office/powerpoint/2010/main" val="2022545607"/>
+      </p:ext>
+    </p:extLst>
+  </p:cSld>
+  <p:clrMapOvr>
+    <a:masterClrMapping/>
+  </p:clrMapOvr>
+</p:sld>
+</file>
+
+<file path=ppt/slides/slide5.xml><?xml version="1.0" encoding="utf-8"?>
+<p:sld xmlns:a="http://schemas.openxmlformats.org/drawingml/2006/main" xmlns:r="http://schemas.openxmlformats.org/officeDocument/2006/relationships" xmlns:p="http://schemas.openxmlformats.org/presentationml/2006/main">
+  <p:cSld>
+    <p:spTree>
+      <p:nvGrpSpPr>
+        <p:cNvPr id="1" name=""/>
+        <p:cNvGrpSpPr/>
+        <p:nvPr/>
+      </p:nvGrpSpPr>
+      <p:grpSpPr>
+        <a:xfrm>
+          <a:off x="0" y="0"/>
+          <a:ext cx="0" cy="0"/>
+          <a:chOff x="0" y="0"/>
+          <a:chExt cx="0" cy="0"/>
+        </a:xfrm>
+      </p:grpSpPr>
+      <p:sp>
+        <p:nvSpPr>
+          <p:cNvPr id="4" name="矩形 3"/>
+          <p:cNvSpPr/>
+          <p:nvPr/>
+        </p:nvSpPr>
+        <p:spPr>
+          <a:xfrm>
+            <a:off x="259457" y="1988840"/>
+            <a:ext cx="4572000" cy="2123658"/>
+          </a:xfrm>
+          <a:prstGeom prst="rect">
+            <a:avLst/>
+          </a:prstGeom>
+        </p:spPr>
+        <p:txBody>
+          <a:bodyPr>
+            <a:spAutoFit/>
+          </a:bodyPr>
+          <a:lstStyle/>
+          <a:p>
+            <a:r>
+              <a:rPr lang="en-US" altLang="zh-TW" sz="1600" b="1" dirty="0">
+                <a:solidFill>
+                  <a:srgbClr val="FF0000"/>
+                </a:solidFill>
+              </a:rPr>
+              <a:t>Main</a:t>
+            </a:r>
+          </a:p>
+          <a:p>
+            <a:r>
+              <a:rPr lang="en-US" altLang="zh-TW" sz="1600" dirty="0"/>
+              <a:t>For arriving e:</a:t>
+            </a:r>
+          </a:p>
+          <a:p>
+            <a:r>
+              <a:rPr lang="en-US" altLang="zh-TW" sz="1600" dirty="0"/>
+              <a:t>    if e in Top:</a:t>
+            </a:r>
+          </a:p>
+          <a:p>
+            <a:r>
+              <a:rPr lang="en-US" altLang="zh-TW" sz="1600" dirty="0"/>
+              <a:t>        Top[e]+=1</a:t>
+            </a:r>
+          </a:p>
+          <a:p>
+            <a:r>
+              <a:rPr lang="en-US" altLang="zh-TW" sz="1600" dirty="0"/>
+              <a:t>    else:</a:t>
+            </a:r>
+          </a:p>
+          <a:p>
+            <a:r>
+              <a:rPr lang="en-US" altLang="zh-TW" sz="1600" dirty="0"/>
+              <a:t>        </a:t>
+            </a:r>
+            <a:r>
+              <a:rPr lang="en-US" altLang="zh-TW" sz="1600" dirty="0" err="1"/>
+              <a:t>UpdateSk</a:t>
+            </a:r>
+            <a:r>
+              <a:rPr lang="en-US" altLang="zh-TW" sz="1600" dirty="0"/>
+              <a:t>(e)</a:t>
+            </a:r>
+          </a:p>
+          <a:p>
+            <a:r>
+              <a:rPr lang="en-US" altLang="zh-TW" sz="1600" dirty="0"/>
+              <a:t>    if </a:t>
+            </a:r>
+            <a:r>
+              <a:rPr lang="en-US" altLang="zh-TW" sz="1600" dirty="0" err="1"/>
+              <a:t>e_max.count</a:t>
+            </a:r>
+            <a:r>
+              <a:rPr lang="en-US" altLang="zh-TW" sz="1600" dirty="0"/>
+              <a:t> &gt; Top[min].count:</a:t>
+            </a:r>
+          </a:p>
+          <a:p>
+            <a:r>
+              <a:rPr lang="en-US" altLang="zh-TW" sz="1600" dirty="0"/>
+              <a:t>        </a:t>
+            </a:r>
+            <a:r>
+              <a:rPr lang="en-US" altLang="zh-TW" sz="1600" dirty="0" err="1"/>
+              <a:t>BringBack</a:t>
+            </a:r>
+            <a:r>
+              <a:rPr lang="en-US" altLang="zh-TW" sz="1600" dirty="0"/>
+              <a:t>(</a:t>
+            </a:r>
+            <a:r>
+              <a:rPr lang="en-US" altLang="zh-TW" sz="1600" dirty="0" err="1"/>
+              <a:t>e_max</a:t>
+            </a:r>
+            <a:r>
+              <a:rPr lang="en-US" altLang="zh-TW" sz="1600" dirty="0"/>
+              <a:t>, Top[min])</a:t>
+            </a:r>
+          </a:p>
+        </p:txBody>
+      </p:sp>
+      <p:sp>
+        <p:nvSpPr>
+          <p:cNvPr id="6" name="矩形 5"/>
+          <p:cNvSpPr/>
+          <p:nvPr/>
+        </p:nvSpPr>
+        <p:spPr>
+          <a:xfrm>
+            <a:off x="4932040" y="1989711"/>
+            <a:ext cx="5256584" cy="3293209"/>
+          </a:xfrm>
+          <a:prstGeom prst="rect">
+            <a:avLst/>
+          </a:prstGeom>
+        </p:spPr>
+        <p:txBody>
+          <a:bodyPr wrap="square">
+            <a:spAutoFit/>
+          </a:bodyPr>
+          <a:lstStyle/>
+          <a:p>
+            <a:r>
+              <a:rPr lang="en-US" altLang="zh-TW" sz="1600" b="1" dirty="0">
+                <a:solidFill>
+                  <a:srgbClr val="FF0000"/>
+                </a:solidFill>
+              </a:rPr>
+              <a:t>Functions</a:t>
+            </a:r>
+          </a:p>
+          <a:p>
+            <a:r>
+              <a:rPr lang="en-US" altLang="zh-TW" sz="1600" b="1" dirty="0" err="1">
+                <a:solidFill>
+                  <a:srgbClr val="0070C0"/>
+                </a:solidFill>
+              </a:rPr>
+              <a:t>UpdateSk</a:t>
+            </a:r>
+            <a:r>
+              <a:rPr lang="en-US" altLang="zh-TW" sz="1600" b="1" dirty="0">
+                <a:solidFill>
+                  <a:srgbClr val="0070C0"/>
+                </a:solidFill>
+              </a:rPr>
+              <a:t>(e):</a:t>
+            </a:r>
+          </a:p>
+          <a:p>
+            <a:r>
+              <a:rPr lang="en-US" altLang="zh-TW" sz="1600" dirty="0"/>
+              <a:t>    </a:t>
+            </a:r>
+            <a:r>
+              <a:rPr lang="en-US" altLang="zh-TW" sz="1600" dirty="0" err="1"/>
+              <a:t>row,col</a:t>
+            </a:r>
+            <a:r>
+              <a:rPr lang="en-US" altLang="zh-TW" sz="1600" dirty="0"/>
+              <a:t>=</a:t>
+            </a:r>
+            <a:r>
+              <a:rPr lang="en-US" altLang="zh-TW" sz="1600" dirty="0" err="1"/>
+              <a:t>get_row_col</a:t>
+            </a:r>
+            <a:r>
+              <a:rPr lang="en-US" altLang="zh-TW" sz="1600" dirty="0"/>
+              <a:t>(e)</a:t>
+            </a:r>
+          </a:p>
+          <a:p>
+            <a:r>
+              <a:rPr lang="en-US" altLang="zh-TW" sz="1600" dirty="0"/>
+              <a:t>    </a:t>
+            </a:r>
+            <a:r>
+              <a:rPr lang="en-US" altLang="zh-TW" sz="1600" dirty="0" err="1"/>
+              <a:t>Sketch_head</a:t>
+            </a:r>
+            <a:r>
+              <a:rPr lang="en-US" altLang="zh-TW" sz="1600" dirty="0"/>
+              <a:t>[row].</a:t>
+            </a:r>
+            <a:r>
+              <a:rPr lang="en-US" altLang="zh-TW" sz="1600" dirty="0" err="1"/>
+              <a:t>total_count</a:t>
+            </a:r>
+            <a:r>
+              <a:rPr lang="en-US" altLang="zh-TW" sz="1600" dirty="0"/>
+              <a:t>+=</a:t>
+            </a:r>
+            <a:r>
+              <a:rPr lang="en-US" altLang="zh-TW" sz="1600" dirty="0" err="1"/>
+              <a:t>e.count</a:t>
+            </a:r>
+            <a:endParaRPr lang="en-US" altLang="zh-TW" sz="1600" dirty="0"/>
+          </a:p>
+          <a:p>
+            <a:r>
+              <a:rPr lang="en-US" altLang="zh-TW" sz="1600" dirty="0"/>
+              <a:t>    </a:t>
+            </a:r>
+            <a:r>
+              <a:rPr lang="en-US" altLang="zh-TW" sz="1600" dirty="0" err="1"/>
+              <a:t>Sketch_head</a:t>
+            </a:r>
+            <a:r>
+              <a:rPr lang="en-US" altLang="zh-TW" sz="1600" dirty="0"/>
+              <a:t>[row].distinct= </a:t>
+            </a:r>
+            <a:r>
+              <a:rPr lang="en-US" altLang="zh-TW" sz="1600" dirty="0" err="1">
+                <a:solidFill>
+                  <a:srgbClr val="7030A0"/>
+                </a:solidFill>
+              </a:rPr>
+              <a:t>hyperloglog.add</a:t>
+            </a:r>
+            <a:r>
+              <a:rPr lang="en-US" altLang="zh-TW" sz="1600" dirty="0">
+                <a:solidFill>
+                  <a:srgbClr val="7030A0"/>
+                </a:solidFill>
+              </a:rPr>
+              <a:t>(e)</a:t>
+            </a:r>
+          </a:p>
+          <a:p>
+            <a:r>
+              <a:rPr lang="en-US" altLang="zh-TW" sz="1600" dirty="0"/>
+              <a:t>    Sketch[row][col]+=1</a:t>
+            </a:r>
+          </a:p>
+          <a:p>
+            <a:r>
+              <a:rPr lang="en-US" altLang="zh-TW" sz="1600" dirty="0"/>
+              <a:t>    </a:t>
+            </a:r>
+            <a:r>
+              <a:rPr lang="en-US" altLang="zh-TW" sz="1600" dirty="0" err="1"/>
+              <a:t>Update_local_max</a:t>
+            </a:r>
+            <a:r>
+              <a:rPr lang="en-US" altLang="zh-TW" sz="1600" dirty="0"/>
+              <a:t>(e, </a:t>
+            </a:r>
+            <a:r>
+              <a:rPr lang="en-US" altLang="zh-TW" sz="1600" dirty="0" err="1"/>
+              <a:t>Sketch_head</a:t>
+            </a:r>
+            <a:r>
+              <a:rPr lang="en-US" altLang="zh-TW" sz="1600" dirty="0"/>
+              <a:t>[row])</a:t>
+            </a:r>
+          </a:p>
+          <a:p>
+            <a:r>
+              <a:rPr lang="en-US" altLang="zh-TW" sz="1600" dirty="0"/>
+              <a:t>    </a:t>
+            </a:r>
+            <a:r>
+              <a:rPr lang="en-US" altLang="zh-TW" sz="1600" dirty="0" err="1"/>
+              <a:t>Update_e_max</a:t>
+            </a:r>
+            <a:r>
+              <a:rPr lang="en-US" altLang="zh-TW" sz="1600" dirty="0"/>
+              <a:t>(e, </a:t>
+            </a:r>
+            <a:r>
+              <a:rPr lang="en-US" altLang="zh-TW" sz="1600" dirty="0" err="1"/>
+              <a:t>Sketch_head</a:t>
+            </a:r>
+            <a:r>
+              <a:rPr lang="en-US" altLang="zh-TW" sz="1600" dirty="0"/>
+              <a:t>)</a:t>
+            </a:r>
+          </a:p>
+          <a:p>
+            <a:endParaRPr lang="en-US" altLang="zh-TW" sz="1600" dirty="0"/>
+          </a:p>
+          <a:p>
+            <a:r>
+              <a:rPr lang="en-US" altLang="zh-TW" sz="1600" b="1" dirty="0" err="1">
+                <a:solidFill>
+                  <a:srgbClr val="0070C0"/>
+                </a:solidFill>
+              </a:rPr>
+              <a:t>BringBack</a:t>
+            </a:r>
+            <a:r>
+              <a:rPr lang="en-US" altLang="zh-TW" sz="1600" b="1" dirty="0">
+                <a:solidFill>
+                  <a:srgbClr val="0070C0"/>
+                </a:solidFill>
+              </a:rPr>
+              <a:t>(</a:t>
+            </a:r>
+            <a:r>
+              <a:rPr lang="en-US" altLang="zh-TW" sz="1600" b="1" dirty="0" err="1">
+                <a:solidFill>
+                  <a:srgbClr val="0070C0"/>
+                </a:solidFill>
+              </a:rPr>
+              <a:t>e_max</a:t>
+            </a:r>
+            <a:r>
+              <a:rPr lang="en-US" altLang="zh-TW" sz="1600" b="1" dirty="0">
+                <a:solidFill>
+                  <a:srgbClr val="0070C0"/>
+                </a:solidFill>
+              </a:rPr>
+              <a:t>, </a:t>
+            </a:r>
+            <a:r>
+              <a:rPr lang="en-US" altLang="zh-TW" sz="1600" b="1" dirty="0" err="1">
+                <a:solidFill>
+                  <a:srgbClr val="0070C0"/>
+                </a:solidFill>
+              </a:rPr>
+              <a:t>e_min</a:t>
+            </a:r>
+            <a:r>
+              <a:rPr lang="en-US" altLang="zh-TW" sz="1600" b="1" dirty="0">
+                <a:solidFill>
+                  <a:srgbClr val="0070C0"/>
+                </a:solidFill>
+              </a:rPr>
+              <a:t>):</a:t>
+            </a:r>
+          </a:p>
+          <a:p>
+            <a:r>
+              <a:rPr lang="en-US" altLang="zh-TW" sz="1600" dirty="0"/>
+              <a:t>    Swap(</a:t>
+            </a:r>
+            <a:r>
+              <a:rPr lang="en-US" altLang="zh-TW" sz="1600" dirty="0" err="1"/>
+              <a:t>e_max</a:t>
+            </a:r>
+            <a:r>
+              <a:rPr lang="en-US" altLang="zh-TW" sz="1600" dirty="0"/>
+              <a:t>, </a:t>
+            </a:r>
+            <a:r>
+              <a:rPr lang="en-US" altLang="zh-TW" sz="1600" dirty="0" err="1"/>
+              <a:t>e_min</a:t>
+            </a:r>
+            <a:r>
+              <a:rPr lang="en-US" altLang="zh-TW" sz="1600" dirty="0"/>
+              <a:t>)</a:t>
+            </a:r>
+          </a:p>
+          <a:p>
+            <a:r>
+              <a:rPr lang="en-US" altLang="zh-TW" sz="1600" dirty="0"/>
+              <a:t>    </a:t>
+            </a:r>
+            <a:r>
+              <a:rPr lang="en-US" altLang="zh-TW" sz="1600" dirty="0" err="1"/>
+              <a:t>DeleteSk</a:t>
+            </a:r>
+            <a:r>
+              <a:rPr lang="en-US" altLang="zh-TW" sz="1600" dirty="0"/>
+              <a:t>(</a:t>
+            </a:r>
+            <a:r>
+              <a:rPr lang="en-US" altLang="zh-TW" sz="1600" dirty="0" err="1"/>
+              <a:t>e_max</a:t>
+            </a:r>
+            <a:r>
+              <a:rPr lang="en-US" altLang="zh-TW" sz="1600" dirty="0"/>
+              <a:t>, Sketch)</a:t>
+            </a:r>
+          </a:p>
+          <a:p>
+            <a:r>
+              <a:rPr lang="en-US" altLang="zh-TW" sz="1600" dirty="0"/>
+              <a:t>    </a:t>
+            </a:r>
+            <a:r>
+              <a:rPr lang="en-US" altLang="zh-TW" sz="1600" dirty="0" err="1"/>
+              <a:t>UpdateSk</a:t>
+            </a:r>
+            <a:r>
+              <a:rPr lang="en-US" altLang="zh-TW" sz="1600" dirty="0"/>
+              <a:t>(</a:t>
+            </a:r>
+            <a:r>
+              <a:rPr lang="en-US" altLang="zh-TW" sz="1600" dirty="0" err="1"/>
+              <a:t>e_min</a:t>
+            </a:r>
+            <a:r>
+              <a:rPr lang="en-US" altLang="zh-TW" sz="1600" dirty="0"/>
+              <a:t>, Sketch)</a:t>
+            </a:r>
+            <a:endParaRPr lang="zh-TW" altLang="en-US" sz="1600" dirty="0"/>
+          </a:p>
+        </p:txBody>
+      </p:sp>
+      <p:sp>
+        <p:nvSpPr>
+          <p:cNvPr id="7" name="矩形 6"/>
+          <p:cNvSpPr/>
+          <p:nvPr/>
+        </p:nvSpPr>
+        <p:spPr>
+          <a:xfrm>
+            <a:off x="251520" y="332656"/>
+            <a:ext cx="4572000" cy="1569660"/>
+          </a:xfrm>
+          <a:prstGeom prst="rect">
+            <a:avLst/>
+          </a:prstGeom>
+        </p:spPr>
+        <p:txBody>
+          <a:bodyPr>
+            <a:spAutoFit/>
+          </a:bodyPr>
+          <a:lstStyle/>
+          <a:p>
+            <a:r>
+              <a:rPr lang="en-US" altLang="zh-TW" sz="1600" b="1" dirty="0">
+                <a:solidFill>
+                  <a:srgbClr val="FF0000"/>
+                </a:solidFill>
+              </a:rPr>
+              <a:t>Settings</a:t>
+            </a:r>
+          </a:p>
+          <a:p>
+            <a:r>
+              <a:rPr lang="en-US" altLang="zh-TW" sz="1600" dirty="0"/>
+              <a:t>Top=[k]</a:t>
+            </a:r>
+          </a:p>
+          <a:p>
+            <a:r>
+              <a:rPr lang="en-US" altLang="zh-TW" sz="1600" dirty="0"/>
+              <a:t>Sketch=[depth][width]</a:t>
+            </a:r>
+          </a:p>
+          <a:p>
+            <a:r>
+              <a:rPr lang="en-US" altLang="zh-TW" sz="1600" dirty="0" err="1"/>
+              <a:t>Sketch_head</a:t>
+            </a:r>
+            <a:r>
+              <a:rPr lang="en-US" altLang="zh-TW" sz="1600" dirty="0"/>
+              <a:t>=[depth]</a:t>
+            </a:r>
+          </a:p>
+          <a:p>
+            <a:r>
+              <a:rPr lang="en-US" altLang="zh-TW" sz="1600" dirty="0"/>
+              <a:t>hash1(x):[n]-&gt;[depth]</a:t>
+            </a:r>
+          </a:p>
+          <a:p>
+            <a:r>
+              <a:rPr lang="en-US" altLang="zh-TW" sz="1600" dirty="0"/>
+              <a:t>hash2(x):[n]-&gt;[width]</a:t>
+            </a:r>
+          </a:p>
+        </p:txBody>
+      </p:sp>
+      <p:sp>
+        <p:nvSpPr>
+          <p:cNvPr id="9" name="矩形 8"/>
+          <p:cNvSpPr/>
+          <p:nvPr/>
+        </p:nvSpPr>
+        <p:spPr>
+          <a:xfrm>
+            <a:off x="251520" y="4149080"/>
+            <a:ext cx="7056784" cy="2123658"/>
+          </a:xfrm>
+          <a:prstGeom prst="rect">
+            <a:avLst/>
+          </a:prstGeom>
+        </p:spPr>
+        <p:txBody>
+          <a:bodyPr wrap="square">
+            <a:spAutoFit/>
+          </a:bodyPr>
+          <a:lstStyle/>
+          <a:p>
+            <a:r>
+              <a:rPr lang="en-US" altLang="zh-TW" sz="1600" b="1" dirty="0">
+                <a:solidFill>
+                  <a:srgbClr val="FF0000"/>
+                </a:solidFill>
+              </a:rPr>
+              <a:t>Query(e):</a:t>
+            </a:r>
+          </a:p>
+          <a:p>
+            <a:r>
+              <a:rPr lang="en-US" altLang="zh-TW" sz="1600" dirty="0"/>
+              <a:t>    if e in Top:</a:t>
+            </a:r>
+          </a:p>
+          <a:p>
+            <a:r>
+              <a:rPr lang="en-US" altLang="zh-TW" sz="1600" dirty="0"/>
+              <a:t>        return Top[e]</a:t>
+            </a:r>
+          </a:p>
+          <a:p>
+            <a:r>
+              <a:rPr lang="en-US" altLang="zh-TW" sz="1600" dirty="0"/>
+              <a:t>    else:</a:t>
+            </a:r>
+          </a:p>
+          <a:p>
+            <a:r>
+              <a:rPr lang="en-US" altLang="zh-TW" sz="1600" dirty="0"/>
+              <a:t>        row, col= </a:t>
+            </a:r>
+            <a:r>
+              <a:rPr lang="en-US" altLang="zh-TW" sz="1600" dirty="0" err="1"/>
+              <a:t>get_index</a:t>
+            </a:r>
+            <a:r>
+              <a:rPr lang="en-US" altLang="zh-TW" sz="1600" dirty="0"/>
+              <a:t>(e)</a:t>
+            </a:r>
+          </a:p>
+          <a:p>
+            <a:r>
+              <a:rPr lang="en-US" altLang="zh-TW" sz="1600" dirty="0"/>
+              <a:t>        ratio=width/ </a:t>
+            </a:r>
+            <a:r>
+              <a:rPr lang="en-US" altLang="zh-TW" sz="1600" dirty="0" err="1">
+                <a:solidFill>
+                  <a:srgbClr val="7030A0"/>
+                </a:solidFill>
+              </a:rPr>
+              <a:t>Estimate_distinct_hyperloglog</a:t>
+            </a:r>
+            <a:r>
+              <a:rPr lang="en-US" altLang="zh-TW" sz="1600" dirty="0">
+                <a:solidFill>
+                  <a:srgbClr val="7030A0"/>
+                </a:solidFill>
+              </a:rPr>
+              <a:t>(</a:t>
+            </a:r>
+            <a:r>
+              <a:rPr lang="en-US" altLang="zh-TW" sz="1600" dirty="0" err="1">
+                <a:solidFill>
+                  <a:srgbClr val="7030A0"/>
+                </a:solidFill>
+              </a:rPr>
+              <a:t>Sketch_head</a:t>
+            </a:r>
+            <a:r>
+              <a:rPr lang="en-US" altLang="zh-TW" sz="1600" dirty="0">
+                <a:solidFill>
+                  <a:srgbClr val="7030A0"/>
+                </a:solidFill>
+              </a:rPr>
+              <a:t>[row])</a:t>
+            </a:r>
+          </a:p>
+          <a:p>
+            <a:r>
+              <a:rPr lang="en-US" altLang="zh-TW" sz="1600" dirty="0"/>
+              <a:t>        estimate=Sketch[row][col]*ratio</a:t>
+            </a:r>
+          </a:p>
+          <a:p>
+            <a:r>
+              <a:rPr lang="en-US" altLang="zh-TW" sz="1600" dirty="0"/>
+              <a:t>        return estimate</a:t>
+            </a:r>
+            <a:endParaRPr lang="zh-TW" altLang="en-US" sz="1600" dirty="0"/>
+          </a:p>
+        </p:txBody>
+      </p:sp>
+    </p:spTree>
+    <p:extLst>
+      <p:ext uri="{BB962C8B-B14F-4D97-AF65-F5344CB8AC3E}">
+        <p14:creationId xmlns:p14="http://schemas.microsoft.com/office/powerpoint/2010/main" val="2751158006"/>
+      </p:ext>
+    </p:extLst>
+  </p:cSld>
+  <p:clrMapOvr>
+    <a:masterClrMapping/>
+  </p:clrMapOvr>
+</p:sld>
+</file>
+
+<file path=ppt/slides/slide6.xml><?xml version="1.0" encoding="utf-8"?>
+<p:sld xmlns:a="http://schemas.openxmlformats.org/drawingml/2006/main" xmlns:r="http://schemas.openxmlformats.org/officeDocument/2006/relationships" xmlns:p="http://schemas.openxmlformats.org/presentationml/2006/main">
+  <p:cSld>
+    <p:spTree>
+      <p:nvGrpSpPr>
+        <p:cNvPr id="1" name=""/>
+        <p:cNvGrpSpPr/>
+        <p:nvPr/>
+      </p:nvGrpSpPr>
+      <p:grpSpPr>
+        <a:xfrm>
+          <a:off x="0" y="0"/>
+          <a:ext cx="0" cy="0"/>
+          <a:chOff x="0" y="0"/>
+          <a:chExt cx="0" cy="0"/>
+        </a:xfrm>
+      </p:grpSpPr>
+      <p:sp>
+        <p:nvSpPr>
+          <p:cNvPr id="2" name="標題 1">
+            <a:extLst>
+              <a:ext uri="{FF2B5EF4-FFF2-40B4-BE49-F238E27FC236}">
+                <a16:creationId xmlns:a16="http://schemas.microsoft.com/office/drawing/2014/main" id="{DED4DC7B-2FD7-4BBB-9152-8A8406A727BF}"/>
+              </a:ext>
+            </a:extLst>
+          </p:cNvPr>
+          <p:cNvSpPr>
+            <a:spLocks noGrp="1"/>
+          </p:cNvSpPr>
+          <p:nvPr>
+            <p:ph type="title"/>
+          </p:nvPr>
+        </p:nvSpPr>
+        <p:spPr/>
+        <p:txBody>
+          <a:bodyPr>
+            <a:normAutofit/>
+          </a:bodyPr>
+          <a:lstStyle/>
+          <a:p>
+            <a:r>
+              <a:rPr lang="en-US" altLang="zh-TW" dirty="0"/>
+              <a:t>Dataset</a:t>
+            </a:r>
+            <a:endParaRPr lang="zh-TW" altLang="en-US" dirty="0"/>
+          </a:p>
+        </p:txBody>
+      </p:sp>
+      <p:sp>
+        <p:nvSpPr>
+          <p:cNvPr id="3" name="內容版面配置區 2">
+            <a:extLst>
+              <a:ext uri="{FF2B5EF4-FFF2-40B4-BE49-F238E27FC236}">
+                <a16:creationId xmlns:a16="http://schemas.microsoft.com/office/drawing/2014/main" id="{9D3694C9-5753-403C-9CAF-FD0CE7FF17C9}"/>
+              </a:ext>
+            </a:extLst>
+          </p:cNvPr>
+          <p:cNvSpPr>
+            <a:spLocks noGrp="1"/>
+          </p:cNvSpPr>
+          <p:nvPr>
+            <p:ph idx="1"/>
+          </p:nvPr>
+        </p:nvSpPr>
+        <p:spPr/>
+        <p:txBody>
+          <a:bodyPr>
+            <a:normAutofit/>
+          </a:bodyPr>
+          <a:lstStyle/>
+          <a:p>
+            <a:r>
+              <a:rPr lang="en-US" altLang="zh-TW" dirty="0"/>
+              <a:t>Caida2016(1 /</a:t>
+            </a:r>
+            <a:r>
+              <a:rPr lang="zh-TW" altLang="en-US" dirty="0"/>
+              <a:t> </a:t>
+            </a:r>
+            <a:r>
+              <a:rPr lang="en-US" altLang="zh-TW" dirty="0"/>
+              <a:t>10)</a:t>
+            </a:r>
+          </a:p>
+          <a:p>
+            <a:pPr lvl="2"/>
+            <a:r>
+              <a:rPr lang="en-US" altLang="zh-TW" dirty="0"/>
+              <a:t>Distinct: 177,335</a:t>
+            </a:r>
+          </a:p>
+          <a:p>
+            <a:pPr lvl="2"/>
+            <a:r>
+              <a:rPr lang="en-US" altLang="zh-TW" dirty="0"/>
+              <a:t>Arriving: 2,472,727</a:t>
+            </a:r>
+          </a:p>
+          <a:p>
+            <a:r>
+              <a:rPr lang="en-US" altLang="zh-TW" dirty="0" err="1"/>
+              <a:t>Kosarak</a:t>
+            </a:r>
+            <a:endParaRPr lang="en-US" altLang="zh-TW" dirty="0"/>
+          </a:p>
+          <a:p>
+            <a:pPr lvl="2"/>
+            <a:r>
+              <a:rPr lang="en-US" altLang="zh-TW" dirty="0"/>
+              <a:t>Distinct: 606,770</a:t>
+            </a:r>
+          </a:p>
+          <a:p>
+            <a:pPr lvl="2"/>
+            <a:r>
+              <a:rPr lang="en-US" altLang="zh-TW" dirty="0"/>
+              <a:t>Arriving: 990,002</a:t>
+            </a:r>
+          </a:p>
+          <a:p>
+            <a:r>
+              <a:rPr lang="en-US" altLang="zh-TW" dirty="0" err="1"/>
+              <a:t>Webdocs</a:t>
+            </a:r>
+            <a:r>
+              <a:rPr lang="en-US" altLang="zh-TW" dirty="0"/>
+              <a:t>(1 /20)</a:t>
+            </a:r>
+          </a:p>
+          <a:p>
+            <a:pPr lvl="2"/>
+            <a:r>
+              <a:rPr lang="en-US" altLang="zh-TW" dirty="0"/>
+              <a:t>Distinct: 591,722</a:t>
+            </a:r>
+          </a:p>
+          <a:p>
+            <a:pPr lvl="2"/>
+            <a:r>
+              <a:rPr lang="en-US" altLang="zh-TW" dirty="0"/>
+              <a:t>Arriving: 15,487,894</a:t>
+            </a:r>
+            <a:endParaRPr lang="zh-TW" altLang="en-US" dirty="0"/>
+          </a:p>
+        </p:txBody>
+      </p:sp>
+    </p:spTree>
+    <p:extLst>
+      <p:ext uri="{BB962C8B-B14F-4D97-AF65-F5344CB8AC3E}">
+        <p14:creationId xmlns:p14="http://schemas.microsoft.com/office/powerpoint/2010/main" val="2921016661"/>
+      </p:ext>
+    </p:extLst>
+  </p:cSld>
+  <p:clrMapOvr>
+    <a:masterClrMapping/>
+  </p:clrMapOvr>
+</p:sld>
+</file>
+
+<file path=ppt/slides/slide7.xml><?xml version="1.0" encoding="utf-8"?>
+<p:sld xmlns:a="http://schemas.openxmlformats.org/drawingml/2006/main" xmlns:r="http://schemas.openxmlformats.org/officeDocument/2006/relationships" xmlns:p="http://schemas.openxmlformats.org/presentationml/2006/main">
+  <p:cSld>
+    <p:spTree>
+      <p:nvGrpSpPr>
+        <p:cNvPr id="1" name=""/>
+        <p:cNvGrpSpPr/>
+        <p:nvPr/>
+      </p:nvGrpSpPr>
+      <p:grpSpPr>
+        <a:xfrm>
+          <a:off x="0" y="0"/>
+          <a:ext cx="0" cy="0"/>
+          <a:chOff x="0" y="0"/>
+          <a:chExt cx="0" cy="0"/>
+        </a:xfrm>
+      </p:grpSpPr>
+      <p:sp>
+        <p:nvSpPr>
+          <p:cNvPr id="2" name="標題 1">
+            <a:extLst>
+              <a:ext uri="{FF2B5EF4-FFF2-40B4-BE49-F238E27FC236}">
+                <a16:creationId xmlns:a16="http://schemas.microsoft.com/office/drawing/2014/main" id="{42F9F8FA-CAB1-433B-A1C0-3C3DD1E5FFD5}"/>
+              </a:ext>
+            </a:extLst>
+          </p:cNvPr>
+          <p:cNvSpPr>
+            <a:spLocks noGrp="1"/>
+          </p:cNvSpPr>
+          <p:nvPr>
+            <p:ph type="title"/>
+          </p:nvPr>
+        </p:nvSpPr>
+        <p:spPr/>
+        <p:txBody>
+          <a:bodyPr/>
+          <a:lstStyle/>
+          <a:p>
+            <a:r>
+              <a:rPr lang="en-US" altLang="zh-TW" dirty="0"/>
+              <a:t>Performance-Caida0</a:t>
+            </a:r>
+            <a:endParaRPr lang="zh-TW" altLang="en-US" dirty="0"/>
+          </a:p>
+        </p:txBody>
+      </p:sp>
+    </p:spTree>
+    <p:extLst>
+      <p:ext uri="{BB962C8B-B14F-4D97-AF65-F5344CB8AC3E}">
+        <p14:creationId xmlns:p14="http://schemas.microsoft.com/office/powerpoint/2010/main" val="1056327111"/>
+      </p:ext>
+    </p:extLst>
+  </p:cSld>
+  <p:clrMapOvr>
+    <a:masterClrMapping/>
+  </p:clrMapOvr>
+</p:sld>
+</file>
+
+<file path=ppt/slides/slide8.xml><?xml version="1.0" encoding="utf-8"?>
+<p:sld xmlns:a="http://schemas.openxmlformats.org/drawingml/2006/main" xmlns:r="http://schemas.openxmlformats.org/officeDocument/2006/relationships" xmlns:p="http://schemas.openxmlformats.org/presentationml/2006/main">
+  <p:cSld>
+    <p:spTree>
+      <p:nvGrpSpPr>
+        <p:cNvPr id="1" name=""/>
+        <p:cNvGrpSpPr/>
+        <p:nvPr/>
+      </p:nvGrpSpPr>
+      <p:grpSpPr>
+        <a:xfrm>
+          <a:off x="0" y="0"/>
+          <a:ext cx="0" cy="0"/>
+          <a:chOff x="0" y="0"/>
+          <a:chExt cx="0" cy="0"/>
+        </a:xfrm>
+      </p:grpSpPr>
+      <p:sp>
+        <p:nvSpPr>
+          <p:cNvPr id="2" name="標題 1">
+            <a:extLst>
+              <a:ext uri="{FF2B5EF4-FFF2-40B4-BE49-F238E27FC236}">
+                <a16:creationId xmlns:a16="http://schemas.microsoft.com/office/drawing/2014/main" id="{F4A47DCE-613A-4AD0-A4AA-E4982923822D}"/>
+              </a:ext>
+            </a:extLst>
+          </p:cNvPr>
+          <p:cNvSpPr>
+            <a:spLocks noGrp="1"/>
+          </p:cNvSpPr>
+          <p:nvPr>
+            <p:ph type="title"/>
+          </p:nvPr>
+        </p:nvSpPr>
+        <p:spPr/>
+        <p:txBody>
+          <a:bodyPr/>
+          <a:lstStyle/>
+          <a:p>
+            <a:r>
+              <a:rPr lang="en-US" altLang="zh-TW" dirty="0"/>
+              <a:t>Performance-</a:t>
+            </a:r>
+            <a:r>
+              <a:rPr lang="en-US" altLang="zh-TW" dirty="0" err="1"/>
+              <a:t>Kosarak</a:t>
+            </a:r>
+            <a:endParaRPr lang="zh-TW" altLang="en-US" dirty="0"/>
+          </a:p>
+        </p:txBody>
+      </p:sp>
+      <p:sp>
+        <p:nvSpPr>
+          <p:cNvPr id="3" name="內容版面配置區 2">
+            <a:extLst>
+              <a:ext uri="{FF2B5EF4-FFF2-40B4-BE49-F238E27FC236}">
+                <a16:creationId xmlns:a16="http://schemas.microsoft.com/office/drawing/2014/main" id="{E4F031F0-8D78-41F1-A399-81014C1C8FB7}"/>
+              </a:ext>
+            </a:extLst>
+          </p:cNvPr>
+          <p:cNvSpPr>
+            <a:spLocks noGrp="1"/>
+          </p:cNvSpPr>
+          <p:nvPr>
+            <p:ph idx="1"/>
+          </p:nvPr>
+        </p:nvSpPr>
+        <p:spPr/>
+        <p:txBody>
+          <a:bodyPr/>
+          <a:lstStyle/>
+          <a:p>
+            <a:endParaRPr lang="zh-TW" altLang="en-US"/>
+          </a:p>
+        </p:txBody>
+      </p:sp>
+    </p:spTree>
+    <p:extLst>
+      <p:ext uri="{BB962C8B-B14F-4D97-AF65-F5344CB8AC3E}">
+        <p14:creationId xmlns:p14="http://schemas.microsoft.com/office/powerpoint/2010/main" val="78673591"/>
+      </p:ext>
+    </p:extLst>
+  </p:cSld>
+  <p:clrMapOvr>
+    <a:masterClrMapping/>
+  </p:clrMapOvr>
+</p:sld>
+</file>
+
+<file path=ppt/slides/slide9.xml><?xml version="1.0" encoding="utf-8"?>
+<p:sld xmlns:a="http://schemas.openxmlformats.org/drawingml/2006/main" xmlns:r="http://schemas.openxmlformats.org/officeDocument/2006/relationships" xmlns:p="http://schemas.openxmlformats.org/presentationml/2006/main">
+  <p:cSld>
+    <p:spTree>
+      <p:nvGrpSpPr>
+        <p:cNvPr id="1" name=""/>
+        <p:cNvGrpSpPr/>
+        <p:nvPr/>
+      </p:nvGrpSpPr>
+      <p:grpSpPr>
+        <a:xfrm>
+          <a:off x="0" y="0"/>
+          <a:ext cx="0" cy="0"/>
+          <a:chOff x="0" y="0"/>
+          <a:chExt cx="0" cy="0"/>
+        </a:xfrm>
+      </p:grpSpPr>
+      <p:sp>
+        <p:nvSpPr>
+          <p:cNvPr id="2" name="標題 1">
+            <a:extLst>
+              <a:ext uri="{FF2B5EF4-FFF2-40B4-BE49-F238E27FC236}">
+                <a16:creationId xmlns:a16="http://schemas.microsoft.com/office/drawing/2014/main" id="{2EF784C0-B870-4E80-8C0E-7538F32B8971}"/>
+              </a:ext>
+            </a:extLst>
+          </p:cNvPr>
+          <p:cNvSpPr>
+            <a:spLocks noGrp="1"/>
+          </p:cNvSpPr>
+          <p:nvPr>
+            <p:ph type="title"/>
+          </p:nvPr>
+        </p:nvSpPr>
+        <p:spPr/>
+        <p:txBody>
+          <a:bodyPr>
+            <a:normAutofit/>
+          </a:bodyPr>
+          <a:lstStyle/>
+          <a:p>
+            <a:r>
+              <a:rPr lang="en-US" altLang="zh-TW" dirty="0"/>
+              <a:t>Performance- </a:t>
+            </a:r>
+            <a:r>
+              <a:rPr lang="en-US" altLang="zh-TW" dirty="0" err="1"/>
+              <a:t>Webdocs</a:t>
+            </a:r>
+            <a:endParaRPr lang="zh-TW" altLang="en-US" dirty="0"/>
+          </a:p>
+        </p:txBody>
+      </p:sp>
+      <p:sp>
+        <p:nvSpPr>
+          <p:cNvPr id="3" name="內容版面配置區 2">
+            <a:extLst>
+              <a:ext uri="{FF2B5EF4-FFF2-40B4-BE49-F238E27FC236}">
+                <a16:creationId xmlns:a16="http://schemas.microsoft.com/office/drawing/2014/main" id="{898E46E5-99D1-43ED-A959-D5A16AE287C7}"/>
+              </a:ext>
+            </a:extLst>
+          </p:cNvPr>
+          <p:cNvSpPr>
+            <a:spLocks noGrp="1"/>
+          </p:cNvSpPr>
+          <p:nvPr>
+            <p:ph idx="1"/>
+          </p:nvPr>
+        </p:nvSpPr>
+        <p:spPr/>
+        <p:txBody>
+          <a:bodyPr/>
+          <a:lstStyle/>
+          <a:p>
+            <a:endParaRPr lang="zh-TW" altLang="en-US"/>
+          </a:p>
+        </p:txBody>
+      </p:sp>
+    </p:spTree>
+    <p:extLst>
+      <p:ext uri="{BB962C8B-B14F-4D97-AF65-F5344CB8AC3E}">
+        <p14:creationId xmlns:p14="http://schemas.microsoft.com/office/powerpoint/2010/main" val="3976898128"/>
       </p:ext>
     </p:extLst>
   </p:cSld>

--- a/result/report.pptx
+++ b/result/report.pptx
@@ -10,10 +10,11 @@
     <p:sldId id="262" r:id="rId4"/>
     <p:sldId id="260" r:id="rId5"/>
     <p:sldId id="259" r:id="rId6"/>
-    <p:sldId id="263" r:id="rId7"/>
-    <p:sldId id="264" r:id="rId8"/>
-    <p:sldId id="265" r:id="rId9"/>
-    <p:sldId id="266" r:id="rId10"/>
+    <p:sldId id="267" r:id="rId7"/>
+    <p:sldId id="263" r:id="rId8"/>
+    <p:sldId id="264" r:id="rId9"/>
+    <p:sldId id="265" r:id="rId10"/>
+    <p:sldId id="266" r:id="rId11"/>
   </p:sldIdLst>
   <p:sldSz cx="9144000" cy="6858000" type="screen4x3"/>
   <p:notesSz cx="6858000" cy="9144000"/>
@@ -114,7 +115,7 @@
   </p:defaultTextStyle>
   <p:extLst>
     <p:ext uri="{EFAFB233-063F-42B5-8137-9DF3F51BA10A}">
-      <p15:sldGuideLst xmlns:p15="http://schemas.microsoft.com/office/powerpoint/2012/main">
+      <p15:sldGuideLst xmlns:p15="http://schemas.microsoft.com/office/powerpoint/2012/main" xmlns="">
         <p15:guide id="1" orient="horz" pos="2160">
           <p15:clr>
             <a:srgbClr val="A4A3A4"/>
@@ -310,7 +311,7 @@
           <a:p>
             <a:fld id="{5BBEAD13-0566-4C6C-97E7-55F17F24B09F}" type="datetimeFigureOut">
               <a:rPr lang="zh-TW" altLang="en-US" smtClean="0"/>
-              <a:t>2021/4/20</a:t>
+              <a:t>2021/4/21</a:t>
             </a:fld>
             <a:endParaRPr lang="zh-TW" altLang="en-US"/>
           </a:p>
@@ -473,7 +474,7 @@
           <a:p>
             <a:fld id="{5BBEAD13-0566-4C6C-97E7-55F17F24B09F}" type="datetimeFigureOut">
               <a:rPr lang="zh-TW" altLang="en-US" smtClean="0"/>
-              <a:t>2021/4/20</a:t>
+              <a:t>2021/4/21</a:t>
             </a:fld>
             <a:endParaRPr lang="zh-TW" altLang="en-US"/>
           </a:p>
@@ -646,7 +647,7 @@
           <a:p>
             <a:fld id="{5BBEAD13-0566-4C6C-97E7-55F17F24B09F}" type="datetimeFigureOut">
               <a:rPr lang="zh-TW" altLang="en-US" smtClean="0"/>
-              <a:t>2021/4/20</a:t>
+              <a:t>2021/4/21</a:t>
             </a:fld>
             <a:endParaRPr lang="zh-TW" altLang="en-US"/>
           </a:p>
@@ -809,7 +810,7 @@
           <a:p>
             <a:fld id="{5BBEAD13-0566-4C6C-97E7-55F17F24B09F}" type="datetimeFigureOut">
               <a:rPr lang="zh-TW" altLang="en-US" smtClean="0"/>
-              <a:t>2021/4/20</a:t>
+              <a:t>2021/4/21</a:t>
             </a:fld>
             <a:endParaRPr lang="zh-TW" altLang="en-US"/>
           </a:p>
@@ -1049,7 +1050,7 @@
           <a:p>
             <a:fld id="{5BBEAD13-0566-4C6C-97E7-55F17F24B09F}" type="datetimeFigureOut">
               <a:rPr lang="zh-TW" altLang="en-US" smtClean="0"/>
-              <a:t>2021/4/20</a:t>
+              <a:t>2021/4/21</a:t>
             </a:fld>
             <a:endParaRPr lang="zh-TW" altLang="en-US"/>
           </a:p>
@@ -1329,7 +1330,7 @@
           <a:p>
             <a:fld id="{5BBEAD13-0566-4C6C-97E7-55F17F24B09F}" type="datetimeFigureOut">
               <a:rPr lang="zh-TW" altLang="en-US" smtClean="0"/>
-              <a:t>2021/4/20</a:t>
+              <a:t>2021/4/21</a:t>
             </a:fld>
             <a:endParaRPr lang="zh-TW" altLang="en-US"/>
           </a:p>
@@ -1743,7 +1744,7 @@
           <a:p>
             <a:fld id="{5BBEAD13-0566-4C6C-97E7-55F17F24B09F}" type="datetimeFigureOut">
               <a:rPr lang="zh-TW" altLang="en-US" smtClean="0"/>
-              <a:t>2021/4/20</a:t>
+              <a:t>2021/4/21</a:t>
             </a:fld>
             <a:endParaRPr lang="zh-TW" altLang="en-US"/>
           </a:p>
@@ -1855,7 +1856,7 @@
           <a:p>
             <a:fld id="{5BBEAD13-0566-4C6C-97E7-55F17F24B09F}" type="datetimeFigureOut">
               <a:rPr lang="zh-TW" altLang="en-US" smtClean="0"/>
-              <a:t>2021/4/20</a:t>
+              <a:t>2021/4/21</a:t>
             </a:fld>
             <a:endParaRPr lang="zh-TW" altLang="en-US"/>
           </a:p>
@@ -1945,7 +1946,7 @@
           <a:p>
             <a:fld id="{5BBEAD13-0566-4C6C-97E7-55F17F24B09F}" type="datetimeFigureOut">
               <a:rPr lang="zh-TW" altLang="en-US" smtClean="0"/>
-              <a:t>2021/4/20</a:t>
+              <a:t>2021/4/21</a:t>
             </a:fld>
             <a:endParaRPr lang="zh-TW" altLang="en-US"/>
           </a:p>
@@ -2215,7 +2216,7 @@
           <a:p>
             <a:fld id="{5BBEAD13-0566-4C6C-97E7-55F17F24B09F}" type="datetimeFigureOut">
               <a:rPr lang="zh-TW" altLang="en-US" smtClean="0"/>
-              <a:t>2021/4/20</a:t>
+              <a:t>2021/4/21</a:t>
             </a:fld>
             <a:endParaRPr lang="zh-TW" altLang="en-US"/>
           </a:p>
@@ -2462,7 +2463,7 @@
           <a:p>
             <a:fld id="{5BBEAD13-0566-4C6C-97E7-55F17F24B09F}" type="datetimeFigureOut">
               <a:rPr lang="zh-TW" altLang="en-US" smtClean="0"/>
-              <a:t>2021/4/20</a:t>
+              <a:t>2021/4/21</a:t>
             </a:fld>
             <a:endParaRPr lang="zh-TW" altLang="en-US"/>
           </a:p>
@@ -2668,7 +2669,7 @@
           <a:p>
             <a:fld id="{5BBEAD13-0566-4C6C-97E7-55F17F24B09F}" type="datetimeFigureOut">
               <a:rPr lang="zh-TW" altLang="en-US" smtClean="0"/>
-              <a:t>2021/4/20</a:t>
+              <a:t>2021/4/21</a:t>
             </a:fld>
             <a:endParaRPr lang="zh-TW" altLang="en-US"/>
           </a:p>
@@ -3089,6 +3090,96 @@
 </p:sld>
 </file>
 
+<file path=ppt/slides/slide10.xml><?xml version="1.0" encoding="utf-8"?>
+<p:sld xmlns:a="http://schemas.openxmlformats.org/drawingml/2006/main" xmlns:r="http://schemas.openxmlformats.org/officeDocument/2006/relationships" xmlns:p="http://schemas.openxmlformats.org/presentationml/2006/main">
+  <p:cSld>
+    <p:spTree>
+      <p:nvGrpSpPr>
+        <p:cNvPr id="1" name=""/>
+        <p:cNvGrpSpPr/>
+        <p:nvPr/>
+      </p:nvGrpSpPr>
+      <p:grpSpPr>
+        <a:xfrm>
+          <a:off x="0" y="0"/>
+          <a:ext cx="0" cy="0"/>
+          <a:chOff x="0" y="0"/>
+          <a:chExt cx="0" cy="0"/>
+        </a:xfrm>
+      </p:grpSpPr>
+      <p:sp>
+        <p:nvSpPr>
+          <p:cNvPr id="2" name="標題 1">
+            <a:extLst>
+              <a:ext uri="{FF2B5EF4-FFF2-40B4-BE49-F238E27FC236}">
+                <a16:creationId xmlns:a16="http://schemas.microsoft.com/office/drawing/2014/main" xmlns="" id="{2EF784C0-B870-4E80-8C0E-7538F32B8971}"/>
+              </a:ext>
+            </a:extLst>
+          </p:cNvPr>
+          <p:cNvSpPr>
+            <a:spLocks noGrp="1"/>
+          </p:cNvSpPr>
+          <p:nvPr>
+            <p:ph type="title"/>
+          </p:nvPr>
+        </p:nvSpPr>
+        <p:spPr/>
+        <p:txBody>
+          <a:bodyPr>
+            <a:normAutofit/>
+          </a:bodyPr>
+          <a:lstStyle/>
+          <a:p>
+            <a:r>
+              <a:rPr lang="en-US" altLang="zh-TW" dirty="0"/>
+              <a:t>Performance- </a:t>
+            </a:r>
+            <a:r>
+              <a:rPr lang="en-US" altLang="zh-TW" dirty="0" err="1"/>
+              <a:t>Webdocs</a:t>
+            </a:r>
+            <a:endParaRPr lang="zh-TW" altLang="en-US" dirty="0"/>
+          </a:p>
+        </p:txBody>
+      </p:sp>
+      <p:sp>
+        <p:nvSpPr>
+          <p:cNvPr id="3" name="內容版面配置區 2">
+            <a:extLst>
+              <a:ext uri="{FF2B5EF4-FFF2-40B4-BE49-F238E27FC236}">
+                <a16:creationId xmlns:a16="http://schemas.microsoft.com/office/drawing/2014/main" xmlns="" id="{898E46E5-99D1-43ED-A959-D5A16AE287C7}"/>
+              </a:ext>
+            </a:extLst>
+          </p:cNvPr>
+          <p:cNvSpPr>
+            <a:spLocks noGrp="1"/>
+          </p:cNvSpPr>
+          <p:nvPr>
+            <p:ph idx="1"/>
+          </p:nvPr>
+        </p:nvSpPr>
+        <p:spPr/>
+        <p:txBody>
+          <a:bodyPr/>
+          <a:lstStyle/>
+          <a:p>
+            <a:endParaRPr lang="zh-TW" altLang="en-US"/>
+          </a:p>
+        </p:txBody>
+      </p:sp>
+    </p:spTree>
+    <p:extLst>
+      <p:ext uri="{BB962C8B-B14F-4D97-AF65-F5344CB8AC3E}">
+        <p14:creationId xmlns:p14="http://schemas.microsoft.com/office/powerpoint/2010/main" val="3976898128"/>
+      </p:ext>
+    </p:extLst>
+  </p:cSld>
+  <p:clrMapOvr>
+    <a:masterClrMapping/>
+  </p:clrMapOvr>
+</p:sld>
+</file>
+
 <file path=ppt/slides/slide2.xml><?xml version="1.0" encoding="utf-8"?>
 <p:sld xmlns:a="http://schemas.openxmlformats.org/drawingml/2006/main" xmlns:r="http://schemas.openxmlformats.org/officeDocument/2006/relationships" xmlns:p="http://schemas.openxmlformats.org/presentationml/2006/main">
   <p:cSld>
@@ -3111,7 +3202,7 @@
           <p:cNvPr id="2" name="標題 1">
             <a:extLst>
               <a:ext uri="{FF2B5EF4-FFF2-40B4-BE49-F238E27FC236}">
-                <a16:creationId xmlns:a16="http://schemas.microsoft.com/office/drawing/2014/main" id="{5BEDD129-3DE5-4DEB-B3B4-ECB4C33D65E0}"/>
+                <a16:creationId xmlns:a16="http://schemas.microsoft.com/office/drawing/2014/main" xmlns="" id="{5BEDD129-3DE5-4DEB-B3B4-ECB4C33D65E0}"/>
               </a:ext>
             </a:extLst>
           </p:cNvPr>
@@ -3140,7 +3231,7 @@
           <p:cNvPr id="3" name="內容版面配置區 2">
             <a:extLst>
               <a:ext uri="{FF2B5EF4-FFF2-40B4-BE49-F238E27FC236}">
-                <a16:creationId xmlns:a16="http://schemas.microsoft.com/office/drawing/2014/main" id="{ECE4FEF4-089C-4735-B846-78D6BDD198F7}"/>
+                <a16:creationId xmlns:a16="http://schemas.microsoft.com/office/drawing/2014/main" xmlns="" id="{ECE4FEF4-089C-4735-B846-78D6BDD198F7}"/>
               </a:ext>
             </a:extLst>
           </p:cNvPr>
@@ -3278,7 +3369,7 @@
           <p:cNvPr id="2" name="標題 1">
             <a:extLst>
               <a:ext uri="{FF2B5EF4-FFF2-40B4-BE49-F238E27FC236}">
-                <a16:creationId xmlns:a16="http://schemas.microsoft.com/office/drawing/2014/main" id="{C232C9D4-8F5B-47E9-B4F8-4334B4E493EC}"/>
+                <a16:creationId xmlns:a16="http://schemas.microsoft.com/office/drawing/2014/main" xmlns="" id="{C232C9D4-8F5B-47E9-B4F8-4334B4E493EC}"/>
               </a:ext>
             </a:extLst>
           </p:cNvPr>
@@ -3307,7 +3398,7 @@
           <p:cNvPr id="3" name="內容版面配置區 2">
             <a:extLst>
               <a:ext uri="{FF2B5EF4-FFF2-40B4-BE49-F238E27FC236}">
-                <a16:creationId xmlns:a16="http://schemas.microsoft.com/office/drawing/2014/main" id="{188757EE-1F8B-4D20-BB3A-57402E49BB3B}"/>
+                <a16:creationId xmlns:a16="http://schemas.microsoft.com/office/drawing/2014/main" xmlns="" id="{188757EE-1F8B-4D20-BB3A-57402E49BB3B}"/>
               </a:ext>
             </a:extLst>
           </p:cNvPr>
@@ -3466,8 +3557,8 @@
           </a:p>
         </p:txBody>
       </p:sp>
-      <mc:AlternateContent xmlns:mc="http://schemas.openxmlformats.org/markup-compatibility/2006" xmlns:a14="http://schemas.microsoft.com/office/drawing/2010/main">
-        <mc:Choice Requires="a14">
+      <mc:AlternateContent xmlns:mc="http://schemas.openxmlformats.org/markup-compatibility/2006">
+        <mc:Choice xmlns:a14="http://schemas.microsoft.com/office/drawing/2010/main" Requires="a14">
           <p:sp>
             <p:nvSpPr>
               <p:cNvPr id="3" name="內容版面配置區 2"/>
@@ -3587,7 +3678,7 @@
                       <m:fPr>
                         <m:ctrlPr>
                           <a:rPr lang="en-US" altLang="zh-TW" b="0" i="1" smtClean="0">
-                            <a:latin typeface="Cambria Math" panose="02040503050406030204" pitchFamily="18" charset="0"/>
+                            <a:latin typeface="Cambria Math"/>
                           </a:rPr>
                         </m:ctrlPr>
                       </m:fPr>
@@ -3605,7 +3696,7 @@
                             <m:degHide m:val="on"/>
                             <m:ctrlPr>
                               <a:rPr lang="en-US" altLang="zh-TW" b="0" i="1" smtClean="0">
-                                <a:latin typeface="Cambria Math" panose="02040503050406030204" pitchFamily="18" charset="0"/>
+                                <a:latin typeface="Cambria Math"/>
                               </a:rPr>
                             </m:ctrlPr>
                           </m:radPr>
@@ -3623,12 +3714,16 @@
                     </m:f>
                   </m:oMath>
                 </a14:m>
-                <a:endParaRPr lang="en-US" altLang="zh-TW" dirty="0"/>
+                <a:endParaRPr lang="en-US" altLang="zh-TW" dirty="0" smtClean="0"/>
               </a:p>
               <a:p>
                 <a:r>
+                  <a:rPr lang="en-US" altLang="zh-TW" dirty="0" smtClean="0"/>
+                  <a:t>Space</a:t>
+                </a:r>
+                <a:r>
                   <a:rPr lang="en-US" altLang="zh-TW" dirty="0"/>
-                  <a:t>Space:</a:t>
+                  <a:t>:</a:t>
                 </a:r>
                 <a14:m>
                   <m:oMath xmlns:m="http://schemas.openxmlformats.org/officeDocument/2006/math">
@@ -3648,7 +3743,7 @@
                       <m:sSupPr>
                         <m:ctrlPr>
                           <a:rPr lang="en-US" altLang="zh-TW" b="0" i="1" smtClean="0">
-                            <a:latin typeface="Cambria Math" panose="02040503050406030204" pitchFamily="18" charset="0"/>
+                            <a:latin typeface="Cambria Math"/>
                           </a:rPr>
                         </m:ctrlPr>
                       </m:sSupPr>
@@ -3729,7 +3824,7 @@
             </p:txBody>
           </p:sp>
         </mc:Choice>
-        <mc:Fallback xmlns="">
+        <mc:Fallback>
           <p:sp>
             <p:nvSpPr>
               <p:cNvPr id="3" name="內容版面配置區 2"/>
@@ -3763,6 +3858,114 @@
           </p:sp>
         </mc:Fallback>
       </mc:AlternateContent>
+      <p:pic>
+        <p:nvPicPr>
+          <p:cNvPr id="1026" name="Picture 2"/>
+          <p:cNvPicPr>
+            <a:picLocks noChangeAspect="1" noChangeArrowheads="1"/>
+          </p:cNvPicPr>
+          <p:nvPr/>
+        </p:nvPicPr>
+        <p:blipFill>
+          <a:blip r:embed="rId4">
+            <a:extLst>
+              <a:ext uri="{28A0092B-C50C-407E-A947-70E740481C1C}">
+                <a14:useLocalDpi xmlns:a14="http://schemas.microsoft.com/office/drawing/2010/main" val="0"/>
+              </a:ext>
+            </a:extLst>
+          </a:blip>
+          <a:srcRect/>
+          <a:stretch>
+            <a:fillRect/>
+          </a:stretch>
+        </p:blipFill>
+        <p:spPr bwMode="auto">
+          <a:xfrm>
+            <a:off x="5286523" y="2708920"/>
+            <a:ext cx="2309813" cy="1158875"/>
+          </a:xfrm>
+          <a:prstGeom prst="rect">
+            <a:avLst/>
+          </a:prstGeom>
+          <a:noFill/>
+          <a:ln>
+            <a:noFill/>
+          </a:ln>
+          <a:extLst>
+            <a:ext uri="{909E8E84-426E-40DD-AFC4-6F175D3DCCD1}">
+              <a14:hiddenFill xmlns:a14="http://schemas.microsoft.com/office/drawing/2010/main">
+                <a:solidFill>
+                  <a:schemeClr val="accent1"/>
+                </a:solidFill>
+              </a14:hiddenFill>
+            </a:ext>
+            <a:ext uri="{91240B29-F687-4F45-9708-019B960494DF}">
+              <a14:hiddenLine xmlns:a14="http://schemas.microsoft.com/office/drawing/2010/main" w="9525">
+                <a:solidFill>
+                  <a:schemeClr val="tx1"/>
+                </a:solidFill>
+                <a:miter lim="800000"/>
+                <a:headEnd/>
+                <a:tailEnd/>
+              </a14:hiddenLine>
+            </a:ext>
+          </a:extLst>
+        </p:spPr>
+      </p:pic>
+      <p:pic>
+        <p:nvPicPr>
+          <p:cNvPr id="1027" name="Picture 3"/>
+          <p:cNvPicPr>
+            <a:picLocks noChangeAspect="1" noChangeArrowheads="1"/>
+          </p:cNvPicPr>
+          <p:nvPr/>
+        </p:nvPicPr>
+        <p:blipFill>
+          <a:blip r:embed="rId5">
+            <a:extLst>
+              <a:ext uri="{28A0092B-C50C-407E-A947-70E740481C1C}">
+                <a14:useLocalDpi xmlns:a14="http://schemas.microsoft.com/office/drawing/2010/main" val="0"/>
+              </a:ext>
+            </a:extLst>
+          </a:blip>
+          <a:srcRect/>
+          <a:stretch>
+            <a:fillRect/>
+          </a:stretch>
+        </p:blipFill>
+        <p:spPr bwMode="auto">
+          <a:xfrm>
+            <a:off x="5288947" y="4149080"/>
+            <a:ext cx="3649663" cy="1806575"/>
+          </a:xfrm>
+          <a:prstGeom prst="rect">
+            <a:avLst/>
+          </a:prstGeom>
+          <a:noFill/>
+          <a:ln>
+            <a:noFill/>
+          </a:ln>
+          <a:extLst>
+            <a:ext uri="{909E8E84-426E-40DD-AFC4-6F175D3DCCD1}">
+              <a14:hiddenFill xmlns:a14="http://schemas.microsoft.com/office/drawing/2010/main">
+                <a:solidFill>
+                  <a:schemeClr val="accent1"/>
+                </a:solidFill>
+              </a14:hiddenFill>
+            </a:ext>
+            <a:ext uri="{91240B29-F687-4F45-9708-019B960494DF}">
+              <a14:hiddenLine xmlns:a14="http://schemas.microsoft.com/office/drawing/2010/main" w="9525">
+                <a:solidFill>
+                  <a:schemeClr val="tx1"/>
+                </a:solidFill>
+                <a:miter lim="800000"/>
+                <a:headEnd/>
+                <a:tailEnd/>
+              </a14:hiddenLine>
+            </a:ext>
+          </a:extLst>
+        </p:spPr>
+      </p:pic>
     </p:spTree>
     <p:extLst>
       <p:ext uri="{BB962C8B-B14F-4D97-AF65-F5344CB8AC3E}">
@@ -3953,20 +4156,24 @@
               <a:t>    </a:t>
             </a:r>
             <a:r>
-              <a:rPr lang="en-US" altLang="zh-TW" sz="1600" dirty="0" err="1"/>
+              <a:rPr lang="en-US" altLang="zh-TW" sz="1600" dirty="0" err="1" smtClean="0"/>
               <a:t>row,col</a:t>
             </a:r>
             <a:r>
+              <a:rPr lang="en-US" altLang="zh-TW" sz="1600" dirty="0" smtClean="0"/>
+              <a:t>=</a:t>
+            </a:r>
+            <a:r>
+              <a:rPr lang="en-US" altLang="zh-TW" sz="1600" dirty="0" err="1" smtClean="0"/>
+              <a:t>get_index</a:t>
+            </a:r>
+            <a:r>
+              <a:rPr lang="en-US" altLang="zh-TW" sz="1600" dirty="0" smtClean="0"/>
+              <a:t>(e</a:t>
+            </a:r>
+            <a:r>
               <a:rPr lang="en-US" altLang="zh-TW" sz="1600" dirty="0"/>
-              <a:t>=</a:t>
-            </a:r>
-            <a:r>
-              <a:rPr lang="en-US" altLang="zh-TW" sz="1600" dirty="0" err="1"/>
-              <a:t>get_row_col</a:t>
-            </a:r>
-            <a:r>
-              <a:rPr lang="en-US" altLang="zh-TW" sz="1600" dirty="0"/>
-              <a:t>(e)</a:t>
+              <a:t>)</a:t>
             </a:r>
           </a:p>
           <a:p>
@@ -4060,15 +4267,23 @@
               <a:t>    </a:t>
             </a:r>
             <a:r>
-              <a:rPr lang="en-US" altLang="zh-TW" sz="1600" dirty="0" err="1"/>
+              <a:rPr lang="en-US" altLang="zh-TW" sz="1600" dirty="0" err="1" smtClean="0"/>
               <a:t>Update_e_max</a:t>
             </a:r>
             <a:r>
-              <a:rPr lang="en-US" altLang="zh-TW" sz="1600" dirty="0"/>
-              <a:t>(e, </a:t>
-            </a:r>
-            <a:r>
-              <a:rPr lang="en-US" altLang="zh-TW" sz="1600" dirty="0" err="1"/>
+              <a:rPr lang="en-US" altLang="zh-TW" sz="1600" dirty="0" smtClean="0"/>
+              <a:t>(</a:t>
+            </a:r>
+            <a:r>
+              <a:rPr lang="en-US" altLang="zh-TW" sz="1600" dirty="0" err="1" smtClean="0"/>
+              <a:t>e_max</a:t>
+            </a:r>
+            <a:r>
+              <a:rPr lang="en-US" altLang="zh-TW" sz="1600" dirty="0" smtClean="0"/>
+              <a:t>, </a:t>
+            </a:r>
+            <a:r>
+              <a:rPr lang="en-US" altLang="zh-TW" sz="1600" dirty="0" err="1" smtClean="0"/>
               <a:t>Sketch_head</a:t>
             </a:r>
             <a:r>
@@ -4143,13 +4358,14 @@
               <a:t>, </a:t>
             </a:r>
             <a:r>
-              <a:rPr lang="en-US" altLang="zh-TW" sz="1600" dirty="0" err="1"/>
+              <a:rPr lang="en-US" altLang="zh-TW" sz="1600" dirty="0" err="1" smtClean="0"/>
               <a:t>e_min</a:t>
             </a:r>
             <a:r>
-              <a:rPr lang="en-US" altLang="zh-TW" sz="1600" dirty="0"/>
-              <a:t>)</a:t>
-            </a:r>
+              <a:rPr lang="en-US" altLang="zh-TW" sz="1600" dirty="0" smtClean="0"/>
+              <a:t>, Top)</a:t>
+            </a:r>
+            <a:endParaRPr lang="en-US" altLang="zh-TW" sz="1600" dirty="0"/>
           </a:p>
           <a:p>
             <a:r>
@@ -4411,13 +4627,7 @@
       </p:grpSpPr>
       <p:sp>
         <p:nvSpPr>
-          <p:cNvPr id="2" name="標題 1">
-            <a:extLst>
-              <a:ext uri="{FF2B5EF4-FFF2-40B4-BE49-F238E27FC236}">
-                <a16:creationId xmlns:a16="http://schemas.microsoft.com/office/drawing/2014/main" id="{DED4DC7B-2FD7-4BBB-9152-8A8406A727BF}"/>
-              </a:ext>
-            </a:extLst>
-          </p:cNvPr>
+          <p:cNvPr id="2" name="標題 1"/>
           <p:cNvSpPr>
             <a:spLocks noGrp="1"/>
           </p:cNvSpPr>
@@ -4427,113 +4637,67 @@
         </p:nvSpPr>
         <p:spPr/>
         <p:txBody>
-          <a:bodyPr>
-            <a:normAutofit/>
-          </a:bodyPr>
-          <a:lstStyle/>
+          <a:bodyPr/>
+          <a:lstStyle/>
+          <a:p>
+            <a:r>
+              <a:rPr lang="en-US" altLang="zh-TW" dirty="0" smtClean="0"/>
+              <a:t>guarantee</a:t>
+            </a:r>
+            <a:endParaRPr lang="zh-TW" altLang="en-US" dirty="0"/>
+          </a:p>
+        </p:txBody>
+      </p:sp>
+      <p:sp>
+        <p:nvSpPr>
+          <p:cNvPr id="3" name="內容版面配置區 2"/>
+          <p:cNvSpPr>
+            <a:spLocks noGrp="1"/>
+          </p:cNvSpPr>
+          <p:nvPr>
+            <p:ph idx="1"/>
+          </p:nvPr>
+        </p:nvSpPr>
+        <p:spPr/>
+        <p:txBody>
+          <a:bodyPr/>
+          <a:lstStyle/>
+          <a:p>
+            <a:r>
+              <a:rPr lang="en-US" altLang="zh-TW" dirty="0" smtClean="0"/>
+              <a:t>All arriving count= count(Top) + count(Sketch)</a:t>
+            </a:r>
+          </a:p>
           <a:p>
             <a:r>
               <a:rPr lang="en-US" altLang="zh-TW" dirty="0"/>
-              <a:t>Dataset</a:t>
-            </a:r>
-            <a:endParaRPr lang="zh-TW" altLang="en-US" dirty="0"/>
-          </a:p>
-        </p:txBody>
-      </p:sp>
-      <p:sp>
-        <p:nvSpPr>
-          <p:cNvPr id="3" name="內容版面配置區 2">
-            <a:extLst>
-              <a:ext uri="{FF2B5EF4-FFF2-40B4-BE49-F238E27FC236}">
-                <a16:creationId xmlns:a16="http://schemas.microsoft.com/office/drawing/2014/main" id="{9D3694C9-5753-403C-9CAF-FD0CE7FF17C9}"/>
-              </a:ext>
-            </a:extLst>
-          </p:cNvPr>
-          <p:cNvSpPr>
-            <a:spLocks noGrp="1"/>
-          </p:cNvSpPr>
-          <p:nvPr>
-            <p:ph idx="1"/>
-          </p:nvPr>
-        </p:nvSpPr>
-        <p:spPr/>
-        <p:txBody>
-          <a:bodyPr>
-            <a:normAutofit/>
-          </a:bodyPr>
-          <a:lstStyle/>
-          <a:p>
+              <a:t>c</a:t>
+            </a:r>
+            <a:r>
+              <a:rPr lang="en-US" altLang="zh-TW" dirty="0" smtClean="0"/>
+              <a:t>ount(Top</a:t>
+            </a:r>
             <a:r>
               <a:rPr lang="en-US" altLang="zh-TW" dirty="0"/>
-              <a:t>Caida2016(1 /</a:t>
-            </a:r>
-            <a:r>
-              <a:rPr lang="zh-TW" altLang="en-US" dirty="0"/>
-              <a:t> </a:t>
+              <a:t>) </a:t>
+            </a:r>
+            <a:r>
+              <a:rPr lang="en-US" altLang="zh-TW" dirty="0" smtClean="0"/>
+              <a:t>&gt;= </a:t>
             </a:r>
             <a:r>
               <a:rPr lang="en-US" altLang="zh-TW" dirty="0"/>
-              <a:t>10)</a:t>
-            </a:r>
-          </a:p>
-          <a:p>
-            <a:pPr lvl="2"/>
-            <a:r>
-              <a:rPr lang="en-US" altLang="zh-TW" dirty="0"/>
-              <a:t>Distinct: 177,335</a:t>
-            </a:r>
-          </a:p>
-          <a:p>
-            <a:pPr lvl="2"/>
-            <a:r>
-              <a:rPr lang="en-US" altLang="zh-TW" dirty="0"/>
-              <a:t>Arriving: 2,472,727</a:t>
-            </a:r>
-          </a:p>
-          <a:p>
-            <a:r>
-              <a:rPr lang="en-US" altLang="zh-TW" dirty="0" err="1"/>
-              <a:t>Kosarak</a:t>
-            </a:r>
-            <a:endParaRPr lang="en-US" altLang="zh-TW" dirty="0"/>
-          </a:p>
-          <a:p>
-            <a:pPr lvl="2"/>
-            <a:r>
-              <a:rPr lang="en-US" altLang="zh-TW" dirty="0"/>
-              <a:t>Distinct: 606,770</a:t>
-            </a:r>
-          </a:p>
-          <a:p>
-            <a:pPr lvl="2"/>
-            <a:r>
-              <a:rPr lang="en-US" altLang="zh-TW" dirty="0"/>
-              <a:t>Arriving: 990,002</a:t>
-            </a:r>
-          </a:p>
-          <a:p>
-            <a:r>
-              <a:rPr lang="en-US" altLang="zh-TW" dirty="0" err="1"/>
-              <a:t>Webdocs</a:t>
-            </a:r>
-            <a:r>
-              <a:rPr lang="en-US" altLang="zh-TW" dirty="0"/>
-              <a:t>(1 /20)</a:t>
-            </a:r>
-          </a:p>
-          <a:p>
-            <a:pPr lvl="2"/>
-            <a:r>
-              <a:rPr lang="en-US" altLang="zh-TW" dirty="0"/>
-              <a:t>Distinct: 591,722</a:t>
-            </a:r>
-          </a:p>
-          <a:p>
-            <a:pPr lvl="2"/>
-            <a:r>
-              <a:rPr lang="en-US" altLang="zh-TW" dirty="0"/>
-              <a:t>Arriving: 15,487,894</a:t>
-            </a:r>
+              <a:t>count(Sketch</a:t>
+            </a:r>
+            <a:r>
+              <a:rPr lang="en-US" altLang="zh-TW" dirty="0" smtClean="0"/>
+              <a:t>)</a:t>
+            </a:r>
+          </a:p>
+          <a:p>
+            <a:endParaRPr lang="en-US" altLang="zh-TW" dirty="0" smtClean="0"/>
+          </a:p>
+          <a:p>
             <a:endParaRPr lang="zh-TW" altLang="en-US" dirty="0"/>
           </a:p>
         </p:txBody>
@@ -4541,7 +4705,7 @@
     </p:spTree>
     <p:extLst>
       <p:ext uri="{BB962C8B-B14F-4D97-AF65-F5344CB8AC3E}">
-        <p14:creationId xmlns:p14="http://schemas.microsoft.com/office/powerpoint/2010/main" val="2921016661"/>
+        <p14:creationId xmlns:p14="http://schemas.microsoft.com/office/powerpoint/2010/main" val="4291668988"/>
       </p:ext>
     </p:extLst>
   </p:cSld>
@@ -4573,7 +4737,7 @@
           <p:cNvPr id="2" name="標題 1">
             <a:extLst>
               <a:ext uri="{FF2B5EF4-FFF2-40B4-BE49-F238E27FC236}">
-                <a16:creationId xmlns:a16="http://schemas.microsoft.com/office/drawing/2014/main" id="{42F9F8FA-CAB1-433B-A1C0-3C3DD1E5FFD5}"/>
+                <a16:creationId xmlns:a16="http://schemas.microsoft.com/office/drawing/2014/main" xmlns="" id="{DED4DC7B-2FD7-4BBB-9152-8A8406A727BF}"/>
               </a:ext>
             </a:extLst>
           </p:cNvPr>
@@ -4586,12 +4750,112 @@
         </p:nvSpPr>
         <p:spPr/>
         <p:txBody>
-          <a:bodyPr/>
+          <a:bodyPr>
+            <a:normAutofit/>
+          </a:bodyPr>
           <a:lstStyle/>
           <a:p>
             <a:r>
               <a:rPr lang="en-US" altLang="zh-TW" dirty="0"/>
-              <a:t>Performance-Caida0</a:t>
+              <a:t>Dataset</a:t>
+            </a:r>
+            <a:endParaRPr lang="zh-TW" altLang="en-US" dirty="0"/>
+          </a:p>
+        </p:txBody>
+      </p:sp>
+      <p:sp>
+        <p:nvSpPr>
+          <p:cNvPr id="3" name="內容版面配置區 2">
+            <a:extLst>
+              <a:ext uri="{FF2B5EF4-FFF2-40B4-BE49-F238E27FC236}">
+                <a16:creationId xmlns:a16="http://schemas.microsoft.com/office/drawing/2014/main" xmlns="" id="{9D3694C9-5753-403C-9CAF-FD0CE7FF17C9}"/>
+              </a:ext>
+            </a:extLst>
+          </p:cNvPr>
+          <p:cNvSpPr>
+            <a:spLocks noGrp="1"/>
+          </p:cNvSpPr>
+          <p:nvPr>
+            <p:ph idx="1"/>
+          </p:nvPr>
+        </p:nvSpPr>
+        <p:spPr/>
+        <p:txBody>
+          <a:bodyPr>
+            <a:normAutofit/>
+          </a:bodyPr>
+          <a:lstStyle/>
+          <a:p>
+            <a:r>
+              <a:rPr lang="en-US" altLang="zh-TW" dirty="0"/>
+              <a:t>Caida2016(1 /</a:t>
+            </a:r>
+            <a:r>
+              <a:rPr lang="zh-TW" altLang="en-US" dirty="0"/>
+              <a:t> </a:t>
+            </a:r>
+            <a:r>
+              <a:rPr lang="en-US" altLang="zh-TW" dirty="0"/>
+              <a:t>10)</a:t>
+            </a:r>
+          </a:p>
+          <a:p>
+            <a:pPr lvl="2"/>
+            <a:r>
+              <a:rPr lang="en-US" altLang="zh-TW" dirty="0"/>
+              <a:t>Distinct: 177,335</a:t>
+            </a:r>
+          </a:p>
+          <a:p>
+            <a:pPr lvl="2"/>
+            <a:r>
+              <a:rPr lang="en-US" altLang="zh-TW" dirty="0"/>
+              <a:t>Arriving: 2,472,727</a:t>
+            </a:r>
+          </a:p>
+          <a:p>
+            <a:r>
+              <a:rPr lang="en-US" altLang="zh-TW" dirty="0" err="1"/>
+              <a:t>Kosarak</a:t>
+            </a:r>
+            <a:endParaRPr lang="en-US" altLang="zh-TW" dirty="0"/>
+          </a:p>
+          <a:p>
+            <a:pPr lvl="2"/>
+            <a:r>
+              <a:rPr lang="en-US" altLang="zh-TW" dirty="0"/>
+              <a:t>Distinct: 606,770</a:t>
+            </a:r>
+          </a:p>
+          <a:p>
+            <a:pPr lvl="2"/>
+            <a:r>
+              <a:rPr lang="en-US" altLang="zh-TW" dirty="0"/>
+              <a:t>Arriving: 990,002</a:t>
+            </a:r>
+          </a:p>
+          <a:p>
+            <a:r>
+              <a:rPr lang="en-US" altLang="zh-TW" dirty="0" err="1"/>
+              <a:t>Webdocs</a:t>
+            </a:r>
+            <a:r>
+              <a:rPr lang="en-US" altLang="zh-TW" dirty="0"/>
+              <a:t>(1 /20)</a:t>
+            </a:r>
+          </a:p>
+          <a:p>
+            <a:pPr lvl="2"/>
+            <a:r>
+              <a:rPr lang="en-US" altLang="zh-TW" dirty="0"/>
+              <a:t>Distinct: 591,722</a:t>
+            </a:r>
+          </a:p>
+          <a:p>
+            <a:pPr lvl="2"/>
+            <a:r>
+              <a:rPr lang="en-US" altLang="zh-TW" dirty="0"/>
+              <a:t>Arriving: 15,487,894</a:t>
             </a:r>
             <a:endParaRPr lang="zh-TW" altLang="en-US" dirty="0"/>
           </a:p>
@@ -4600,7 +4864,7 @@
     </p:spTree>
     <p:extLst>
       <p:ext uri="{BB962C8B-B14F-4D97-AF65-F5344CB8AC3E}">
-        <p14:creationId xmlns:p14="http://schemas.microsoft.com/office/powerpoint/2010/main" val="1056327111"/>
+        <p14:creationId xmlns:p14="http://schemas.microsoft.com/office/powerpoint/2010/main" val="2921016661"/>
       </p:ext>
     </p:extLst>
   </p:cSld>
@@ -4632,7 +4896,7 @@
           <p:cNvPr id="2" name="標題 1">
             <a:extLst>
               <a:ext uri="{FF2B5EF4-FFF2-40B4-BE49-F238E27FC236}">
-                <a16:creationId xmlns:a16="http://schemas.microsoft.com/office/drawing/2014/main" id="{F4A47DCE-613A-4AD0-A4AA-E4982923822D}"/>
+                <a16:creationId xmlns:a16="http://schemas.microsoft.com/office/drawing/2014/main" xmlns="" id="{42F9F8FA-CAB1-433B-A1C0-3C3DD1E5FFD5}"/>
               </a:ext>
             </a:extLst>
           </p:cNvPr>
@@ -4650,45 +4914,16 @@
           <a:p>
             <a:r>
               <a:rPr lang="en-US" altLang="zh-TW" dirty="0"/>
-              <a:t>Performance-</a:t>
-            </a:r>
-            <a:r>
-              <a:rPr lang="en-US" altLang="zh-TW" dirty="0" err="1"/>
-              <a:t>Kosarak</a:t>
+              <a:t>Performance-Caida0</a:t>
             </a:r>
             <a:endParaRPr lang="zh-TW" altLang="en-US" dirty="0"/>
-          </a:p>
-        </p:txBody>
-      </p:sp>
-      <p:sp>
-        <p:nvSpPr>
-          <p:cNvPr id="3" name="內容版面配置區 2">
-            <a:extLst>
-              <a:ext uri="{FF2B5EF4-FFF2-40B4-BE49-F238E27FC236}">
-                <a16:creationId xmlns:a16="http://schemas.microsoft.com/office/drawing/2014/main" id="{E4F031F0-8D78-41F1-A399-81014C1C8FB7}"/>
-              </a:ext>
-            </a:extLst>
-          </p:cNvPr>
-          <p:cNvSpPr>
-            <a:spLocks noGrp="1"/>
-          </p:cNvSpPr>
-          <p:nvPr>
-            <p:ph idx="1"/>
-          </p:nvPr>
-        </p:nvSpPr>
-        <p:spPr/>
-        <p:txBody>
-          <a:bodyPr/>
-          <a:lstStyle/>
-          <a:p>
-            <a:endParaRPr lang="zh-TW" altLang="en-US"/>
           </a:p>
         </p:txBody>
       </p:sp>
     </p:spTree>
     <p:extLst>
       <p:ext uri="{BB962C8B-B14F-4D97-AF65-F5344CB8AC3E}">
-        <p14:creationId xmlns:p14="http://schemas.microsoft.com/office/powerpoint/2010/main" val="78673591"/>
+        <p14:creationId xmlns:p14="http://schemas.microsoft.com/office/powerpoint/2010/main" val="1056327111"/>
       </p:ext>
     </p:extLst>
   </p:cSld>
@@ -4720,7 +4955,7 @@
           <p:cNvPr id="2" name="標題 1">
             <a:extLst>
               <a:ext uri="{FF2B5EF4-FFF2-40B4-BE49-F238E27FC236}">
-                <a16:creationId xmlns:a16="http://schemas.microsoft.com/office/drawing/2014/main" id="{2EF784C0-B870-4E80-8C0E-7538F32B8971}"/>
+                <a16:creationId xmlns:a16="http://schemas.microsoft.com/office/drawing/2014/main" xmlns="" id="{F4A47DCE-613A-4AD0-A4AA-E4982923822D}"/>
               </a:ext>
             </a:extLst>
           </p:cNvPr>
@@ -4733,18 +4968,16 @@
         </p:nvSpPr>
         <p:spPr/>
         <p:txBody>
-          <a:bodyPr>
-            <a:normAutofit/>
-          </a:bodyPr>
+          <a:bodyPr/>
           <a:lstStyle/>
           <a:p>
             <a:r>
               <a:rPr lang="en-US" altLang="zh-TW" dirty="0"/>
-              <a:t>Performance- </a:t>
+              <a:t>Performance-</a:t>
             </a:r>
             <a:r>
               <a:rPr lang="en-US" altLang="zh-TW" dirty="0" err="1"/>
-              <a:t>Webdocs</a:t>
+              <a:t>Kosarak</a:t>
             </a:r>
             <a:endParaRPr lang="zh-TW" altLang="en-US" dirty="0"/>
           </a:p>
@@ -4755,7 +4988,7 @@
           <p:cNvPr id="3" name="內容版面配置區 2">
             <a:extLst>
               <a:ext uri="{FF2B5EF4-FFF2-40B4-BE49-F238E27FC236}">
-                <a16:creationId xmlns:a16="http://schemas.microsoft.com/office/drawing/2014/main" id="{898E46E5-99D1-43ED-A959-D5A16AE287C7}"/>
+                <a16:creationId xmlns:a16="http://schemas.microsoft.com/office/drawing/2014/main" xmlns="" id="{E4F031F0-8D78-41F1-A399-81014C1C8FB7}"/>
               </a:ext>
             </a:extLst>
           </p:cNvPr>
@@ -4778,7 +5011,7 @@
     </p:spTree>
     <p:extLst>
       <p:ext uri="{BB962C8B-B14F-4D97-AF65-F5344CB8AC3E}">
-        <p14:creationId xmlns:p14="http://schemas.microsoft.com/office/powerpoint/2010/main" val="3976898128"/>
+        <p14:creationId xmlns:p14="http://schemas.microsoft.com/office/powerpoint/2010/main" val="78673591"/>
       </p:ext>
     </p:extLst>
   </p:cSld>

--- a/result/report.pptx
+++ b/result/report.pptx
@@ -12,9 +12,6 @@
     <p:sldId id="259" r:id="rId6"/>
     <p:sldId id="267" r:id="rId7"/>
     <p:sldId id="263" r:id="rId8"/>
-    <p:sldId id="264" r:id="rId9"/>
-    <p:sldId id="265" r:id="rId10"/>
-    <p:sldId id="266" r:id="rId11"/>
   </p:sldIdLst>
   <p:sldSz cx="9144000" cy="6858000" type="screen4x3"/>
   <p:notesSz cx="6858000" cy="9144000"/>
@@ -115,7 +112,7 @@
   </p:defaultTextStyle>
   <p:extLst>
     <p:ext uri="{EFAFB233-063F-42B5-8137-9DF3F51BA10A}">
-      <p15:sldGuideLst xmlns:p15="http://schemas.microsoft.com/office/powerpoint/2012/main" xmlns="">
+      <p15:sldGuideLst xmlns="" xmlns:p15="http://schemas.microsoft.com/office/powerpoint/2012/main">
         <p15:guide id="1" orient="horz" pos="2160">
           <p15:clr>
             <a:srgbClr val="A4A3A4"/>
@@ -311,7 +308,7 @@
           <a:p>
             <a:fld id="{5BBEAD13-0566-4C6C-97E7-55F17F24B09F}" type="datetimeFigureOut">
               <a:rPr lang="zh-TW" altLang="en-US" smtClean="0"/>
-              <a:t>2021/4/21</a:t>
+              <a:t>2021/4/22</a:t>
             </a:fld>
             <a:endParaRPr lang="zh-TW" altLang="en-US"/>
           </a:p>
@@ -474,7 +471,7 @@
           <a:p>
             <a:fld id="{5BBEAD13-0566-4C6C-97E7-55F17F24B09F}" type="datetimeFigureOut">
               <a:rPr lang="zh-TW" altLang="en-US" smtClean="0"/>
-              <a:t>2021/4/21</a:t>
+              <a:t>2021/4/22</a:t>
             </a:fld>
             <a:endParaRPr lang="zh-TW" altLang="en-US"/>
           </a:p>
@@ -647,7 +644,7 @@
           <a:p>
             <a:fld id="{5BBEAD13-0566-4C6C-97E7-55F17F24B09F}" type="datetimeFigureOut">
               <a:rPr lang="zh-TW" altLang="en-US" smtClean="0"/>
-              <a:t>2021/4/21</a:t>
+              <a:t>2021/4/22</a:t>
             </a:fld>
             <a:endParaRPr lang="zh-TW" altLang="en-US"/>
           </a:p>
@@ -810,7 +807,7 @@
           <a:p>
             <a:fld id="{5BBEAD13-0566-4C6C-97E7-55F17F24B09F}" type="datetimeFigureOut">
               <a:rPr lang="zh-TW" altLang="en-US" smtClean="0"/>
-              <a:t>2021/4/21</a:t>
+              <a:t>2021/4/22</a:t>
             </a:fld>
             <a:endParaRPr lang="zh-TW" altLang="en-US"/>
           </a:p>
@@ -1050,7 +1047,7 @@
           <a:p>
             <a:fld id="{5BBEAD13-0566-4C6C-97E7-55F17F24B09F}" type="datetimeFigureOut">
               <a:rPr lang="zh-TW" altLang="en-US" smtClean="0"/>
-              <a:t>2021/4/21</a:t>
+              <a:t>2021/4/22</a:t>
             </a:fld>
             <a:endParaRPr lang="zh-TW" altLang="en-US"/>
           </a:p>
@@ -1330,7 +1327,7 @@
           <a:p>
             <a:fld id="{5BBEAD13-0566-4C6C-97E7-55F17F24B09F}" type="datetimeFigureOut">
               <a:rPr lang="zh-TW" altLang="en-US" smtClean="0"/>
-              <a:t>2021/4/21</a:t>
+              <a:t>2021/4/22</a:t>
             </a:fld>
             <a:endParaRPr lang="zh-TW" altLang="en-US"/>
           </a:p>
@@ -1744,7 +1741,7 @@
           <a:p>
             <a:fld id="{5BBEAD13-0566-4C6C-97E7-55F17F24B09F}" type="datetimeFigureOut">
               <a:rPr lang="zh-TW" altLang="en-US" smtClean="0"/>
-              <a:t>2021/4/21</a:t>
+              <a:t>2021/4/22</a:t>
             </a:fld>
             <a:endParaRPr lang="zh-TW" altLang="en-US"/>
           </a:p>
@@ -1856,7 +1853,7 @@
           <a:p>
             <a:fld id="{5BBEAD13-0566-4C6C-97E7-55F17F24B09F}" type="datetimeFigureOut">
               <a:rPr lang="zh-TW" altLang="en-US" smtClean="0"/>
-              <a:t>2021/4/21</a:t>
+              <a:t>2021/4/22</a:t>
             </a:fld>
             <a:endParaRPr lang="zh-TW" altLang="en-US"/>
           </a:p>
@@ -1946,7 +1943,7 @@
           <a:p>
             <a:fld id="{5BBEAD13-0566-4C6C-97E7-55F17F24B09F}" type="datetimeFigureOut">
               <a:rPr lang="zh-TW" altLang="en-US" smtClean="0"/>
-              <a:t>2021/4/21</a:t>
+              <a:t>2021/4/22</a:t>
             </a:fld>
             <a:endParaRPr lang="zh-TW" altLang="en-US"/>
           </a:p>
@@ -2216,7 +2213,7 @@
           <a:p>
             <a:fld id="{5BBEAD13-0566-4C6C-97E7-55F17F24B09F}" type="datetimeFigureOut">
               <a:rPr lang="zh-TW" altLang="en-US" smtClean="0"/>
-              <a:t>2021/4/21</a:t>
+              <a:t>2021/4/22</a:t>
             </a:fld>
             <a:endParaRPr lang="zh-TW" altLang="en-US"/>
           </a:p>
@@ -2463,7 +2460,7 @@
           <a:p>
             <a:fld id="{5BBEAD13-0566-4C6C-97E7-55F17F24B09F}" type="datetimeFigureOut">
               <a:rPr lang="zh-TW" altLang="en-US" smtClean="0"/>
-              <a:t>2021/4/21</a:t>
+              <a:t>2021/4/22</a:t>
             </a:fld>
             <a:endParaRPr lang="zh-TW" altLang="en-US"/>
           </a:p>
@@ -2669,7 +2666,7 @@
           <a:p>
             <a:fld id="{5BBEAD13-0566-4C6C-97E7-55F17F24B09F}" type="datetimeFigureOut">
               <a:rPr lang="zh-TW" altLang="en-US" smtClean="0"/>
-              <a:t>2021/4/21</a:t>
+              <a:t>2021/4/22</a:t>
             </a:fld>
             <a:endParaRPr lang="zh-TW" altLang="en-US"/>
           </a:p>
@@ -3054,7 +3051,11 @@
           <a:bodyPr/>
           <a:lstStyle/>
           <a:p>
-            <a:endParaRPr lang="zh-TW" altLang="en-US"/>
+            <a:r>
+              <a:rPr lang="en-US" altLang="zh-TW" dirty="0" smtClean="0"/>
+              <a:t>Proposal report</a:t>
+            </a:r>
+            <a:endParaRPr lang="zh-TW" altLang="en-US" dirty="0"/>
           </a:p>
         </p:txBody>
       </p:sp>
@@ -3081,96 +3082,6 @@
     <p:extLst>
       <p:ext uri="{BB962C8B-B14F-4D97-AF65-F5344CB8AC3E}">
         <p14:creationId xmlns:p14="http://schemas.microsoft.com/office/powerpoint/2010/main" val="927455979"/>
-      </p:ext>
-    </p:extLst>
-  </p:cSld>
-  <p:clrMapOvr>
-    <a:masterClrMapping/>
-  </p:clrMapOvr>
-</p:sld>
-</file>
-
-<file path=ppt/slides/slide10.xml><?xml version="1.0" encoding="utf-8"?>
-<p:sld xmlns:a="http://schemas.openxmlformats.org/drawingml/2006/main" xmlns:r="http://schemas.openxmlformats.org/officeDocument/2006/relationships" xmlns:p="http://schemas.openxmlformats.org/presentationml/2006/main">
-  <p:cSld>
-    <p:spTree>
-      <p:nvGrpSpPr>
-        <p:cNvPr id="1" name=""/>
-        <p:cNvGrpSpPr/>
-        <p:nvPr/>
-      </p:nvGrpSpPr>
-      <p:grpSpPr>
-        <a:xfrm>
-          <a:off x="0" y="0"/>
-          <a:ext cx="0" cy="0"/>
-          <a:chOff x="0" y="0"/>
-          <a:chExt cx="0" cy="0"/>
-        </a:xfrm>
-      </p:grpSpPr>
-      <p:sp>
-        <p:nvSpPr>
-          <p:cNvPr id="2" name="標題 1">
-            <a:extLst>
-              <a:ext uri="{FF2B5EF4-FFF2-40B4-BE49-F238E27FC236}">
-                <a16:creationId xmlns:a16="http://schemas.microsoft.com/office/drawing/2014/main" xmlns="" id="{2EF784C0-B870-4E80-8C0E-7538F32B8971}"/>
-              </a:ext>
-            </a:extLst>
-          </p:cNvPr>
-          <p:cNvSpPr>
-            <a:spLocks noGrp="1"/>
-          </p:cNvSpPr>
-          <p:nvPr>
-            <p:ph type="title"/>
-          </p:nvPr>
-        </p:nvSpPr>
-        <p:spPr/>
-        <p:txBody>
-          <a:bodyPr>
-            <a:normAutofit/>
-          </a:bodyPr>
-          <a:lstStyle/>
-          <a:p>
-            <a:r>
-              <a:rPr lang="en-US" altLang="zh-TW" dirty="0"/>
-              <a:t>Performance- </a:t>
-            </a:r>
-            <a:r>
-              <a:rPr lang="en-US" altLang="zh-TW" dirty="0" err="1"/>
-              <a:t>Webdocs</a:t>
-            </a:r>
-            <a:endParaRPr lang="zh-TW" altLang="en-US" dirty="0"/>
-          </a:p>
-        </p:txBody>
-      </p:sp>
-      <p:sp>
-        <p:nvSpPr>
-          <p:cNvPr id="3" name="內容版面配置區 2">
-            <a:extLst>
-              <a:ext uri="{FF2B5EF4-FFF2-40B4-BE49-F238E27FC236}">
-                <a16:creationId xmlns:a16="http://schemas.microsoft.com/office/drawing/2014/main" xmlns="" id="{898E46E5-99D1-43ED-A959-D5A16AE287C7}"/>
-              </a:ext>
-            </a:extLst>
-          </p:cNvPr>
-          <p:cNvSpPr>
-            <a:spLocks noGrp="1"/>
-          </p:cNvSpPr>
-          <p:nvPr>
-            <p:ph idx="1"/>
-          </p:nvPr>
-        </p:nvSpPr>
-        <p:spPr/>
-        <p:txBody>
-          <a:bodyPr/>
-          <a:lstStyle/>
-          <a:p>
-            <a:endParaRPr lang="zh-TW" altLang="en-US"/>
-          </a:p>
-        </p:txBody>
-      </p:sp>
-    </p:spTree>
-    <p:extLst>
-      <p:ext uri="{BB962C8B-B14F-4D97-AF65-F5344CB8AC3E}">
-        <p14:creationId xmlns:p14="http://schemas.microsoft.com/office/powerpoint/2010/main" val="3976898128"/>
       </p:ext>
     </p:extLst>
   </p:cSld>
@@ -3202,7 +3113,7 @@
           <p:cNvPr id="2" name="標題 1">
             <a:extLst>
               <a:ext uri="{FF2B5EF4-FFF2-40B4-BE49-F238E27FC236}">
-                <a16:creationId xmlns:a16="http://schemas.microsoft.com/office/drawing/2014/main" xmlns="" id="{5BEDD129-3DE5-4DEB-B3B4-ECB4C33D65E0}"/>
+                <a16:creationId xmlns="" xmlns:a16="http://schemas.microsoft.com/office/drawing/2014/main" id="{5BEDD129-3DE5-4DEB-B3B4-ECB4C33D65E0}"/>
               </a:ext>
             </a:extLst>
           </p:cNvPr>
@@ -3231,7 +3142,7 @@
           <p:cNvPr id="3" name="內容版面配置區 2">
             <a:extLst>
               <a:ext uri="{FF2B5EF4-FFF2-40B4-BE49-F238E27FC236}">
-                <a16:creationId xmlns:a16="http://schemas.microsoft.com/office/drawing/2014/main" xmlns="" id="{ECE4FEF4-089C-4735-B846-78D6BDD198F7}"/>
+                <a16:creationId xmlns="" xmlns:a16="http://schemas.microsoft.com/office/drawing/2014/main" id="{ECE4FEF4-089C-4735-B846-78D6BDD198F7}"/>
               </a:ext>
             </a:extLst>
           </p:cNvPr>
@@ -3258,11 +3169,19 @@
             <a:pPr lvl="1"/>
             <a:r>
               <a:rPr lang="en-US" altLang="zh-TW" dirty="0"/>
-              <a:t>Replace minimum(</a:t>
-            </a:r>
-            <a:r>
-              <a:rPr lang="en-US" altLang="zh-TW" dirty="0" err="1"/>
-              <a:t>e_min</a:t>
+              <a:t>Replace </a:t>
+            </a:r>
+            <a:r>
+              <a:rPr lang="en-US" altLang="zh-TW" dirty="0" smtClean="0"/>
+              <a:t>minimum(</a:t>
+            </a:r>
+            <a:r>
+              <a:rPr lang="en-US" altLang="zh-TW" dirty="0" err="1" smtClean="0"/>
+              <a:t>e</a:t>
+            </a:r>
+            <a:r>
+              <a:rPr lang="en-US" altLang="zh-TW" baseline="-25000" dirty="0" err="1" smtClean="0"/>
+              <a:t>min</a:t>
             </a:r>
             <a:r>
               <a:rPr lang="en-US" altLang="zh-TW" dirty="0"/>
@@ -3279,50 +3198,63 @@
           <a:p>
             <a:pPr lvl="1"/>
             <a:r>
+              <a:rPr lang="en-US" altLang="zh-TW" dirty="0" smtClean="0"/>
+              <a:t>Memory efficiency, Fast(?)</a:t>
+            </a:r>
+            <a:endParaRPr lang="en-US" altLang="zh-TW" dirty="0" smtClean="0"/>
+          </a:p>
+          <a:p>
+            <a:r>
+              <a:rPr lang="en-US" altLang="zh-TW" dirty="0" smtClean="0"/>
+              <a:t>Count Min Sketch (CMS)</a:t>
+            </a:r>
+          </a:p>
+          <a:p>
+            <a:pPr lvl="1"/>
+            <a:r>
+              <a:rPr lang="en-US" altLang="zh-TW" dirty="0" smtClean="0"/>
+              <a:t>Map </a:t>
+            </a:r>
+            <a:r>
               <a:rPr lang="en-US" altLang="zh-TW" dirty="0"/>
-              <a:t>Fast( replace </a:t>
-            </a:r>
-            <a:r>
-              <a:rPr lang="en-US" altLang="zh-TW" dirty="0" err="1"/>
-              <a:t>e_min</a:t>
+              <a:t>whole data stream </a:t>
+            </a:r>
+            <a:r>
+              <a:rPr lang="en-US" altLang="zh-TW" i="1" dirty="0"/>
+              <a:t>S</a:t>
             </a:r>
             <a:r>
               <a:rPr lang="en-US" altLang="zh-TW" dirty="0"/>
-              <a:t> and sort)</a:t>
-            </a:r>
-          </a:p>
-          <a:p>
+              <a:t> into rows with hashes.</a:t>
+            </a:r>
+          </a:p>
+          <a:p>
+            <a:pPr lvl="1"/>
             <a:r>
               <a:rPr lang="en-US" altLang="zh-TW" dirty="0"/>
-              <a:t>Count Min Sketch (CMS)</a:t>
+              <a:t>Multiple hashes guarantee error </a:t>
+            </a:r>
+            <a:r>
+              <a:rPr lang="en-US" altLang="zh-TW" dirty="0" smtClean="0"/>
+              <a:t>bound(in theory).</a:t>
             </a:r>
           </a:p>
           <a:p>
             <a:pPr lvl="1"/>
             <a:r>
+              <a:rPr lang="en-US" altLang="zh-TW" dirty="0" smtClean="0"/>
+              <a:t>Negative count scenario supported.</a:t>
+            </a:r>
+          </a:p>
+          <a:p>
+            <a:pPr lvl="1"/>
+            <a:r>
+              <a:rPr lang="en-US" altLang="zh-TW" dirty="0" smtClean="0"/>
+              <a:t>Huge </a:t>
+            </a:r>
+            <a:r>
               <a:rPr lang="en-US" altLang="zh-TW" dirty="0"/>
-              <a:t>Map whole data stream S into rows with hashes.</a:t>
-            </a:r>
-          </a:p>
-          <a:p>
-            <a:pPr lvl="1"/>
-            <a:r>
-              <a:rPr lang="en-US" altLang="zh-TW" dirty="0"/>
-              <a:t>Multiple hashes guarantee error bound.</a:t>
-            </a:r>
-          </a:p>
-          <a:p>
-            <a:pPr lvl="1"/>
-            <a:r>
-              <a:rPr lang="en-US" altLang="zh-TW" dirty="0"/>
-              <a:t>Negative count scenario is fine.</a:t>
-            </a:r>
-          </a:p>
-          <a:p>
-            <a:pPr lvl="1"/>
-            <a:r>
-              <a:rPr lang="en-US" altLang="zh-TW" dirty="0"/>
-              <a:t>Huge error due to hash collision</a:t>
+              <a:t>error due to hash collision</a:t>
             </a:r>
           </a:p>
           <a:p>
@@ -3369,7 +3301,7 @@
           <p:cNvPr id="2" name="標題 1">
             <a:extLst>
               <a:ext uri="{FF2B5EF4-FFF2-40B4-BE49-F238E27FC236}">
-                <a16:creationId xmlns:a16="http://schemas.microsoft.com/office/drawing/2014/main" xmlns="" id="{C232C9D4-8F5B-47E9-B4F8-4334B4E493EC}"/>
+                <a16:creationId xmlns="" xmlns:a16="http://schemas.microsoft.com/office/drawing/2014/main" id="{C232C9D4-8F5B-47E9-B4F8-4334B4E493EC}"/>
               </a:ext>
             </a:extLst>
           </p:cNvPr>
@@ -3387,7 +3319,11 @@
           <a:p>
             <a:r>
               <a:rPr lang="en-US" altLang="zh-TW" dirty="0"/>
-              <a:t>How to</a:t>
+              <a:t>How </a:t>
+            </a:r>
+            <a:r>
+              <a:rPr lang="en-US" altLang="zh-TW" dirty="0" smtClean="0"/>
+              <a:t>to improve</a:t>
             </a:r>
             <a:endParaRPr lang="zh-TW" altLang="en-US" dirty="0"/>
           </a:p>
@@ -3398,7 +3334,7 @@
           <p:cNvPr id="3" name="內容版面配置區 2">
             <a:extLst>
               <a:ext uri="{FF2B5EF4-FFF2-40B4-BE49-F238E27FC236}">
-                <a16:creationId xmlns:a16="http://schemas.microsoft.com/office/drawing/2014/main" xmlns="" id="{188757EE-1F8B-4D20-BB3A-57402E49BB3B}"/>
+                <a16:creationId xmlns="" xmlns:a16="http://schemas.microsoft.com/office/drawing/2014/main" id="{188757EE-1F8B-4D20-BB3A-57402E49BB3B}"/>
               </a:ext>
             </a:extLst>
           </p:cNvPr>
@@ -3418,7 +3354,35 @@
           <a:p>
             <a:r>
               <a:rPr lang="en-US" altLang="zh-TW" dirty="0"/>
-              <a:t>Combine stream-summary (Top) and Sketch to achieve:</a:t>
+              <a:t>Combine stream-summary (</a:t>
+            </a:r>
+            <a:r>
+              <a:rPr lang="en-US" altLang="zh-TW" dirty="0" smtClean="0"/>
+              <a:t>Top)</a:t>
+            </a:r>
+            <a:r>
+              <a:rPr lang="en-US" altLang="zh-TW" dirty="0" smtClean="0"/>
+              <a:t>, </a:t>
+            </a:r>
+            <a:r>
+              <a:rPr lang="en-US" altLang="zh-TW" dirty="0" smtClean="0"/>
+              <a:t>Sketch and </a:t>
+            </a:r>
+            <a:r>
+              <a:rPr lang="en-US" altLang="zh-TW" dirty="0" err="1" smtClean="0"/>
+              <a:t>e</a:t>
+            </a:r>
+            <a:r>
+              <a:rPr lang="en-US" altLang="zh-TW" baseline="-25000" dirty="0" err="1" smtClean="0"/>
+              <a:t>max</a:t>
+            </a:r>
+            <a:r>
+              <a:rPr lang="en-US" altLang="zh-TW" dirty="0" smtClean="0"/>
+              <a:t> to </a:t>
+            </a:r>
+            <a:r>
+              <a:rPr lang="en-US" altLang="zh-TW" dirty="0"/>
+              <a:t>achieve:</a:t>
             </a:r>
           </a:p>
           <a:p>
@@ -3432,11 +3396,19 @@
             <a:pPr lvl="2"/>
             <a:r>
               <a:rPr lang="en-US" altLang="zh-TW" dirty="0" err="1"/>
-              <a:t>e_max</a:t>
+              <a:t>e</a:t>
+            </a:r>
+            <a:r>
+              <a:rPr lang="en-US" altLang="zh-TW" baseline="-25000" dirty="0" err="1"/>
+              <a:t>max</a:t>
+            </a:r>
+            <a:r>
+              <a:rPr lang="en-US" altLang="zh-TW" dirty="0" smtClean="0"/>
+              <a:t> </a:t>
             </a:r>
             <a:r>
               <a:rPr lang="en-US" altLang="zh-TW" dirty="0"/>
-              <a:t> to remember max element of Sketch.</a:t>
+              <a:t>to remember max element of Sketch.</a:t>
             </a:r>
           </a:p>
           <a:p>
@@ -3447,19 +3419,35 @@
             </a:r>
             <a:r>
               <a:rPr lang="en-US" altLang="zh-TW" dirty="0" err="1"/>
-              <a:t>e_max</a:t>
+              <a:t>e</a:t>
+            </a:r>
+            <a:r>
+              <a:rPr lang="en-US" altLang="zh-TW" baseline="-25000" dirty="0" err="1"/>
+              <a:t>max</a:t>
+            </a:r>
+            <a:r>
+              <a:rPr lang="en-US" altLang="zh-TW" dirty="0" smtClean="0"/>
+              <a:t> </a:t>
             </a:r>
             <a:r>
               <a:rPr lang="en-US" altLang="zh-TW" dirty="0"/>
-              <a:t> with </a:t>
+              <a:t>with </a:t>
             </a:r>
             <a:r>
               <a:rPr lang="en-US" altLang="zh-TW" dirty="0" err="1"/>
-              <a:t>e_min</a:t>
+              <a:t>e</a:t>
+            </a:r>
+            <a:r>
+              <a:rPr lang="en-US" altLang="zh-TW" baseline="-25000" dirty="0" err="1"/>
+              <a:t>min</a:t>
+            </a:r>
+            <a:r>
+              <a:rPr lang="en-US" altLang="zh-TW" dirty="0" smtClean="0"/>
+              <a:t> </a:t>
             </a:r>
             <a:r>
               <a:rPr lang="en-US" altLang="zh-TW" dirty="0"/>
-              <a:t> as SS.</a:t>
+              <a:t>as SS.</a:t>
             </a:r>
           </a:p>
           <a:p>
@@ -3472,7 +3460,7 @@
           <a:p>
             <a:pPr lvl="2"/>
             <a:r>
-              <a:rPr lang="en-US" altLang="zh-TW" dirty="0" err="1"/>
+              <a:rPr lang="en-US" altLang="zh-TW" i="1" dirty="0" err="1"/>
               <a:t>Hyperloglog</a:t>
             </a:r>
             <a:r>
@@ -3484,23 +3472,39 @@
             <a:pPr lvl="2"/>
             <a:r>
               <a:rPr lang="en-US" altLang="zh-TW" dirty="0"/>
-              <a:t>Query(e) by count * ratio of each element in a bucket.</a:t>
+              <a:t>Query(e) by count * ratio </a:t>
+            </a:r>
+            <a:r>
+              <a:rPr lang="en-US" altLang="zh-TW" dirty="0" smtClean="0"/>
+              <a:t>as average estimate</a:t>
+            </a:r>
+            <a:r>
+              <a:rPr lang="en-US" altLang="zh-TW" dirty="0" smtClean="0"/>
+              <a:t> </a:t>
+            </a:r>
+            <a:r>
+              <a:rPr lang="en-US" altLang="zh-TW" dirty="0"/>
+              <a:t>in a bucket.</a:t>
             </a:r>
           </a:p>
           <a:p>
             <a:pPr lvl="1"/>
             <a:r>
               <a:rPr lang="en-US" altLang="zh-TW" dirty="0"/>
-              <a:t>Negative count support</a:t>
+              <a:t>Negative count </a:t>
+            </a:r>
+            <a:r>
+              <a:rPr lang="en-US" altLang="zh-TW" dirty="0" smtClean="0"/>
+              <a:t>support</a:t>
             </a:r>
           </a:p>
           <a:p>
             <a:pPr lvl="2"/>
             <a:r>
-              <a:rPr lang="en-US" altLang="zh-TW" dirty="0"/>
-              <a:t>Sketch support negative count.</a:t>
-            </a:r>
-            <a:endParaRPr lang="zh-TW" altLang="en-US" dirty="0"/>
+              <a:rPr lang="en-US" altLang="zh-TW" dirty="0" smtClean="0"/>
+              <a:t>element with negative count follows Top -&gt; Sketch sequence.</a:t>
+            </a:r>
+            <a:endParaRPr lang="en-US" altLang="zh-TW" dirty="0"/>
           </a:p>
         </p:txBody>
       </p:sp>
@@ -3557,8 +3561,8 @@
           </a:p>
         </p:txBody>
       </p:sp>
-      <mc:AlternateContent xmlns:mc="http://schemas.openxmlformats.org/markup-compatibility/2006">
-        <mc:Choice xmlns:a14="http://schemas.microsoft.com/office/drawing/2010/main" Requires="a14">
+      <mc:AlternateContent xmlns:mc="http://schemas.openxmlformats.org/markup-compatibility/2006" xmlns:a14="http://schemas.microsoft.com/office/drawing/2010/main">
+        <mc:Choice Requires="a14">
           <p:sp>
             <p:nvSpPr>
               <p:cNvPr id="3" name="內容版面配置區 2"/>
@@ -3824,7 +3828,7 @@
             </p:txBody>
           </p:sp>
         </mc:Choice>
-        <mc:Fallback>
+        <mc:Fallback xmlns="">
           <p:sp>
             <p:nvSpPr>
               <p:cNvPr id="3" name="內容版面配置區 2"/>
@@ -4642,7 +4646,7 @@
           <a:p>
             <a:r>
               <a:rPr lang="en-US" altLang="zh-TW" dirty="0" smtClean="0"/>
-              <a:t>guarantee</a:t>
+              <a:t>Guarantee</a:t>
             </a:r>
             <a:endParaRPr lang="zh-TW" altLang="en-US" dirty="0"/>
           </a:p>
@@ -4693,6 +4697,12 @@
               <a:rPr lang="en-US" altLang="zh-TW" dirty="0" smtClean="0"/>
               <a:t>)</a:t>
             </a:r>
+          </a:p>
+          <a:p>
+            <a:endParaRPr lang="en-US" altLang="zh-TW" dirty="0" smtClean="0"/>
+          </a:p>
+          <a:p>
+            <a:endParaRPr lang="en-US" altLang="zh-TW" dirty="0" smtClean="0"/>
           </a:p>
           <a:p>
             <a:endParaRPr lang="en-US" altLang="zh-TW" dirty="0" smtClean="0"/>
@@ -4737,7 +4747,7 @@
           <p:cNvPr id="2" name="標題 1">
             <a:extLst>
               <a:ext uri="{FF2B5EF4-FFF2-40B4-BE49-F238E27FC236}">
-                <a16:creationId xmlns:a16="http://schemas.microsoft.com/office/drawing/2014/main" xmlns="" id="{DED4DC7B-2FD7-4BBB-9152-8A8406A727BF}"/>
+                <a16:creationId xmlns="" xmlns:a16="http://schemas.microsoft.com/office/drawing/2014/main" id="{DED4DC7B-2FD7-4BBB-9152-8A8406A727BF}"/>
               </a:ext>
             </a:extLst>
           </p:cNvPr>
@@ -4768,7 +4778,7 @@
           <p:cNvPr id="3" name="內容版面配置區 2">
             <a:extLst>
               <a:ext uri="{FF2B5EF4-FFF2-40B4-BE49-F238E27FC236}">
-                <a16:creationId xmlns:a16="http://schemas.microsoft.com/office/drawing/2014/main" xmlns="" id="{9D3694C9-5753-403C-9CAF-FD0CE7FF17C9}"/>
+                <a16:creationId xmlns="" xmlns:a16="http://schemas.microsoft.com/office/drawing/2014/main" id="{9D3694C9-5753-403C-9CAF-FD0CE7FF17C9}"/>
               </a:ext>
             </a:extLst>
           </p:cNvPr>
@@ -4865,153 +4875,6 @@
     <p:extLst>
       <p:ext uri="{BB962C8B-B14F-4D97-AF65-F5344CB8AC3E}">
         <p14:creationId xmlns:p14="http://schemas.microsoft.com/office/powerpoint/2010/main" val="2921016661"/>
-      </p:ext>
-    </p:extLst>
-  </p:cSld>
-  <p:clrMapOvr>
-    <a:masterClrMapping/>
-  </p:clrMapOvr>
-</p:sld>
-</file>
-
-<file path=ppt/slides/slide8.xml><?xml version="1.0" encoding="utf-8"?>
-<p:sld xmlns:a="http://schemas.openxmlformats.org/drawingml/2006/main" xmlns:r="http://schemas.openxmlformats.org/officeDocument/2006/relationships" xmlns:p="http://schemas.openxmlformats.org/presentationml/2006/main">
-  <p:cSld>
-    <p:spTree>
-      <p:nvGrpSpPr>
-        <p:cNvPr id="1" name=""/>
-        <p:cNvGrpSpPr/>
-        <p:nvPr/>
-      </p:nvGrpSpPr>
-      <p:grpSpPr>
-        <a:xfrm>
-          <a:off x="0" y="0"/>
-          <a:ext cx="0" cy="0"/>
-          <a:chOff x="0" y="0"/>
-          <a:chExt cx="0" cy="0"/>
-        </a:xfrm>
-      </p:grpSpPr>
-      <p:sp>
-        <p:nvSpPr>
-          <p:cNvPr id="2" name="標題 1">
-            <a:extLst>
-              <a:ext uri="{FF2B5EF4-FFF2-40B4-BE49-F238E27FC236}">
-                <a16:creationId xmlns:a16="http://schemas.microsoft.com/office/drawing/2014/main" xmlns="" id="{42F9F8FA-CAB1-433B-A1C0-3C3DD1E5FFD5}"/>
-              </a:ext>
-            </a:extLst>
-          </p:cNvPr>
-          <p:cNvSpPr>
-            <a:spLocks noGrp="1"/>
-          </p:cNvSpPr>
-          <p:nvPr>
-            <p:ph type="title"/>
-          </p:nvPr>
-        </p:nvSpPr>
-        <p:spPr/>
-        <p:txBody>
-          <a:bodyPr/>
-          <a:lstStyle/>
-          <a:p>
-            <a:r>
-              <a:rPr lang="en-US" altLang="zh-TW" dirty="0"/>
-              <a:t>Performance-Caida0</a:t>
-            </a:r>
-            <a:endParaRPr lang="zh-TW" altLang="en-US" dirty="0"/>
-          </a:p>
-        </p:txBody>
-      </p:sp>
-    </p:spTree>
-    <p:extLst>
-      <p:ext uri="{BB962C8B-B14F-4D97-AF65-F5344CB8AC3E}">
-        <p14:creationId xmlns:p14="http://schemas.microsoft.com/office/powerpoint/2010/main" val="1056327111"/>
-      </p:ext>
-    </p:extLst>
-  </p:cSld>
-  <p:clrMapOvr>
-    <a:masterClrMapping/>
-  </p:clrMapOvr>
-</p:sld>
-</file>
-
-<file path=ppt/slides/slide9.xml><?xml version="1.0" encoding="utf-8"?>
-<p:sld xmlns:a="http://schemas.openxmlformats.org/drawingml/2006/main" xmlns:r="http://schemas.openxmlformats.org/officeDocument/2006/relationships" xmlns:p="http://schemas.openxmlformats.org/presentationml/2006/main">
-  <p:cSld>
-    <p:spTree>
-      <p:nvGrpSpPr>
-        <p:cNvPr id="1" name=""/>
-        <p:cNvGrpSpPr/>
-        <p:nvPr/>
-      </p:nvGrpSpPr>
-      <p:grpSpPr>
-        <a:xfrm>
-          <a:off x="0" y="0"/>
-          <a:ext cx="0" cy="0"/>
-          <a:chOff x="0" y="0"/>
-          <a:chExt cx="0" cy="0"/>
-        </a:xfrm>
-      </p:grpSpPr>
-      <p:sp>
-        <p:nvSpPr>
-          <p:cNvPr id="2" name="標題 1">
-            <a:extLst>
-              <a:ext uri="{FF2B5EF4-FFF2-40B4-BE49-F238E27FC236}">
-                <a16:creationId xmlns:a16="http://schemas.microsoft.com/office/drawing/2014/main" xmlns="" id="{F4A47DCE-613A-4AD0-A4AA-E4982923822D}"/>
-              </a:ext>
-            </a:extLst>
-          </p:cNvPr>
-          <p:cNvSpPr>
-            <a:spLocks noGrp="1"/>
-          </p:cNvSpPr>
-          <p:nvPr>
-            <p:ph type="title"/>
-          </p:nvPr>
-        </p:nvSpPr>
-        <p:spPr/>
-        <p:txBody>
-          <a:bodyPr/>
-          <a:lstStyle/>
-          <a:p>
-            <a:r>
-              <a:rPr lang="en-US" altLang="zh-TW" dirty="0"/>
-              <a:t>Performance-</a:t>
-            </a:r>
-            <a:r>
-              <a:rPr lang="en-US" altLang="zh-TW" dirty="0" err="1"/>
-              <a:t>Kosarak</a:t>
-            </a:r>
-            <a:endParaRPr lang="zh-TW" altLang="en-US" dirty="0"/>
-          </a:p>
-        </p:txBody>
-      </p:sp>
-      <p:sp>
-        <p:nvSpPr>
-          <p:cNvPr id="3" name="內容版面配置區 2">
-            <a:extLst>
-              <a:ext uri="{FF2B5EF4-FFF2-40B4-BE49-F238E27FC236}">
-                <a16:creationId xmlns:a16="http://schemas.microsoft.com/office/drawing/2014/main" xmlns="" id="{E4F031F0-8D78-41F1-A399-81014C1C8FB7}"/>
-              </a:ext>
-            </a:extLst>
-          </p:cNvPr>
-          <p:cNvSpPr>
-            <a:spLocks noGrp="1"/>
-          </p:cNvSpPr>
-          <p:nvPr>
-            <p:ph idx="1"/>
-          </p:nvPr>
-        </p:nvSpPr>
-        <p:spPr/>
-        <p:txBody>
-          <a:bodyPr/>
-          <a:lstStyle/>
-          <a:p>
-            <a:endParaRPr lang="zh-TW" altLang="en-US"/>
-          </a:p>
-        </p:txBody>
-      </p:sp>
-    </p:spTree>
-    <p:extLst>
-      <p:ext uri="{BB962C8B-B14F-4D97-AF65-F5344CB8AC3E}">
-        <p14:creationId xmlns:p14="http://schemas.microsoft.com/office/powerpoint/2010/main" val="78673591"/>
       </p:ext>
     </p:extLst>
   </p:cSld>

--- a/result/report.pptx
+++ b/result/report.pptx
@@ -112,7 +112,7 @@
   </p:defaultTextStyle>
   <p:extLst>
     <p:ext uri="{EFAFB233-063F-42B5-8137-9DF3F51BA10A}">
-      <p15:sldGuideLst xmlns="" xmlns:p15="http://schemas.microsoft.com/office/powerpoint/2012/main">
+      <p15:sldGuideLst xmlns:p15="http://schemas.microsoft.com/office/powerpoint/2012/main">
         <p15:guide id="1" orient="horz" pos="2160">
           <p15:clr>
             <a:srgbClr val="A4A3A4"/>
@@ -308,7 +308,7 @@
           <a:p>
             <a:fld id="{5BBEAD13-0566-4C6C-97E7-55F17F24B09F}" type="datetimeFigureOut">
               <a:rPr lang="zh-TW" altLang="en-US" smtClean="0"/>
-              <a:t>2021/4/22</a:t>
+              <a:t>2021/4/24</a:t>
             </a:fld>
             <a:endParaRPr lang="zh-TW" altLang="en-US"/>
           </a:p>
@@ -471,7 +471,7 @@
           <a:p>
             <a:fld id="{5BBEAD13-0566-4C6C-97E7-55F17F24B09F}" type="datetimeFigureOut">
               <a:rPr lang="zh-TW" altLang="en-US" smtClean="0"/>
-              <a:t>2021/4/22</a:t>
+              <a:t>2021/4/24</a:t>
             </a:fld>
             <a:endParaRPr lang="zh-TW" altLang="en-US"/>
           </a:p>
@@ -644,7 +644,7 @@
           <a:p>
             <a:fld id="{5BBEAD13-0566-4C6C-97E7-55F17F24B09F}" type="datetimeFigureOut">
               <a:rPr lang="zh-TW" altLang="en-US" smtClean="0"/>
-              <a:t>2021/4/22</a:t>
+              <a:t>2021/4/24</a:t>
             </a:fld>
             <a:endParaRPr lang="zh-TW" altLang="en-US"/>
           </a:p>
@@ -807,7 +807,7 @@
           <a:p>
             <a:fld id="{5BBEAD13-0566-4C6C-97E7-55F17F24B09F}" type="datetimeFigureOut">
               <a:rPr lang="zh-TW" altLang="en-US" smtClean="0"/>
-              <a:t>2021/4/22</a:t>
+              <a:t>2021/4/24</a:t>
             </a:fld>
             <a:endParaRPr lang="zh-TW" altLang="en-US"/>
           </a:p>
@@ -1047,7 +1047,7 @@
           <a:p>
             <a:fld id="{5BBEAD13-0566-4C6C-97E7-55F17F24B09F}" type="datetimeFigureOut">
               <a:rPr lang="zh-TW" altLang="en-US" smtClean="0"/>
-              <a:t>2021/4/22</a:t>
+              <a:t>2021/4/24</a:t>
             </a:fld>
             <a:endParaRPr lang="zh-TW" altLang="en-US"/>
           </a:p>
@@ -1327,7 +1327,7 @@
           <a:p>
             <a:fld id="{5BBEAD13-0566-4C6C-97E7-55F17F24B09F}" type="datetimeFigureOut">
               <a:rPr lang="zh-TW" altLang="en-US" smtClean="0"/>
-              <a:t>2021/4/22</a:t>
+              <a:t>2021/4/24</a:t>
             </a:fld>
             <a:endParaRPr lang="zh-TW" altLang="en-US"/>
           </a:p>
@@ -1741,7 +1741,7 @@
           <a:p>
             <a:fld id="{5BBEAD13-0566-4C6C-97E7-55F17F24B09F}" type="datetimeFigureOut">
               <a:rPr lang="zh-TW" altLang="en-US" smtClean="0"/>
-              <a:t>2021/4/22</a:t>
+              <a:t>2021/4/24</a:t>
             </a:fld>
             <a:endParaRPr lang="zh-TW" altLang="en-US"/>
           </a:p>
@@ -1853,7 +1853,7 @@
           <a:p>
             <a:fld id="{5BBEAD13-0566-4C6C-97E7-55F17F24B09F}" type="datetimeFigureOut">
               <a:rPr lang="zh-TW" altLang="en-US" smtClean="0"/>
-              <a:t>2021/4/22</a:t>
+              <a:t>2021/4/24</a:t>
             </a:fld>
             <a:endParaRPr lang="zh-TW" altLang="en-US"/>
           </a:p>
@@ -1943,7 +1943,7 @@
           <a:p>
             <a:fld id="{5BBEAD13-0566-4C6C-97E7-55F17F24B09F}" type="datetimeFigureOut">
               <a:rPr lang="zh-TW" altLang="en-US" smtClean="0"/>
-              <a:t>2021/4/22</a:t>
+              <a:t>2021/4/24</a:t>
             </a:fld>
             <a:endParaRPr lang="zh-TW" altLang="en-US"/>
           </a:p>
@@ -2213,7 +2213,7 @@
           <a:p>
             <a:fld id="{5BBEAD13-0566-4C6C-97E7-55F17F24B09F}" type="datetimeFigureOut">
               <a:rPr lang="zh-TW" altLang="en-US" smtClean="0"/>
-              <a:t>2021/4/22</a:t>
+              <a:t>2021/4/24</a:t>
             </a:fld>
             <a:endParaRPr lang="zh-TW" altLang="en-US"/>
           </a:p>
@@ -2460,7 +2460,7 @@
           <a:p>
             <a:fld id="{5BBEAD13-0566-4C6C-97E7-55F17F24B09F}" type="datetimeFigureOut">
               <a:rPr lang="zh-TW" altLang="en-US" smtClean="0"/>
-              <a:t>2021/4/22</a:t>
+              <a:t>2021/4/24</a:t>
             </a:fld>
             <a:endParaRPr lang="zh-TW" altLang="en-US"/>
           </a:p>
@@ -2666,7 +2666,7 @@
           <a:p>
             <a:fld id="{5BBEAD13-0566-4C6C-97E7-55F17F24B09F}" type="datetimeFigureOut">
               <a:rPr lang="zh-TW" altLang="en-US" smtClean="0"/>
-              <a:t>2021/4/22</a:t>
+              <a:t>2021/4/24</a:t>
             </a:fld>
             <a:endParaRPr lang="zh-TW" altLang="en-US"/>
           </a:p>
@@ -3052,7 +3052,7 @@
           <a:lstStyle/>
           <a:p>
             <a:r>
-              <a:rPr lang="en-US" altLang="zh-TW" dirty="0" smtClean="0"/>
+              <a:rPr lang="en-US" altLang="zh-TW" dirty="0"/>
               <a:t>Proposal report</a:t>
             </a:r>
             <a:endParaRPr lang="zh-TW" altLang="en-US" dirty="0"/>
@@ -3113,7 +3113,7 @@
           <p:cNvPr id="2" name="標題 1">
             <a:extLst>
               <a:ext uri="{FF2B5EF4-FFF2-40B4-BE49-F238E27FC236}">
-                <a16:creationId xmlns="" xmlns:a16="http://schemas.microsoft.com/office/drawing/2014/main" id="{5BEDD129-3DE5-4DEB-B3B4-ECB4C33D65E0}"/>
+                <a16:creationId xmlns:a16="http://schemas.microsoft.com/office/drawing/2014/main" id="{5BEDD129-3DE5-4DEB-B3B4-ECB4C33D65E0}"/>
               </a:ext>
             </a:extLst>
           </p:cNvPr>
@@ -3142,7 +3142,7 @@
           <p:cNvPr id="3" name="內容版面配置區 2">
             <a:extLst>
               <a:ext uri="{FF2B5EF4-FFF2-40B4-BE49-F238E27FC236}">
-                <a16:creationId xmlns="" xmlns:a16="http://schemas.microsoft.com/office/drawing/2014/main" id="{ECE4FEF4-089C-4735-B846-78D6BDD198F7}"/>
+                <a16:creationId xmlns:a16="http://schemas.microsoft.com/office/drawing/2014/main" id="{ECE4FEF4-089C-4735-B846-78D6BDD198F7}"/>
               </a:ext>
             </a:extLst>
           </p:cNvPr>
@@ -3169,18 +3169,14 @@
             <a:pPr lvl="1"/>
             <a:r>
               <a:rPr lang="en-US" altLang="zh-TW" dirty="0"/>
-              <a:t>Replace </a:t>
-            </a:r>
-            <a:r>
-              <a:rPr lang="en-US" altLang="zh-TW" dirty="0" smtClean="0"/>
-              <a:t>minimum(</a:t>
-            </a:r>
-            <a:r>
-              <a:rPr lang="en-US" altLang="zh-TW" dirty="0" err="1" smtClean="0"/>
+              <a:t>Replace minimum(</a:t>
+            </a:r>
+            <a:r>
+              <a:rPr lang="en-US" altLang="zh-TW" dirty="0" err="1"/>
               <a:t>e</a:t>
             </a:r>
             <a:r>
-              <a:rPr lang="en-US" altLang="zh-TW" baseline="-25000" dirty="0" err="1" smtClean="0"/>
+              <a:rPr lang="en-US" altLang="zh-TW" baseline="-25000" dirty="0" err="1"/>
               <a:t>min</a:t>
             </a:r>
             <a:r>
@@ -3198,26 +3194,21 @@
           <a:p>
             <a:pPr lvl="1"/>
             <a:r>
-              <a:rPr lang="en-US" altLang="zh-TW" dirty="0" smtClean="0"/>
+              <a:rPr lang="en-US" altLang="zh-TW" dirty="0"/>
               <a:t>Memory efficiency, Fast(?)</a:t>
             </a:r>
-            <a:endParaRPr lang="en-US" altLang="zh-TW" dirty="0" smtClean="0"/>
-          </a:p>
-          <a:p>
-            <a:r>
-              <a:rPr lang="en-US" altLang="zh-TW" dirty="0" smtClean="0"/>
+          </a:p>
+          <a:p>
+            <a:r>
+              <a:rPr lang="en-US" altLang="zh-TW" dirty="0"/>
               <a:t>Count Min Sketch (CMS)</a:t>
             </a:r>
           </a:p>
           <a:p>
             <a:pPr lvl="1"/>
             <a:r>
-              <a:rPr lang="en-US" altLang="zh-TW" dirty="0" smtClean="0"/>
-              <a:t>Map </a:t>
-            </a:r>
-            <a:r>
               <a:rPr lang="en-US" altLang="zh-TW" dirty="0"/>
-              <a:t>whole data stream </a:t>
+              <a:t>Map whole data stream </a:t>
             </a:r>
             <a:r>
               <a:rPr lang="en-US" altLang="zh-TW" i="1" dirty="0"/>
@@ -3232,29 +3223,21 @@
             <a:pPr lvl="1"/>
             <a:r>
               <a:rPr lang="en-US" altLang="zh-TW" dirty="0"/>
-              <a:t>Multiple hashes guarantee error </a:t>
-            </a:r>
-            <a:r>
-              <a:rPr lang="en-US" altLang="zh-TW" dirty="0" smtClean="0"/>
-              <a:t>bound(in theory).</a:t>
+              <a:t>Multiple hashes guarantee error bound(in theory).</a:t>
             </a:r>
           </a:p>
           <a:p>
             <a:pPr lvl="1"/>
             <a:r>
-              <a:rPr lang="en-US" altLang="zh-TW" dirty="0" smtClean="0"/>
+              <a:rPr lang="en-US" altLang="zh-TW" dirty="0"/>
               <a:t>Negative count scenario supported.</a:t>
             </a:r>
           </a:p>
           <a:p>
             <a:pPr lvl="1"/>
             <a:r>
-              <a:rPr lang="en-US" altLang="zh-TW" dirty="0" smtClean="0"/>
-              <a:t>Huge </a:t>
-            </a:r>
-            <a:r>
               <a:rPr lang="en-US" altLang="zh-TW" dirty="0"/>
-              <a:t>error due to hash collision</a:t>
+              <a:t>Huge error due to hash collision</a:t>
             </a:r>
           </a:p>
           <a:p>
@@ -3301,7 +3284,7 @@
           <p:cNvPr id="2" name="標題 1">
             <a:extLst>
               <a:ext uri="{FF2B5EF4-FFF2-40B4-BE49-F238E27FC236}">
-                <a16:creationId xmlns="" xmlns:a16="http://schemas.microsoft.com/office/drawing/2014/main" id="{C232C9D4-8F5B-47E9-B4F8-4334B4E493EC}"/>
+                <a16:creationId xmlns:a16="http://schemas.microsoft.com/office/drawing/2014/main" id="{C232C9D4-8F5B-47E9-B4F8-4334B4E493EC}"/>
               </a:ext>
             </a:extLst>
           </p:cNvPr>
@@ -3319,11 +3302,7 @@
           <a:p>
             <a:r>
               <a:rPr lang="en-US" altLang="zh-TW" dirty="0"/>
-              <a:t>How </a:t>
-            </a:r>
-            <a:r>
-              <a:rPr lang="en-US" altLang="zh-TW" dirty="0" smtClean="0"/>
-              <a:t>to improve</a:t>
+              <a:t>How to improve</a:t>
             </a:r>
             <a:endParaRPr lang="zh-TW" altLang="en-US" dirty="0"/>
           </a:p>
@@ -3334,7 +3313,7 @@
           <p:cNvPr id="3" name="內容版面配置區 2">
             <a:extLst>
               <a:ext uri="{FF2B5EF4-FFF2-40B4-BE49-F238E27FC236}">
-                <a16:creationId xmlns="" xmlns:a16="http://schemas.microsoft.com/office/drawing/2014/main" id="{188757EE-1F8B-4D20-BB3A-57402E49BB3B}"/>
+                <a16:creationId xmlns:a16="http://schemas.microsoft.com/office/drawing/2014/main" id="{188757EE-1F8B-4D20-BB3A-57402E49BB3B}"/>
               </a:ext>
             </a:extLst>
           </p:cNvPr>
@@ -3354,35 +3333,19 @@
           <a:p>
             <a:r>
               <a:rPr lang="en-US" altLang="zh-TW" dirty="0"/>
-              <a:t>Combine stream-summary (</a:t>
-            </a:r>
-            <a:r>
-              <a:rPr lang="en-US" altLang="zh-TW" dirty="0" smtClean="0"/>
-              <a:t>Top)</a:t>
-            </a:r>
-            <a:r>
-              <a:rPr lang="en-US" altLang="zh-TW" dirty="0" smtClean="0"/>
-              <a:t>, </a:t>
-            </a:r>
-            <a:r>
-              <a:rPr lang="en-US" altLang="zh-TW" dirty="0" smtClean="0"/>
-              <a:t>Sketch and </a:t>
-            </a:r>
-            <a:r>
-              <a:rPr lang="en-US" altLang="zh-TW" dirty="0" err="1" smtClean="0"/>
+              <a:t>Combine stream-summary (Top), Sketch and </a:t>
+            </a:r>
+            <a:r>
+              <a:rPr lang="en-US" altLang="zh-TW" dirty="0" err="1"/>
               <a:t>e</a:t>
             </a:r>
             <a:r>
-              <a:rPr lang="en-US" altLang="zh-TW" baseline="-25000" dirty="0" err="1" smtClean="0"/>
+              <a:rPr lang="en-US" altLang="zh-TW" baseline="-25000" dirty="0" err="1"/>
               <a:t>max</a:t>
             </a:r>
             <a:r>
-              <a:rPr lang="en-US" altLang="zh-TW" dirty="0" smtClean="0"/>
-              <a:t> to </a:t>
-            </a:r>
-            <a:r>
               <a:rPr lang="en-US" altLang="zh-TW" dirty="0"/>
-              <a:t>achieve:</a:t>
+              <a:t> to achieve:</a:t>
             </a:r>
           </a:p>
           <a:p>
@@ -3403,12 +3366,8 @@
               <a:t>max</a:t>
             </a:r>
             <a:r>
-              <a:rPr lang="en-US" altLang="zh-TW" dirty="0" smtClean="0"/>
-              <a:t> </a:t>
-            </a:r>
-            <a:r>
               <a:rPr lang="en-US" altLang="zh-TW" dirty="0"/>
-              <a:t>to remember max element of Sketch.</a:t>
+              <a:t> to remember max element of Sketch.</a:t>
             </a:r>
           </a:p>
           <a:p>
@@ -3426,12 +3385,8 @@
               <a:t>max</a:t>
             </a:r>
             <a:r>
-              <a:rPr lang="en-US" altLang="zh-TW" dirty="0" smtClean="0"/>
-              <a:t> </a:t>
-            </a:r>
-            <a:r>
               <a:rPr lang="en-US" altLang="zh-TW" dirty="0"/>
-              <a:t>with </a:t>
+              <a:t> with </a:t>
             </a:r>
             <a:r>
               <a:rPr lang="en-US" altLang="zh-TW" dirty="0" err="1"/>
@@ -3442,12 +3397,8 @@
               <a:t>min</a:t>
             </a:r>
             <a:r>
-              <a:rPr lang="en-US" altLang="zh-TW" dirty="0" smtClean="0"/>
-              <a:t> </a:t>
-            </a:r>
-            <a:r>
               <a:rPr lang="en-US" altLang="zh-TW" dirty="0"/>
-              <a:t>as SS.</a:t>
+              <a:t> as SS.</a:t>
             </a:r>
           </a:p>
           <a:p>
@@ -3472,39 +3423,22 @@
             <a:pPr lvl="2"/>
             <a:r>
               <a:rPr lang="en-US" altLang="zh-TW" dirty="0"/>
-              <a:t>Query(e) by count * ratio </a:t>
-            </a:r>
-            <a:r>
-              <a:rPr lang="en-US" altLang="zh-TW" dirty="0" smtClean="0"/>
-              <a:t>as average estimate</a:t>
-            </a:r>
-            <a:r>
-              <a:rPr lang="en-US" altLang="zh-TW" dirty="0" smtClean="0"/>
-              <a:t> </a:t>
-            </a:r>
+              <a:t>Query(e) by count * ratio as average estimate in a bucket.</a:t>
+            </a:r>
+          </a:p>
+          <a:p>
+            <a:pPr lvl="1"/>
             <a:r>
               <a:rPr lang="en-US" altLang="zh-TW" dirty="0"/>
-              <a:t>in a bucket.</a:t>
-            </a:r>
-          </a:p>
-          <a:p>
-            <a:pPr lvl="1"/>
+              <a:t>Negative count support</a:t>
+            </a:r>
+          </a:p>
+          <a:p>
+            <a:pPr lvl="2"/>
             <a:r>
               <a:rPr lang="en-US" altLang="zh-TW" dirty="0"/>
-              <a:t>Negative count </a:t>
-            </a:r>
-            <a:r>
-              <a:rPr lang="en-US" altLang="zh-TW" dirty="0" smtClean="0"/>
-              <a:t>support</a:t>
-            </a:r>
-          </a:p>
-          <a:p>
-            <a:pPr lvl="2"/>
-            <a:r>
-              <a:rPr lang="en-US" altLang="zh-TW" dirty="0" smtClean="0"/>
               <a:t>element with negative count follows Top -&gt; Sketch sequence.</a:t>
             </a:r>
-            <a:endParaRPr lang="en-US" altLang="zh-TW" dirty="0"/>
           </a:p>
         </p:txBody>
       </p:sp>
@@ -3682,7 +3616,7 @@
                       <m:fPr>
                         <m:ctrlPr>
                           <a:rPr lang="en-US" altLang="zh-TW" b="0" i="1" smtClean="0">
-                            <a:latin typeface="Cambria Math"/>
+                            <a:latin typeface="Cambria Math" panose="02040503050406030204" pitchFamily="18" charset="0"/>
                           </a:rPr>
                         </m:ctrlPr>
                       </m:fPr>
@@ -3700,7 +3634,7 @@
                             <m:degHide m:val="on"/>
                             <m:ctrlPr>
                               <a:rPr lang="en-US" altLang="zh-TW" b="0" i="1" smtClean="0">
-                                <a:latin typeface="Cambria Math"/>
+                                <a:latin typeface="Cambria Math" panose="02040503050406030204" pitchFamily="18" charset="0"/>
                               </a:rPr>
                             </m:ctrlPr>
                           </m:radPr>
@@ -3718,16 +3652,12 @@
                     </m:f>
                   </m:oMath>
                 </a14:m>
-                <a:endParaRPr lang="en-US" altLang="zh-TW" dirty="0" smtClean="0"/>
+                <a:endParaRPr lang="en-US" altLang="zh-TW" dirty="0"/>
               </a:p>
               <a:p>
                 <a:r>
-                  <a:rPr lang="en-US" altLang="zh-TW" dirty="0" smtClean="0"/>
-                  <a:t>Space</a:t>
-                </a:r>
-                <a:r>
                   <a:rPr lang="en-US" altLang="zh-TW" dirty="0"/>
-                  <a:t>:</a:t>
+                  <a:t>Space:</a:t>
                 </a:r>
                 <a14:m>
                   <m:oMath xmlns:m="http://schemas.openxmlformats.org/officeDocument/2006/math">
@@ -3747,7 +3677,7 @@
                       <m:sSupPr>
                         <m:ctrlPr>
                           <a:rPr lang="en-US" altLang="zh-TW" b="0" i="1" smtClean="0">
-                            <a:latin typeface="Cambria Math"/>
+                            <a:latin typeface="Cambria Math" panose="02040503050406030204" pitchFamily="18" charset="0"/>
                           </a:rPr>
                         </m:ctrlPr>
                       </m:sSupPr>
@@ -4160,24 +4090,20 @@
               <a:t>    </a:t>
             </a:r>
             <a:r>
-              <a:rPr lang="en-US" altLang="zh-TW" sz="1600" dirty="0" err="1" smtClean="0"/>
+              <a:rPr lang="en-US" altLang="zh-TW" sz="1600" dirty="0" err="1"/>
               <a:t>row,col</a:t>
             </a:r>
             <a:r>
-              <a:rPr lang="en-US" altLang="zh-TW" sz="1600" dirty="0" smtClean="0"/>
+              <a:rPr lang="en-US" altLang="zh-TW" sz="1600" dirty="0"/>
               <a:t>=</a:t>
             </a:r>
             <a:r>
-              <a:rPr lang="en-US" altLang="zh-TW" sz="1600" dirty="0" err="1" smtClean="0"/>
+              <a:rPr lang="en-US" altLang="zh-TW" sz="1600" dirty="0" err="1"/>
               <a:t>get_index</a:t>
             </a:r>
             <a:r>
-              <a:rPr lang="en-US" altLang="zh-TW" sz="1600" dirty="0" smtClean="0"/>
-              <a:t>(e</a:t>
-            </a:r>
-            <a:r>
               <a:rPr lang="en-US" altLang="zh-TW" sz="1600" dirty="0"/>
-              <a:t>)</a:t>
+              <a:t>(e)</a:t>
             </a:r>
           </a:p>
           <a:p>
@@ -4271,23 +4197,23 @@
               <a:t>    </a:t>
             </a:r>
             <a:r>
-              <a:rPr lang="en-US" altLang="zh-TW" sz="1600" dirty="0" err="1" smtClean="0"/>
+              <a:rPr lang="en-US" altLang="zh-TW" sz="1600" dirty="0" err="1"/>
               <a:t>Update_e_max</a:t>
             </a:r>
             <a:r>
-              <a:rPr lang="en-US" altLang="zh-TW" sz="1600" dirty="0" smtClean="0"/>
+              <a:rPr lang="en-US" altLang="zh-TW" sz="1600" dirty="0"/>
               <a:t>(</a:t>
             </a:r>
             <a:r>
-              <a:rPr lang="en-US" altLang="zh-TW" sz="1600" dirty="0" err="1" smtClean="0"/>
+              <a:rPr lang="en-US" altLang="zh-TW" sz="1600" dirty="0" err="1"/>
               <a:t>e_max</a:t>
             </a:r>
             <a:r>
-              <a:rPr lang="en-US" altLang="zh-TW" sz="1600" dirty="0" smtClean="0"/>
+              <a:rPr lang="en-US" altLang="zh-TW" sz="1600" dirty="0"/>
               <a:t>, </a:t>
             </a:r>
             <a:r>
-              <a:rPr lang="en-US" altLang="zh-TW" sz="1600" dirty="0" err="1" smtClean="0"/>
+              <a:rPr lang="en-US" altLang="zh-TW" sz="1600" dirty="0" err="1"/>
               <a:t>Sketch_head</a:t>
             </a:r>
             <a:r>
@@ -4362,14 +4288,13 @@
               <a:t>, </a:t>
             </a:r>
             <a:r>
-              <a:rPr lang="en-US" altLang="zh-TW" sz="1600" dirty="0" err="1" smtClean="0"/>
+              <a:rPr lang="en-US" altLang="zh-TW" sz="1600" dirty="0" err="1"/>
               <a:t>e_min</a:t>
             </a:r>
             <a:r>
-              <a:rPr lang="en-US" altLang="zh-TW" sz="1600" dirty="0" smtClean="0"/>
+              <a:rPr lang="en-US" altLang="zh-TW" sz="1600" dirty="0"/>
               <a:t>, Top)</a:t>
             </a:r>
-            <a:endParaRPr lang="en-US" altLang="zh-TW" sz="1600" dirty="0"/>
           </a:p>
           <a:p>
             <a:r>
@@ -4645,7 +4570,7 @@
           <a:lstStyle/>
           <a:p>
             <a:r>
-              <a:rPr lang="en-US" altLang="zh-TW" dirty="0" smtClean="0"/>
+              <a:rPr lang="en-US" altLang="zh-TW" dirty="0"/>
               <a:t>Guarantee</a:t>
             </a:r>
             <a:endParaRPr lang="zh-TW" altLang="en-US" dirty="0"/>
@@ -4668,44 +4593,24 @@
           <a:lstStyle/>
           <a:p>
             <a:r>
-              <a:rPr lang="en-US" altLang="zh-TW" dirty="0" smtClean="0"/>
+              <a:rPr lang="en-US" altLang="zh-TW" dirty="0"/>
               <a:t>All arriving count= count(Top) + count(Sketch)</a:t>
             </a:r>
           </a:p>
           <a:p>
             <a:r>
               <a:rPr lang="en-US" altLang="zh-TW" dirty="0"/>
-              <a:t>c</a:t>
-            </a:r>
-            <a:r>
-              <a:rPr lang="en-US" altLang="zh-TW" dirty="0" smtClean="0"/>
-              <a:t>ount(Top</a:t>
-            </a:r>
-            <a:r>
-              <a:rPr lang="en-US" altLang="zh-TW" dirty="0"/>
-              <a:t>) </a:t>
-            </a:r>
-            <a:r>
-              <a:rPr lang="en-US" altLang="zh-TW" dirty="0" smtClean="0"/>
-              <a:t>&gt;= </a:t>
-            </a:r>
-            <a:r>
-              <a:rPr lang="en-US" altLang="zh-TW" dirty="0"/>
-              <a:t>count(Sketch</a:t>
-            </a:r>
-            <a:r>
-              <a:rPr lang="en-US" altLang="zh-TW" dirty="0" smtClean="0"/>
-              <a:t>)</a:t>
-            </a:r>
-          </a:p>
-          <a:p>
-            <a:endParaRPr lang="en-US" altLang="zh-TW" dirty="0" smtClean="0"/>
-          </a:p>
-          <a:p>
-            <a:endParaRPr lang="en-US" altLang="zh-TW" dirty="0" smtClean="0"/>
-          </a:p>
-          <a:p>
-            <a:endParaRPr lang="en-US" altLang="zh-TW" dirty="0" smtClean="0"/>
+              <a:t>count(Top) &gt;= count(Sketch)</a:t>
+            </a:r>
+          </a:p>
+          <a:p>
+            <a:endParaRPr lang="en-US" altLang="zh-TW" dirty="0"/>
+          </a:p>
+          <a:p>
+            <a:endParaRPr lang="en-US" altLang="zh-TW" dirty="0"/>
+          </a:p>
+          <a:p>
+            <a:endParaRPr lang="en-US" altLang="zh-TW" dirty="0"/>
           </a:p>
           <a:p>
             <a:endParaRPr lang="zh-TW" altLang="en-US" dirty="0"/>
@@ -4747,7 +4652,7 @@
           <p:cNvPr id="2" name="標題 1">
             <a:extLst>
               <a:ext uri="{FF2B5EF4-FFF2-40B4-BE49-F238E27FC236}">
-                <a16:creationId xmlns="" xmlns:a16="http://schemas.microsoft.com/office/drawing/2014/main" id="{DED4DC7B-2FD7-4BBB-9152-8A8406A727BF}"/>
+                <a16:creationId xmlns:a16="http://schemas.microsoft.com/office/drawing/2014/main" id="{DED4DC7B-2FD7-4BBB-9152-8A8406A727BF}"/>
               </a:ext>
             </a:extLst>
           </p:cNvPr>
@@ -4778,7 +4683,7 @@
           <p:cNvPr id="3" name="內容版面配置區 2">
             <a:extLst>
               <a:ext uri="{FF2B5EF4-FFF2-40B4-BE49-F238E27FC236}">
-                <a16:creationId xmlns="" xmlns:a16="http://schemas.microsoft.com/office/drawing/2014/main" id="{9D3694C9-5753-403C-9CAF-FD0CE7FF17C9}"/>
+                <a16:creationId xmlns:a16="http://schemas.microsoft.com/office/drawing/2014/main" id="{9D3694C9-5753-403C-9CAF-FD0CE7FF17C9}"/>
               </a:ext>
             </a:extLst>
           </p:cNvPr>
